--- a/Final Presentation.pptx
+++ b/Final Presentation.pptx
@@ -63,7 +63,7 @@
       </p:grpSpPr>
       <p:sp>
         <p:nvSpPr>
-          <p:cNvPr id="26" name="PlaceHolder 1"/>
+          <p:cNvPr id="23" name="PlaceHolder 1"/>
           <p:cNvSpPr>
             <a:spLocks noGrp="1"/>
           </p:cNvSpPr>
@@ -74,7 +74,7 @@
         <p:spPr>
           <a:xfrm>
             <a:off x="1523880" y="1122480"/>
-            <a:ext cx="9143640" cy="2387160"/>
+            <a:ext cx="9143280" cy="2386800"/>
           </a:xfrm>
           <a:prstGeom prst="rect">
             <a:avLst/>
@@ -83,18 +83,16 @@
         <p:txBody>
           <a:bodyPr lIns="0" rIns="0" tIns="0" bIns="0" anchor="ctr"/>
           <a:p>
-            <a:endParaRPr b="0" lang="en-NL" sz="1800" spc="-1" strike="noStrike">
-              <a:solidFill>
-                <a:srgbClr val="000000"/>
-              </a:solidFill>
-              <a:latin typeface="Calibri"/>
-            </a:endParaRPr>
-          </a:p>
-        </p:txBody>
-      </p:sp>
-      <p:sp>
-        <p:nvSpPr>
-          <p:cNvPr id="27" name="PlaceHolder 2"/>
+            <a:pPr algn="ctr"/>
+            <a:endParaRPr b="0" lang="en-US" sz="4400" spc="-1" strike="noStrike">
+              <a:latin typeface="Arial"/>
+            </a:endParaRPr>
+          </a:p>
+        </p:txBody>
+      </p:sp>
+      <p:sp>
+        <p:nvSpPr>
+          <p:cNvPr id="24" name="PlaceHolder 2"/>
           <p:cNvSpPr>
             <a:spLocks noGrp="1"/>
           </p:cNvSpPr>
@@ -116,18 +114,15 @@
             <a:normAutofit/>
           </a:bodyPr>
           <a:p>
-            <a:endParaRPr b="0" lang="en-NL" sz="2800" spc="-1" strike="noStrike">
-              <a:solidFill>
-                <a:srgbClr val="000000"/>
-              </a:solidFill>
-              <a:latin typeface="Calibri"/>
-            </a:endParaRPr>
-          </a:p>
-        </p:txBody>
-      </p:sp>
-      <p:sp>
-        <p:nvSpPr>
-          <p:cNvPr id="28" name="PlaceHolder 3"/>
+            <a:endParaRPr b="0" lang="en-US" sz="3200" spc="-1" strike="noStrike">
+              <a:latin typeface="Arial"/>
+            </a:endParaRPr>
+          </a:p>
+        </p:txBody>
+      </p:sp>
+      <p:sp>
+        <p:nvSpPr>
+          <p:cNvPr id="25" name="PlaceHolder 3"/>
           <p:cNvSpPr>
             <a:spLocks noGrp="1"/>
           </p:cNvSpPr>
@@ -149,11 +144,8 @@
             <a:normAutofit/>
           </a:bodyPr>
           <a:p>
-            <a:endParaRPr b="0" lang="en-NL" sz="2800" spc="-1" strike="noStrike">
-              <a:solidFill>
-                <a:srgbClr val="000000"/>
-              </a:solidFill>
-              <a:latin typeface="Calibri"/>
+            <a:endParaRPr b="0" lang="en-US" sz="3200" spc="-1" strike="noStrike">
+              <a:latin typeface="Arial"/>
             </a:endParaRPr>
           </a:p>
         </p:txBody>
@@ -182,7 +174,7 @@
       </p:grpSpPr>
       <p:sp>
         <p:nvSpPr>
-          <p:cNvPr id="29" name="PlaceHolder 1"/>
+          <p:cNvPr id="26" name="PlaceHolder 1"/>
           <p:cNvSpPr>
             <a:spLocks noGrp="1"/>
           </p:cNvSpPr>
@@ -193,7 +185,7 @@
         <p:spPr>
           <a:xfrm>
             <a:off x="1523880" y="1122480"/>
-            <a:ext cx="9143640" cy="2387160"/>
+            <a:ext cx="9143280" cy="2386800"/>
           </a:xfrm>
           <a:prstGeom prst="rect">
             <a:avLst/>
@@ -202,18 +194,16 @@
         <p:txBody>
           <a:bodyPr lIns="0" rIns="0" tIns="0" bIns="0" anchor="ctr"/>
           <a:p>
-            <a:endParaRPr b="0" lang="en-NL" sz="1800" spc="-1" strike="noStrike">
-              <a:solidFill>
-                <a:srgbClr val="000000"/>
-              </a:solidFill>
-              <a:latin typeface="Calibri"/>
-            </a:endParaRPr>
-          </a:p>
-        </p:txBody>
-      </p:sp>
-      <p:sp>
-        <p:nvSpPr>
-          <p:cNvPr id="30" name="PlaceHolder 2"/>
+            <a:pPr algn="ctr"/>
+            <a:endParaRPr b="0" lang="en-US" sz="4400" spc="-1" strike="noStrike">
+              <a:latin typeface="Arial"/>
+            </a:endParaRPr>
+          </a:p>
+        </p:txBody>
+      </p:sp>
+      <p:sp>
+        <p:nvSpPr>
+          <p:cNvPr id="27" name="PlaceHolder 2"/>
           <p:cNvSpPr>
             <a:spLocks noGrp="1"/>
           </p:cNvSpPr>
@@ -235,18 +225,15 @@
             <a:normAutofit/>
           </a:bodyPr>
           <a:p>
-            <a:endParaRPr b="0" lang="en-NL" sz="2800" spc="-1" strike="noStrike">
-              <a:solidFill>
-                <a:srgbClr val="000000"/>
-              </a:solidFill>
-              <a:latin typeface="Calibri"/>
-            </a:endParaRPr>
-          </a:p>
-        </p:txBody>
-      </p:sp>
-      <p:sp>
-        <p:nvSpPr>
-          <p:cNvPr id="31" name="PlaceHolder 3"/>
+            <a:endParaRPr b="0" lang="en-US" sz="3200" spc="-1" strike="noStrike">
+              <a:latin typeface="Arial"/>
+            </a:endParaRPr>
+          </a:p>
+        </p:txBody>
+      </p:sp>
+      <p:sp>
+        <p:nvSpPr>
+          <p:cNvPr id="28" name="PlaceHolder 3"/>
           <p:cNvSpPr>
             <a:spLocks noGrp="1"/>
           </p:cNvSpPr>
@@ -268,18 +255,15 @@
             <a:normAutofit/>
           </a:bodyPr>
           <a:p>
-            <a:endParaRPr b="0" lang="en-NL" sz="2800" spc="-1" strike="noStrike">
-              <a:solidFill>
-                <a:srgbClr val="000000"/>
-              </a:solidFill>
-              <a:latin typeface="Calibri"/>
-            </a:endParaRPr>
-          </a:p>
-        </p:txBody>
-      </p:sp>
-      <p:sp>
-        <p:nvSpPr>
-          <p:cNvPr id="32" name="PlaceHolder 4"/>
+            <a:endParaRPr b="0" lang="en-US" sz="3200" spc="-1" strike="noStrike">
+              <a:latin typeface="Arial"/>
+            </a:endParaRPr>
+          </a:p>
+        </p:txBody>
+      </p:sp>
+      <p:sp>
+        <p:nvSpPr>
+          <p:cNvPr id="29" name="PlaceHolder 4"/>
           <p:cNvSpPr>
             <a:spLocks noGrp="1"/>
           </p:cNvSpPr>
@@ -301,18 +285,15 @@
             <a:normAutofit/>
           </a:bodyPr>
           <a:p>
-            <a:endParaRPr b="0" lang="en-NL" sz="2800" spc="-1" strike="noStrike">
-              <a:solidFill>
-                <a:srgbClr val="000000"/>
-              </a:solidFill>
-              <a:latin typeface="Calibri"/>
-            </a:endParaRPr>
-          </a:p>
-        </p:txBody>
-      </p:sp>
-      <p:sp>
-        <p:nvSpPr>
-          <p:cNvPr id="33" name="PlaceHolder 5"/>
+            <a:endParaRPr b="0" lang="en-US" sz="3200" spc="-1" strike="noStrike">
+              <a:latin typeface="Arial"/>
+            </a:endParaRPr>
+          </a:p>
+        </p:txBody>
+      </p:sp>
+      <p:sp>
+        <p:nvSpPr>
+          <p:cNvPr id="30" name="PlaceHolder 5"/>
           <p:cNvSpPr>
             <a:spLocks noGrp="1"/>
           </p:cNvSpPr>
@@ -334,11 +315,8 @@
             <a:normAutofit/>
           </a:bodyPr>
           <a:p>
-            <a:endParaRPr b="0" lang="en-NL" sz="2800" spc="-1" strike="noStrike">
-              <a:solidFill>
-                <a:srgbClr val="000000"/>
-              </a:solidFill>
-              <a:latin typeface="Calibri"/>
+            <a:endParaRPr b="0" lang="en-US" sz="3200" spc="-1" strike="noStrike">
+              <a:latin typeface="Arial"/>
             </a:endParaRPr>
           </a:p>
         </p:txBody>
@@ -367,7 +345,7 @@
       </p:grpSpPr>
       <p:sp>
         <p:nvSpPr>
-          <p:cNvPr id="34" name="PlaceHolder 1"/>
+          <p:cNvPr id="31" name="PlaceHolder 1"/>
           <p:cNvSpPr>
             <a:spLocks noGrp="1"/>
           </p:cNvSpPr>
@@ -378,7 +356,7 @@
         <p:spPr>
           <a:xfrm>
             <a:off x="1523880" y="1122480"/>
-            <a:ext cx="9143640" cy="2387160"/>
+            <a:ext cx="9143280" cy="2386800"/>
           </a:xfrm>
           <a:prstGeom prst="rect">
             <a:avLst/>
@@ -387,18 +365,16 @@
         <p:txBody>
           <a:bodyPr lIns="0" rIns="0" tIns="0" bIns="0" anchor="ctr"/>
           <a:p>
-            <a:endParaRPr b="0" lang="en-NL" sz="1800" spc="-1" strike="noStrike">
-              <a:solidFill>
-                <a:srgbClr val="000000"/>
-              </a:solidFill>
-              <a:latin typeface="Calibri"/>
-            </a:endParaRPr>
-          </a:p>
-        </p:txBody>
-      </p:sp>
-      <p:sp>
-        <p:nvSpPr>
-          <p:cNvPr id="35" name="PlaceHolder 2"/>
+            <a:pPr algn="ctr"/>
+            <a:endParaRPr b="0" lang="en-US" sz="4400" spc="-1" strike="noStrike">
+              <a:latin typeface="Arial"/>
+            </a:endParaRPr>
+          </a:p>
+        </p:txBody>
+      </p:sp>
+      <p:sp>
+        <p:nvSpPr>
+          <p:cNvPr id="32" name="PlaceHolder 2"/>
           <p:cNvSpPr>
             <a:spLocks noGrp="1"/>
           </p:cNvSpPr>
@@ -420,18 +396,15 @@
             <a:normAutofit/>
           </a:bodyPr>
           <a:p>
-            <a:endParaRPr b="0" lang="en-NL" sz="2800" spc="-1" strike="noStrike">
-              <a:solidFill>
-                <a:srgbClr val="000000"/>
-              </a:solidFill>
-              <a:latin typeface="Calibri"/>
-            </a:endParaRPr>
-          </a:p>
-        </p:txBody>
-      </p:sp>
-      <p:sp>
-        <p:nvSpPr>
-          <p:cNvPr id="36" name="PlaceHolder 3"/>
+            <a:endParaRPr b="0" lang="en-US" sz="3200" spc="-1" strike="noStrike">
+              <a:latin typeface="Arial"/>
+            </a:endParaRPr>
+          </a:p>
+        </p:txBody>
+      </p:sp>
+      <p:sp>
+        <p:nvSpPr>
+          <p:cNvPr id="33" name="PlaceHolder 3"/>
           <p:cNvSpPr>
             <a:spLocks noGrp="1"/>
           </p:cNvSpPr>
@@ -453,18 +426,15 @@
             <a:normAutofit/>
           </a:bodyPr>
           <a:p>
-            <a:endParaRPr b="0" lang="en-NL" sz="2800" spc="-1" strike="noStrike">
-              <a:solidFill>
-                <a:srgbClr val="000000"/>
-              </a:solidFill>
-              <a:latin typeface="Calibri"/>
-            </a:endParaRPr>
-          </a:p>
-        </p:txBody>
-      </p:sp>
-      <p:sp>
-        <p:nvSpPr>
-          <p:cNvPr id="37" name="PlaceHolder 4"/>
+            <a:endParaRPr b="0" lang="en-US" sz="3200" spc="-1" strike="noStrike">
+              <a:latin typeface="Arial"/>
+            </a:endParaRPr>
+          </a:p>
+        </p:txBody>
+      </p:sp>
+      <p:sp>
+        <p:nvSpPr>
+          <p:cNvPr id="34" name="PlaceHolder 4"/>
           <p:cNvSpPr>
             <a:spLocks noGrp="1"/>
           </p:cNvSpPr>
@@ -486,18 +456,15 @@
             <a:normAutofit/>
           </a:bodyPr>
           <a:p>
-            <a:endParaRPr b="0" lang="en-NL" sz="2800" spc="-1" strike="noStrike">
-              <a:solidFill>
-                <a:srgbClr val="000000"/>
-              </a:solidFill>
-              <a:latin typeface="Calibri"/>
-            </a:endParaRPr>
-          </a:p>
-        </p:txBody>
-      </p:sp>
-      <p:sp>
-        <p:nvSpPr>
-          <p:cNvPr id="38" name="PlaceHolder 5"/>
+            <a:endParaRPr b="0" lang="en-US" sz="3200" spc="-1" strike="noStrike">
+              <a:latin typeface="Arial"/>
+            </a:endParaRPr>
+          </a:p>
+        </p:txBody>
+      </p:sp>
+      <p:sp>
+        <p:nvSpPr>
+          <p:cNvPr id="35" name="PlaceHolder 5"/>
           <p:cNvSpPr>
             <a:spLocks noGrp="1"/>
           </p:cNvSpPr>
@@ -519,18 +486,15 @@
             <a:normAutofit/>
           </a:bodyPr>
           <a:p>
-            <a:endParaRPr b="0" lang="en-NL" sz="2800" spc="-1" strike="noStrike">
-              <a:solidFill>
-                <a:srgbClr val="000000"/>
-              </a:solidFill>
-              <a:latin typeface="Calibri"/>
-            </a:endParaRPr>
-          </a:p>
-        </p:txBody>
-      </p:sp>
-      <p:sp>
-        <p:nvSpPr>
-          <p:cNvPr id="39" name="PlaceHolder 6"/>
+            <a:endParaRPr b="0" lang="en-US" sz="3200" spc="-1" strike="noStrike">
+              <a:latin typeface="Arial"/>
+            </a:endParaRPr>
+          </a:p>
+        </p:txBody>
+      </p:sp>
+      <p:sp>
+        <p:nvSpPr>
+          <p:cNvPr id="36" name="PlaceHolder 6"/>
           <p:cNvSpPr>
             <a:spLocks noGrp="1"/>
           </p:cNvSpPr>
@@ -552,18 +516,15 @@
             <a:normAutofit/>
           </a:bodyPr>
           <a:p>
-            <a:endParaRPr b="0" lang="en-NL" sz="2800" spc="-1" strike="noStrike">
-              <a:solidFill>
-                <a:srgbClr val="000000"/>
-              </a:solidFill>
-              <a:latin typeface="Calibri"/>
-            </a:endParaRPr>
-          </a:p>
-        </p:txBody>
-      </p:sp>
-      <p:sp>
-        <p:nvSpPr>
-          <p:cNvPr id="40" name="PlaceHolder 7"/>
+            <a:endParaRPr b="0" lang="en-US" sz="3200" spc="-1" strike="noStrike">
+              <a:latin typeface="Arial"/>
+            </a:endParaRPr>
+          </a:p>
+        </p:txBody>
+      </p:sp>
+      <p:sp>
+        <p:nvSpPr>
+          <p:cNvPr id="37" name="PlaceHolder 7"/>
           <p:cNvSpPr>
             <a:spLocks noGrp="1"/>
           </p:cNvSpPr>
@@ -585,11 +546,8 @@
             <a:normAutofit/>
           </a:bodyPr>
           <a:p>
-            <a:endParaRPr b="0" lang="en-NL" sz="2800" spc="-1" strike="noStrike">
-              <a:solidFill>
-                <a:srgbClr val="000000"/>
-              </a:solidFill>
-              <a:latin typeface="Calibri"/>
+            <a:endParaRPr b="0" lang="en-US" sz="3200" spc="-1" strike="noStrike">
+              <a:latin typeface="Arial"/>
             </a:endParaRPr>
           </a:p>
         </p:txBody>
@@ -618,7 +576,7 @@
       </p:grpSpPr>
       <p:sp>
         <p:nvSpPr>
-          <p:cNvPr id="5" name="PlaceHolder 1"/>
+          <p:cNvPr id="2" name="PlaceHolder 1"/>
           <p:cNvSpPr>
             <a:spLocks noGrp="1"/>
           </p:cNvSpPr>
@@ -629,7 +587,7 @@
         <p:spPr>
           <a:xfrm>
             <a:off x="1523880" y="1122480"/>
-            <a:ext cx="9143640" cy="2387160"/>
+            <a:ext cx="9143280" cy="2386800"/>
           </a:xfrm>
           <a:prstGeom prst="rect">
             <a:avLst/>
@@ -638,18 +596,16 @@
         <p:txBody>
           <a:bodyPr lIns="0" rIns="0" tIns="0" bIns="0" anchor="ctr"/>
           <a:p>
-            <a:endParaRPr b="0" lang="en-NL" sz="1800" spc="-1" strike="noStrike">
-              <a:solidFill>
-                <a:srgbClr val="000000"/>
-              </a:solidFill>
-              <a:latin typeface="Calibri"/>
-            </a:endParaRPr>
-          </a:p>
-        </p:txBody>
-      </p:sp>
-      <p:sp>
-        <p:nvSpPr>
-          <p:cNvPr id="6" name="PlaceHolder 2"/>
+            <a:pPr algn="ctr"/>
+            <a:endParaRPr b="0" lang="en-US" sz="4400" spc="-1" strike="noStrike">
+              <a:latin typeface="Arial"/>
+            </a:endParaRPr>
+          </a:p>
+        </p:txBody>
+      </p:sp>
+      <p:sp>
+        <p:nvSpPr>
+          <p:cNvPr id="3" name="PlaceHolder 2"/>
           <p:cNvSpPr>
             <a:spLocks noGrp="1"/>
           </p:cNvSpPr>
@@ -700,7 +656,7 @@
       </p:grpSpPr>
       <p:sp>
         <p:nvSpPr>
-          <p:cNvPr id="7" name="PlaceHolder 1"/>
+          <p:cNvPr id="4" name="PlaceHolder 1"/>
           <p:cNvSpPr>
             <a:spLocks noGrp="1"/>
           </p:cNvSpPr>
@@ -711,7 +667,7 @@
         <p:spPr>
           <a:xfrm>
             <a:off x="1523880" y="1122480"/>
-            <a:ext cx="9143640" cy="2387160"/>
+            <a:ext cx="9143280" cy="2386800"/>
           </a:xfrm>
           <a:prstGeom prst="rect">
             <a:avLst/>
@@ -720,18 +676,16 @@
         <p:txBody>
           <a:bodyPr lIns="0" rIns="0" tIns="0" bIns="0" anchor="ctr"/>
           <a:p>
-            <a:endParaRPr b="0" lang="en-NL" sz="1800" spc="-1" strike="noStrike">
-              <a:solidFill>
-                <a:srgbClr val="000000"/>
-              </a:solidFill>
-              <a:latin typeface="Calibri"/>
-            </a:endParaRPr>
-          </a:p>
-        </p:txBody>
-      </p:sp>
-      <p:sp>
-        <p:nvSpPr>
-          <p:cNvPr id="8" name="PlaceHolder 2"/>
+            <a:pPr algn="ctr"/>
+            <a:endParaRPr b="0" lang="en-US" sz="4400" spc="-1" strike="noStrike">
+              <a:latin typeface="Arial"/>
+            </a:endParaRPr>
+          </a:p>
+        </p:txBody>
+      </p:sp>
+      <p:sp>
+        <p:nvSpPr>
+          <p:cNvPr id="5" name="PlaceHolder 2"/>
           <p:cNvSpPr>
             <a:spLocks noGrp="1"/>
           </p:cNvSpPr>
@@ -753,11 +707,8 @@
             <a:normAutofit/>
           </a:bodyPr>
           <a:p>
-            <a:endParaRPr b="0" lang="en-NL" sz="2800" spc="-1" strike="noStrike">
-              <a:solidFill>
-                <a:srgbClr val="000000"/>
-              </a:solidFill>
-              <a:latin typeface="Calibri"/>
+            <a:endParaRPr b="0" lang="en-US" sz="3200" spc="-1" strike="noStrike">
+              <a:latin typeface="Arial"/>
             </a:endParaRPr>
           </a:p>
         </p:txBody>
@@ -786,7 +737,7 @@
       </p:grpSpPr>
       <p:sp>
         <p:nvSpPr>
-          <p:cNvPr id="9" name="PlaceHolder 1"/>
+          <p:cNvPr id="6" name="PlaceHolder 1"/>
           <p:cNvSpPr>
             <a:spLocks noGrp="1"/>
           </p:cNvSpPr>
@@ -797,7 +748,7 @@
         <p:spPr>
           <a:xfrm>
             <a:off x="1523880" y="1122480"/>
-            <a:ext cx="9143640" cy="2387160"/>
+            <a:ext cx="9143280" cy="2386800"/>
           </a:xfrm>
           <a:prstGeom prst="rect">
             <a:avLst/>
@@ -806,18 +757,16 @@
         <p:txBody>
           <a:bodyPr lIns="0" rIns="0" tIns="0" bIns="0" anchor="ctr"/>
           <a:p>
-            <a:endParaRPr b="0" lang="en-NL" sz="1800" spc="-1" strike="noStrike">
-              <a:solidFill>
-                <a:srgbClr val="000000"/>
-              </a:solidFill>
-              <a:latin typeface="Calibri"/>
-            </a:endParaRPr>
-          </a:p>
-        </p:txBody>
-      </p:sp>
-      <p:sp>
-        <p:nvSpPr>
-          <p:cNvPr id="10" name="PlaceHolder 2"/>
+            <a:pPr algn="ctr"/>
+            <a:endParaRPr b="0" lang="en-US" sz="4400" spc="-1" strike="noStrike">
+              <a:latin typeface="Arial"/>
+            </a:endParaRPr>
+          </a:p>
+        </p:txBody>
+      </p:sp>
+      <p:sp>
+        <p:nvSpPr>
+          <p:cNvPr id="7" name="PlaceHolder 2"/>
           <p:cNvSpPr>
             <a:spLocks noGrp="1"/>
           </p:cNvSpPr>
@@ -839,18 +788,15 @@
             <a:normAutofit/>
           </a:bodyPr>
           <a:p>
-            <a:endParaRPr b="0" lang="en-NL" sz="2800" spc="-1" strike="noStrike">
-              <a:solidFill>
-                <a:srgbClr val="000000"/>
-              </a:solidFill>
-              <a:latin typeface="Calibri"/>
-            </a:endParaRPr>
-          </a:p>
-        </p:txBody>
-      </p:sp>
-      <p:sp>
-        <p:nvSpPr>
-          <p:cNvPr id="11" name="PlaceHolder 3"/>
+            <a:endParaRPr b="0" lang="en-US" sz="3200" spc="-1" strike="noStrike">
+              <a:latin typeface="Arial"/>
+            </a:endParaRPr>
+          </a:p>
+        </p:txBody>
+      </p:sp>
+      <p:sp>
+        <p:nvSpPr>
+          <p:cNvPr id="8" name="PlaceHolder 3"/>
           <p:cNvSpPr>
             <a:spLocks noGrp="1"/>
           </p:cNvSpPr>
@@ -872,11 +818,8 @@
             <a:normAutofit/>
           </a:bodyPr>
           <a:p>
-            <a:endParaRPr b="0" lang="en-NL" sz="2800" spc="-1" strike="noStrike">
-              <a:solidFill>
-                <a:srgbClr val="000000"/>
-              </a:solidFill>
-              <a:latin typeface="Calibri"/>
+            <a:endParaRPr b="0" lang="en-US" sz="3200" spc="-1" strike="noStrike">
+              <a:latin typeface="Arial"/>
             </a:endParaRPr>
           </a:p>
         </p:txBody>
@@ -905,7 +848,7 @@
       </p:grpSpPr>
       <p:sp>
         <p:nvSpPr>
-          <p:cNvPr id="12" name="PlaceHolder 1"/>
+          <p:cNvPr id="9" name="PlaceHolder 1"/>
           <p:cNvSpPr>
             <a:spLocks noGrp="1"/>
           </p:cNvSpPr>
@@ -916,7 +859,7 @@
         <p:spPr>
           <a:xfrm>
             <a:off x="1523880" y="1122480"/>
-            <a:ext cx="9143640" cy="2387160"/>
+            <a:ext cx="9143280" cy="2386800"/>
           </a:xfrm>
           <a:prstGeom prst="rect">
             <a:avLst/>
@@ -925,11 +868,9 @@
         <p:txBody>
           <a:bodyPr lIns="0" rIns="0" tIns="0" bIns="0" anchor="ctr"/>
           <a:p>
-            <a:endParaRPr b="0" lang="en-NL" sz="1800" spc="-1" strike="noStrike">
-              <a:solidFill>
-                <a:srgbClr val="000000"/>
-              </a:solidFill>
-              <a:latin typeface="Calibri"/>
+            <a:pPr algn="ctr"/>
+            <a:endParaRPr b="0" lang="en-US" sz="4400" spc="-1" strike="noStrike">
+              <a:latin typeface="Arial"/>
             </a:endParaRPr>
           </a:p>
         </p:txBody>
@@ -958,7 +899,7 @@
       </p:grpSpPr>
       <p:sp>
         <p:nvSpPr>
-          <p:cNvPr id="13" name="PlaceHolder 1"/>
+          <p:cNvPr id="10" name="PlaceHolder 1"/>
           <p:cNvSpPr>
             <a:spLocks noGrp="1"/>
           </p:cNvSpPr>
@@ -969,7 +910,7 @@
         <p:spPr>
           <a:xfrm>
             <a:off x="1523880" y="1122480"/>
-            <a:ext cx="9143640" cy="11066760"/>
+            <a:ext cx="9143280" cy="11064960"/>
           </a:xfrm>
           <a:prstGeom prst="rect">
             <a:avLst/>
@@ -1009,7 +950,7 @@
       </p:grpSpPr>
       <p:sp>
         <p:nvSpPr>
-          <p:cNvPr id="14" name="PlaceHolder 1"/>
+          <p:cNvPr id="11" name="PlaceHolder 1"/>
           <p:cNvSpPr>
             <a:spLocks noGrp="1"/>
           </p:cNvSpPr>
@@ -1020,7 +961,7 @@
         <p:spPr>
           <a:xfrm>
             <a:off x="1523880" y="1122480"/>
-            <a:ext cx="9143640" cy="2387160"/>
+            <a:ext cx="9143280" cy="2386800"/>
           </a:xfrm>
           <a:prstGeom prst="rect">
             <a:avLst/>
@@ -1029,18 +970,16 @@
         <p:txBody>
           <a:bodyPr lIns="0" rIns="0" tIns="0" bIns="0" anchor="ctr"/>
           <a:p>
-            <a:endParaRPr b="0" lang="en-NL" sz="1800" spc="-1" strike="noStrike">
-              <a:solidFill>
-                <a:srgbClr val="000000"/>
-              </a:solidFill>
-              <a:latin typeface="Calibri"/>
-            </a:endParaRPr>
-          </a:p>
-        </p:txBody>
-      </p:sp>
-      <p:sp>
-        <p:nvSpPr>
-          <p:cNvPr id="15" name="PlaceHolder 2"/>
+            <a:pPr algn="ctr"/>
+            <a:endParaRPr b="0" lang="en-US" sz="4400" spc="-1" strike="noStrike">
+              <a:latin typeface="Arial"/>
+            </a:endParaRPr>
+          </a:p>
+        </p:txBody>
+      </p:sp>
+      <p:sp>
+        <p:nvSpPr>
+          <p:cNvPr id="12" name="PlaceHolder 2"/>
           <p:cNvSpPr>
             <a:spLocks noGrp="1"/>
           </p:cNvSpPr>
@@ -1062,18 +1001,15 @@
             <a:normAutofit/>
           </a:bodyPr>
           <a:p>
-            <a:endParaRPr b="0" lang="en-NL" sz="2800" spc="-1" strike="noStrike">
-              <a:solidFill>
-                <a:srgbClr val="000000"/>
-              </a:solidFill>
-              <a:latin typeface="Calibri"/>
-            </a:endParaRPr>
-          </a:p>
-        </p:txBody>
-      </p:sp>
-      <p:sp>
-        <p:nvSpPr>
-          <p:cNvPr id="16" name="PlaceHolder 3"/>
+            <a:endParaRPr b="0" lang="en-US" sz="3200" spc="-1" strike="noStrike">
+              <a:latin typeface="Arial"/>
+            </a:endParaRPr>
+          </a:p>
+        </p:txBody>
+      </p:sp>
+      <p:sp>
+        <p:nvSpPr>
+          <p:cNvPr id="13" name="PlaceHolder 3"/>
           <p:cNvSpPr>
             <a:spLocks noGrp="1"/>
           </p:cNvSpPr>
@@ -1095,18 +1031,15 @@
             <a:normAutofit/>
           </a:bodyPr>
           <a:p>
-            <a:endParaRPr b="0" lang="en-NL" sz="2800" spc="-1" strike="noStrike">
-              <a:solidFill>
-                <a:srgbClr val="000000"/>
-              </a:solidFill>
-              <a:latin typeface="Calibri"/>
-            </a:endParaRPr>
-          </a:p>
-        </p:txBody>
-      </p:sp>
-      <p:sp>
-        <p:nvSpPr>
-          <p:cNvPr id="17" name="PlaceHolder 4"/>
+            <a:endParaRPr b="0" lang="en-US" sz="3200" spc="-1" strike="noStrike">
+              <a:latin typeface="Arial"/>
+            </a:endParaRPr>
+          </a:p>
+        </p:txBody>
+      </p:sp>
+      <p:sp>
+        <p:nvSpPr>
+          <p:cNvPr id="14" name="PlaceHolder 4"/>
           <p:cNvSpPr>
             <a:spLocks noGrp="1"/>
           </p:cNvSpPr>
@@ -1128,11 +1061,8 @@
             <a:normAutofit/>
           </a:bodyPr>
           <a:p>
-            <a:endParaRPr b="0" lang="en-NL" sz="2800" spc="-1" strike="noStrike">
-              <a:solidFill>
-                <a:srgbClr val="000000"/>
-              </a:solidFill>
-              <a:latin typeface="Calibri"/>
+            <a:endParaRPr b="0" lang="en-US" sz="3200" spc="-1" strike="noStrike">
+              <a:latin typeface="Arial"/>
             </a:endParaRPr>
           </a:p>
         </p:txBody>
@@ -1161,7 +1091,7 @@
       </p:grpSpPr>
       <p:sp>
         <p:nvSpPr>
-          <p:cNvPr id="18" name="PlaceHolder 1"/>
+          <p:cNvPr id="15" name="PlaceHolder 1"/>
           <p:cNvSpPr>
             <a:spLocks noGrp="1"/>
           </p:cNvSpPr>
@@ -1172,7 +1102,7 @@
         <p:spPr>
           <a:xfrm>
             <a:off x="1523880" y="1122480"/>
-            <a:ext cx="9143640" cy="2387160"/>
+            <a:ext cx="9143280" cy="2386800"/>
           </a:xfrm>
           <a:prstGeom prst="rect">
             <a:avLst/>
@@ -1181,18 +1111,16 @@
         <p:txBody>
           <a:bodyPr lIns="0" rIns="0" tIns="0" bIns="0" anchor="ctr"/>
           <a:p>
-            <a:endParaRPr b="0" lang="en-NL" sz="1800" spc="-1" strike="noStrike">
-              <a:solidFill>
-                <a:srgbClr val="000000"/>
-              </a:solidFill>
-              <a:latin typeface="Calibri"/>
-            </a:endParaRPr>
-          </a:p>
-        </p:txBody>
-      </p:sp>
-      <p:sp>
-        <p:nvSpPr>
-          <p:cNvPr id="19" name="PlaceHolder 2"/>
+            <a:pPr algn="ctr"/>
+            <a:endParaRPr b="0" lang="en-US" sz="4400" spc="-1" strike="noStrike">
+              <a:latin typeface="Arial"/>
+            </a:endParaRPr>
+          </a:p>
+        </p:txBody>
+      </p:sp>
+      <p:sp>
+        <p:nvSpPr>
+          <p:cNvPr id="16" name="PlaceHolder 2"/>
           <p:cNvSpPr>
             <a:spLocks noGrp="1"/>
           </p:cNvSpPr>
@@ -1214,18 +1142,15 @@
             <a:normAutofit/>
           </a:bodyPr>
           <a:p>
-            <a:endParaRPr b="0" lang="en-NL" sz="2800" spc="-1" strike="noStrike">
-              <a:solidFill>
-                <a:srgbClr val="000000"/>
-              </a:solidFill>
-              <a:latin typeface="Calibri"/>
-            </a:endParaRPr>
-          </a:p>
-        </p:txBody>
-      </p:sp>
-      <p:sp>
-        <p:nvSpPr>
-          <p:cNvPr id="20" name="PlaceHolder 3"/>
+            <a:endParaRPr b="0" lang="en-US" sz="3200" spc="-1" strike="noStrike">
+              <a:latin typeface="Arial"/>
+            </a:endParaRPr>
+          </a:p>
+        </p:txBody>
+      </p:sp>
+      <p:sp>
+        <p:nvSpPr>
+          <p:cNvPr id="17" name="PlaceHolder 3"/>
           <p:cNvSpPr>
             <a:spLocks noGrp="1"/>
           </p:cNvSpPr>
@@ -1247,18 +1172,15 @@
             <a:normAutofit/>
           </a:bodyPr>
           <a:p>
-            <a:endParaRPr b="0" lang="en-NL" sz="2800" spc="-1" strike="noStrike">
-              <a:solidFill>
-                <a:srgbClr val="000000"/>
-              </a:solidFill>
-              <a:latin typeface="Calibri"/>
-            </a:endParaRPr>
-          </a:p>
-        </p:txBody>
-      </p:sp>
-      <p:sp>
-        <p:nvSpPr>
-          <p:cNvPr id="21" name="PlaceHolder 4"/>
+            <a:endParaRPr b="0" lang="en-US" sz="3200" spc="-1" strike="noStrike">
+              <a:latin typeface="Arial"/>
+            </a:endParaRPr>
+          </a:p>
+        </p:txBody>
+      </p:sp>
+      <p:sp>
+        <p:nvSpPr>
+          <p:cNvPr id="18" name="PlaceHolder 4"/>
           <p:cNvSpPr>
             <a:spLocks noGrp="1"/>
           </p:cNvSpPr>
@@ -1280,11 +1202,8 @@
             <a:normAutofit/>
           </a:bodyPr>
           <a:p>
-            <a:endParaRPr b="0" lang="en-NL" sz="2800" spc="-1" strike="noStrike">
-              <a:solidFill>
-                <a:srgbClr val="000000"/>
-              </a:solidFill>
-              <a:latin typeface="Calibri"/>
+            <a:endParaRPr b="0" lang="en-US" sz="3200" spc="-1" strike="noStrike">
+              <a:latin typeface="Arial"/>
             </a:endParaRPr>
           </a:p>
         </p:txBody>
@@ -1313,7 +1232,7 @@
       </p:grpSpPr>
       <p:sp>
         <p:nvSpPr>
-          <p:cNvPr id="22" name="PlaceHolder 1"/>
+          <p:cNvPr id="19" name="PlaceHolder 1"/>
           <p:cNvSpPr>
             <a:spLocks noGrp="1"/>
           </p:cNvSpPr>
@@ -1324,7 +1243,7 @@
         <p:spPr>
           <a:xfrm>
             <a:off x="1523880" y="1122480"/>
-            <a:ext cx="9143640" cy="2387160"/>
+            <a:ext cx="9143280" cy="2386800"/>
           </a:xfrm>
           <a:prstGeom prst="rect">
             <a:avLst/>
@@ -1333,18 +1252,16 @@
         <p:txBody>
           <a:bodyPr lIns="0" rIns="0" tIns="0" bIns="0" anchor="ctr"/>
           <a:p>
-            <a:endParaRPr b="0" lang="en-NL" sz="1800" spc="-1" strike="noStrike">
-              <a:solidFill>
-                <a:srgbClr val="000000"/>
-              </a:solidFill>
-              <a:latin typeface="Calibri"/>
-            </a:endParaRPr>
-          </a:p>
-        </p:txBody>
-      </p:sp>
-      <p:sp>
-        <p:nvSpPr>
-          <p:cNvPr id="23" name="PlaceHolder 2"/>
+            <a:pPr algn="ctr"/>
+            <a:endParaRPr b="0" lang="en-US" sz="4400" spc="-1" strike="noStrike">
+              <a:latin typeface="Arial"/>
+            </a:endParaRPr>
+          </a:p>
+        </p:txBody>
+      </p:sp>
+      <p:sp>
+        <p:nvSpPr>
+          <p:cNvPr id="20" name="PlaceHolder 2"/>
           <p:cNvSpPr>
             <a:spLocks noGrp="1"/>
           </p:cNvSpPr>
@@ -1366,18 +1283,15 @@
             <a:normAutofit/>
           </a:bodyPr>
           <a:p>
-            <a:endParaRPr b="0" lang="en-NL" sz="2800" spc="-1" strike="noStrike">
-              <a:solidFill>
-                <a:srgbClr val="000000"/>
-              </a:solidFill>
-              <a:latin typeface="Calibri"/>
-            </a:endParaRPr>
-          </a:p>
-        </p:txBody>
-      </p:sp>
-      <p:sp>
-        <p:nvSpPr>
-          <p:cNvPr id="24" name="PlaceHolder 3"/>
+            <a:endParaRPr b="0" lang="en-US" sz="3200" spc="-1" strike="noStrike">
+              <a:latin typeface="Arial"/>
+            </a:endParaRPr>
+          </a:p>
+        </p:txBody>
+      </p:sp>
+      <p:sp>
+        <p:nvSpPr>
+          <p:cNvPr id="21" name="PlaceHolder 3"/>
           <p:cNvSpPr>
             <a:spLocks noGrp="1"/>
           </p:cNvSpPr>
@@ -1399,18 +1313,15 @@
             <a:normAutofit/>
           </a:bodyPr>
           <a:p>
-            <a:endParaRPr b="0" lang="en-NL" sz="2800" spc="-1" strike="noStrike">
-              <a:solidFill>
-                <a:srgbClr val="000000"/>
-              </a:solidFill>
-              <a:latin typeface="Calibri"/>
-            </a:endParaRPr>
-          </a:p>
-        </p:txBody>
-      </p:sp>
-      <p:sp>
-        <p:nvSpPr>
-          <p:cNvPr id="25" name="PlaceHolder 4"/>
+            <a:endParaRPr b="0" lang="en-US" sz="3200" spc="-1" strike="noStrike">
+              <a:latin typeface="Arial"/>
+            </a:endParaRPr>
+          </a:p>
+        </p:txBody>
+      </p:sp>
+      <p:sp>
+        <p:nvSpPr>
+          <p:cNvPr id="22" name="PlaceHolder 4"/>
           <p:cNvSpPr>
             <a:spLocks noGrp="1"/>
           </p:cNvSpPr>
@@ -1432,11 +1343,8 @@
             <a:normAutofit/>
           </a:bodyPr>
           <a:p>
-            <a:endParaRPr b="0" lang="en-NL" sz="2800" spc="-1" strike="noStrike">
-              <a:solidFill>
-                <a:srgbClr val="000000"/>
-              </a:solidFill>
-              <a:latin typeface="Calibri"/>
+            <a:endParaRPr b="0" lang="en-US" sz="3200" spc="-1" strike="noStrike">
+              <a:latin typeface="Arial"/>
             </a:endParaRPr>
           </a:p>
         </p:txBody>
@@ -1483,52 +1391,23 @@
         <p:spPr>
           <a:xfrm>
             <a:off x="1523880" y="1122480"/>
-            <a:ext cx="9143640" cy="2387160"/>
-          </a:xfrm>
-          <a:prstGeom prst="rect">
-            <a:avLst/>
-          </a:prstGeom>
-        </p:spPr>
-        <p:txBody>
-          <a:bodyPr anchor="b"/>
-          <a:p>
-            <a:pPr algn="ctr">
-              <a:lnSpc>
-                <a:spcPct val="90000"/>
-              </a:lnSpc>
-            </a:pPr>
-            <a:r>
-              <a:rPr b="0" lang="en-NL" sz="6000" spc="-1" strike="noStrike">
-                <a:solidFill>
-                  <a:srgbClr val="000000"/>
-                </a:solidFill>
-                <a:latin typeface="Calibri Light"/>
-              </a:rPr>
-              <a:t>Click to edit </a:t>
-            </a:r>
-            <a:r>
-              <a:rPr b="0" lang="en-NL" sz="6000" spc="-1" strike="noStrike">
-                <a:solidFill>
-                  <a:srgbClr val="000000"/>
-                </a:solidFill>
-                <a:latin typeface="Calibri Light"/>
-              </a:rPr>
-              <a:t>Master title </a:t>
-            </a:r>
-            <a:r>
-              <a:rPr b="0" lang="en-NL" sz="6000" spc="-1" strike="noStrike">
-                <a:solidFill>
-                  <a:srgbClr val="000000"/>
-                </a:solidFill>
-                <a:latin typeface="Calibri Light"/>
-              </a:rPr>
-              <a:t>style</a:t>
-            </a:r>
-            <a:endParaRPr b="0" lang="en-NL" sz="6000" spc="-1" strike="noStrike">
-              <a:solidFill>
-                <a:srgbClr val="000000"/>
-              </a:solidFill>
-              <a:latin typeface="Calibri"/>
+            <a:ext cx="9143280" cy="2386800"/>
+          </a:xfrm>
+          <a:prstGeom prst="rect">
+            <a:avLst/>
+          </a:prstGeom>
+        </p:spPr>
+        <p:txBody>
+          <a:bodyPr lIns="0" rIns="0" tIns="0" bIns="0" anchor="ctr"/>
+          <a:p>
+            <a:r>
+              <a:rPr b="0" lang="en-US" sz="1800" spc="-1" strike="noStrike">
+                <a:latin typeface="Arial"/>
+              </a:rPr>
+              <a:t>Click to edit the title text format</a:t>
+            </a:r>
+            <a:endParaRPr b="0" lang="en-US" sz="1800" spc="-1" strike="noStrike">
+              <a:latin typeface="Arial"/>
             </a:endParaRPr>
           </a:p>
         </p:txBody>
@@ -1536,118 +1415,6 @@
       <p:sp>
         <p:nvSpPr>
           <p:cNvPr id="1" name="PlaceHolder 2"/>
-          <p:cNvSpPr>
-            <a:spLocks noGrp="1"/>
-          </p:cNvSpPr>
-          <p:nvPr>
-            <p:ph type="dt"/>
-          </p:nvPr>
-        </p:nvSpPr>
-        <p:spPr>
-          <a:xfrm>
-            <a:off x="838080" y="6356520"/>
-            <a:ext cx="2742840" cy="364680"/>
-          </a:xfrm>
-          <a:prstGeom prst="rect">
-            <a:avLst/>
-          </a:prstGeom>
-        </p:spPr>
-        <p:txBody>
-          <a:bodyPr anchor="ctr"/>
-          <a:p>
-            <a:pPr>
-              <a:lnSpc>
-                <a:spcPct val="100000"/>
-              </a:lnSpc>
-            </a:pPr>
-            <a:fld id="{943B7726-FC56-4811-AD45-D667A98DFA0B}" type="datetime">
-              <a:rPr b="0" lang="en-US" sz="1200" spc="-1" strike="noStrike">
-                <a:solidFill>
-                  <a:srgbClr val="8b8b8b"/>
-                </a:solidFill>
-                <a:latin typeface="Calibri"/>
-              </a:rPr>
-              <a:t>1/23/20</a:t>
-            </a:fld>
-            <a:endParaRPr b="0" lang="en-US" sz="1200" spc="-1" strike="noStrike">
-              <a:latin typeface="Times New Roman"/>
-            </a:endParaRPr>
-          </a:p>
-        </p:txBody>
-      </p:sp>
-      <p:sp>
-        <p:nvSpPr>
-          <p:cNvPr id="2" name="PlaceHolder 3"/>
-          <p:cNvSpPr>
-            <a:spLocks noGrp="1"/>
-          </p:cNvSpPr>
-          <p:nvPr>
-            <p:ph type="ftr"/>
-          </p:nvPr>
-        </p:nvSpPr>
-        <p:spPr>
-          <a:xfrm>
-            <a:off x="4038480" y="6356520"/>
-            <a:ext cx="4114440" cy="364680"/>
-          </a:xfrm>
-          <a:prstGeom prst="rect">
-            <a:avLst/>
-          </a:prstGeom>
-        </p:spPr>
-        <p:txBody>
-          <a:bodyPr anchor="ctr"/>
-          <a:p>
-            <a:endParaRPr b="0" lang="en-US" sz="2400" spc="-1" strike="noStrike">
-              <a:latin typeface="Times New Roman"/>
-            </a:endParaRPr>
-          </a:p>
-        </p:txBody>
-      </p:sp>
-      <p:sp>
-        <p:nvSpPr>
-          <p:cNvPr id="3" name="PlaceHolder 4"/>
-          <p:cNvSpPr>
-            <a:spLocks noGrp="1"/>
-          </p:cNvSpPr>
-          <p:nvPr>
-            <p:ph type="sldNum"/>
-          </p:nvPr>
-        </p:nvSpPr>
-        <p:spPr>
-          <a:xfrm>
-            <a:off x="8610480" y="6356520"/>
-            <a:ext cx="2742840" cy="364680"/>
-          </a:xfrm>
-          <a:prstGeom prst="rect">
-            <a:avLst/>
-          </a:prstGeom>
-        </p:spPr>
-        <p:txBody>
-          <a:bodyPr anchor="ctr"/>
-          <a:p>
-            <a:pPr algn="r">
-              <a:lnSpc>
-                <a:spcPct val="100000"/>
-              </a:lnSpc>
-            </a:pPr>
-            <a:fld id="{3338BFB4-E121-4F03-9581-CB68DF83385B}" type="slidenum">
-              <a:rPr b="0" lang="en-US" sz="1200" spc="-1" strike="noStrike">
-                <a:solidFill>
-                  <a:srgbClr val="8b8b8b"/>
-                </a:solidFill>
-                <a:latin typeface="Calibri"/>
-              </a:rPr>
-              <a:t>&lt;number&gt;</a:t>
-            </a:fld>
-            <a:endParaRPr b="0" lang="en-US" sz="1200" spc="-1" strike="noStrike">
-              <a:latin typeface="Times New Roman"/>
-            </a:endParaRPr>
-          </a:p>
-        </p:txBody>
-      </p:sp>
-      <p:sp>
-        <p:nvSpPr>
-          <p:cNvPr id="4" name="PlaceHolder 5"/>
           <p:cNvSpPr>
             <a:spLocks noGrp="1"/>
           </p:cNvSpPr>
@@ -1681,19 +1448,13 @@
               <a:buChar char=""/>
             </a:pPr>
             <a:r>
-              <a:rPr b="0" lang="en-NL" sz="2800" spc="-1" strike="noStrike">
-                <a:solidFill>
-                  <a:srgbClr val="000000"/>
-                </a:solidFill>
-                <a:latin typeface="Calibri"/>
+              <a:rPr b="0" lang="en-US" sz="3200" spc="-1" strike="noStrike">
+                <a:latin typeface="Arial"/>
               </a:rPr>
               <a:t>Click to edit the outline text format</a:t>
             </a:r>
-            <a:endParaRPr b="0" lang="en-NL" sz="2800" spc="-1" strike="noStrike">
-              <a:solidFill>
-                <a:srgbClr val="000000"/>
-              </a:solidFill>
-              <a:latin typeface="Calibri"/>
+            <a:endParaRPr b="0" lang="en-US" sz="3200" spc="-1" strike="noStrike">
+              <a:latin typeface="Arial"/>
             </a:endParaRPr>
           </a:p>
           <a:p>
@@ -1709,19 +1470,13 @@
               <a:buChar char=""/>
             </a:pPr>
             <a:r>
-              <a:rPr b="0" lang="en-NL" sz="2000" spc="-1" strike="noStrike">
-                <a:solidFill>
-                  <a:srgbClr val="000000"/>
-                </a:solidFill>
-                <a:latin typeface="Calibri"/>
+              <a:rPr b="0" lang="en-US" sz="2800" spc="-1" strike="noStrike">
+                <a:latin typeface="Arial"/>
               </a:rPr>
               <a:t>Second Outline Level</a:t>
             </a:r>
-            <a:endParaRPr b="0" lang="en-NL" sz="2000" spc="-1" strike="noStrike">
-              <a:solidFill>
-                <a:srgbClr val="000000"/>
-              </a:solidFill>
-              <a:latin typeface="Calibri"/>
+            <a:endParaRPr b="0" lang="en-US" sz="2800" spc="-1" strike="noStrike">
+              <a:latin typeface="Arial"/>
             </a:endParaRPr>
           </a:p>
           <a:p>
@@ -1737,19 +1492,13 @@
               <a:buChar char=""/>
             </a:pPr>
             <a:r>
-              <a:rPr b="0" lang="en-NL" sz="1800" spc="-1" strike="noStrike">
-                <a:solidFill>
-                  <a:srgbClr val="000000"/>
-                </a:solidFill>
-                <a:latin typeface="Calibri"/>
+              <a:rPr b="0" lang="en-US" sz="2400" spc="-1" strike="noStrike">
+                <a:latin typeface="Arial"/>
               </a:rPr>
               <a:t>Third Outline Level</a:t>
             </a:r>
-            <a:endParaRPr b="0" lang="en-NL" sz="1800" spc="-1" strike="noStrike">
-              <a:solidFill>
-                <a:srgbClr val="000000"/>
-              </a:solidFill>
-              <a:latin typeface="Calibri"/>
+            <a:endParaRPr b="0" lang="en-US" sz="2400" spc="-1" strike="noStrike">
+              <a:latin typeface="Arial"/>
             </a:endParaRPr>
           </a:p>
           <a:p>
@@ -1765,19 +1514,13 @@
               <a:buChar char=""/>
             </a:pPr>
             <a:r>
-              <a:rPr b="0" lang="en-NL" sz="1800" spc="-1" strike="noStrike">
-                <a:solidFill>
-                  <a:srgbClr val="000000"/>
-                </a:solidFill>
-                <a:latin typeface="Calibri"/>
+              <a:rPr b="0" lang="en-US" sz="2000" spc="-1" strike="noStrike">
+                <a:latin typeface="Arial"/>
               </a:rPr>
               <a:t>Fourth Outline Level</a:t>
             </a:r>
-            <a:endParaRPr b="0" lang="en-NL" sz="1800" spc="-1" strike="noStrike">
-              <a:solidFill>
-                <a:srgbClr val="000000"/>
-              </a:solidFill>
-              <a:latin typeface="Calibri"/>
+            <a:endParaRPr b="0" lang="en-US" sz="2000" spc="-1" strike="noStrike">
+              <a:latin typeface="Arial"/>
             </a:endParaRPr>
           </a:p>
           <a:p>
@@ -1793,19 +1536,13 @@
               <a:buChar char=""/>
             </a:pPr>
             <a:r>
-              <a:rPr b="0" lang="en-NL" sz="2000" spc="-1" strike="noStrike">
-                <a:solidFill>
-                  <a:srgbClr val="000000"/>
-                </a:solidFill>
-                <a:latin typeface="Calibri"/>
+              <a:rPr b="0" lang="en-US" sz="2000" spc="-1" strike="noStrike">
+                <a:latin typeface="Arial"/>
               </a:rPr>
               <a:t>Fifth Outline Level</a:t>
             </a:r>
-            <a:endParaRPr b="0" lang="en-NL" sz="2000" spc="-1" strike="noStrike">
-              <a:solidFill>
-                <a:srgbClr val="000000"/>
-              </a:solidFill>
-              <a:latin typeface="Calibri"/>
+            <a:endParaRPr b="0" lang="en-US" sz="2000" spc="-1" strike="noStrike">
+              <a:latin typeface="Arial"/>
             </a:endParaRPr>
           </a:p>
           <a:p>
@@ -1821,19 +1558,13 @@
               <a:buChar char=""/>
             </a:pPr>
             <a:r>
-              <a:rPr b="0" lang="en-NL" sz="2000" spc="-1" strike="noStrike">
-                <a:solidFill>
-                  <a:srgbClr val="000000"/>
-                </a:solidFill>
-                <a:latin typeface="Calibri"/>
+              <a:rPr b="0" lang="en-US" sz="2000" spc="-1" strike="noStrike">
+                <a:latin typeface="Arial"/>
               </a:rPr>
               <a:t>Sixth Outline Level</a:t>
             </a:r>
-            <a:endParaRPr b="0" lang="en-NL" sz="2000" spc="-1" strike="noStrike">
-              <a:solidFill>
-                <a:srgbClr val="000000"/>
-              </a:solidFill>
-              <a:latin typeface="Calibri"/>
+            <a:endParaRPr b="0" lang="en-US" sz="2000" spc="-1" strike="noStrike">
+              <a:latin typeface="Arial"/>
             </a:endParaRPr>
           </a:p>
           <a:p>
@@ -1849,19 +1580,13 @@
               <a:buChar char=""/>
             </a:pPr>
             <a:r>
-              <a:rPr b="0" lang="en-NL" sz="2000" spc="-1" strike="noStrike">
-                <a:solidFill>
-                  <a:srgbClr val="000000"/>
-                </a:solidFill>
-                <a:latin typeface="Calibri"/>
+              <a:rPr b="0" lang="en-US" sz="2000" spc="-1" strike="noStrike">
+                <a:latin typeface="Arial"/>
               </a:rPr>
               <a:t>Seventh Outline Level</a:t>
             </a:r>
-            <a:endParaRPr b="0" lang="en-NL" sz="2000" spc="-1" strike="noStrike">
-              <a:solidFill>
-                <a:srgbClr val="000000"/>
-              </a:solidFill>
-              <a:latin typeface="Calibri"/>
+            <a:endParaRPr b="0" lang="en-US" sz="2000" spc="-1" strike="noStrike">
+              <a:latin typeface="Arial"/>
             </a:endParaRPr>
           </a:p>
         </p:txBody>
@@ -1912,7 +1637,7 @@
       </p:grpSpPr>
       <p:pic>
         <p:nvPicPr>
-          <p:cNvPr id="41" name="Picture 4" descr=""/>
+          <p:cNvPr id="38" name="Picture 4" descr=""/>
           <p:cNvPicPr/>
           <p:nvPr/>
         </p:nvPicPr>
@@ -1923,7 +1648,7 @@
         <p:spPr>
           <a:xfrm>
             <a:off x="4321440" y="754920"/>
-            <a:ext cx="9507960" cy="5348160"/>
+            <a:ext cx="9507600" cy="5347800"/>
           </a:xfrm>
           <a:prstGeom prst="rect">
             <a:avLst/>
@@ -1935,108 +1660,14 @@
       </p:pic>
       <p:sp>
         <p:nvSpPr>
-          <p:cNvPr id="42" name="TextShape 1"/>
-          <p:cNvSpPr txBox="1"/>
-          <p:nvPr/>
-        </p:nvSpPr>
-        <p:spPr>
-          <a:xfrm>
-            <a:off x="600120" y="868320"/>
-            <a:ext cx="6133680" cy="2387160"/>
-          </a:xfrm>
-          <a:prstGeom prst="rect">
-            <a:avLst/>
-          </a:prstGeom>
-          <a:noFill/>
-          <a:ln>
-            <a:noFill/>
-          </a:ln>
-        </p:spPr>
-        <p:txBody>
-          <a:bodyPr anchor="b">
-            <a:normAutofit/>
-          </a:bodyPr>
-          <a:p>
-            <a:pPr>
-              <a:lnSpc>
-                <a:spcPct val="90000"/>
-              </a:lnSpc>
-            </a:pPr>
-            <a:r>
-              <a:rPr b="1" lang="en-NL" sz="4800" spc="-1" strike="noStrike">
-                <a:solidFill>
-                  <a:srgbClr val="ffffff"/>
-                </a:solidFill>
-                <a:latin typeface="Rubik"/>
-              </a:rPr>
-              <a:t>Training a Robotic Hand in Object Orientation Tasks</a:t>
-            </a:r>
-            <a:endParaRPr b="0" lang="en-NL" sz="4800" spc="-1" strike="noStrike">
-              <a:solidFill>
-                <a:srgbClr val="000000"/>
-              </a:solidFill>
-              <a:latin typeface="Calibri"/>
-            </a:endParaRPr>
-          </a:p>
-        </p:txBody>
-      </p:sp>
-      <p:sp>
-        <p:nvSpPr>
-          <p:cNvPr id="43" name="TextShape 2"/>
-          <p:cNvSpPr txBox="1"/>
-          <p:nvPr/>
-        </p:nvSpPr>
-        <p:spPr>
-          <a:xfrm>
-            <a:off x="600120" y="3617640"/>
-            <a:ext cx="5495400" cy="837720"/>
-          </a:xfrm>
-          <a:prstGeom prst="rect">
-            <a:avLst/>
-          </a:prstGeom>
-          <a:noFill/>
-          <a:ln>
-            <a:noFill/>
-          </a:ln>
-        </p:spPr>
-        <p:txBody>
-          <a:bodyPr>
-            <a:normAutofit/>
-          </a:bodyPr>
-          <a:p>
-            <a:pPr>
-              <a:lnSpc>
-                <a:spcPct val="90000"/>
-              </a:lnSpc>
-              <a:spcBef>
-                <a:spcPts val="1001"/>
-              </a:spcBef>
-            </a:pPr>
-            <a:r>
-              <a:rPr b="0" lang="en-US" sz="1800" spc="-1" strike="noStrike">
-                <a:solidFill>
-                  <a:srgbClr val="ffffff"/>
-                </a:solidFill>
-                <a:latin typeface="Calibri"/>
-              </a:rPr>
-              <a:t>A research by: Amir Pliev, Raphael Fortunato, Mike Nies and Julio Goodsaid</a:t>
-            </a:r>
-            <a:endParaRPr b="0" lang="en-US" sz="1800" spc="-1" strike="noStrike">
-              <a:latin typeface="Arial"/>
-            </a:endParaRPr>
-          </a:p>
-        </p:txBody>
-      </p:sp>
-      <p:sp>
-        <p:nvSpPr>
-          <p:cNvPr id="44" name="CustomShape 3"/>
+          <p:cNvPr id="39" name="CustomShape 1"/>
           <p:cNvSpPr/>
           <p:nvPr/>
         </p:nvSpPr>
         <p:spPr>
           <a:xfrm>
-            <a:off x="6540840" y="132480"/>
-            <a:ext cx="5495400" cy="320040"/>
+            <a:off x="600120" y="868320"/>
+            <a:ext cx="6133320" cy="2386800"/>
           </a:xfrm>
           <a:prstGeom prst="rect">
             <a:avLst/>
@@ -2053,7 +1684,7 @@
           <a:fontRef idx="minor"/>
         </p:style>
         <p:txBody>
-          <a:bodyPr>
+          <a:bodyPr lIns="90000" rIns="90000" tIns="45000" bIns="45000" anchor="b">
             <a:normAutofit/>
           </a:bodyPr>
           <a:p>
@@ -2061,16 +1692,120 @@
               <a:lnSpc>
                 <a:spcPct val="90000"/>
               </a:lnSpc>
+            </a:pPr>
+            <a:r>
+              <a:rPr b="1" lang="en-US" sz="4800" spc="-1" strike="noStrike">
+                <a:solidFill>
+                  <a:srgbClr val="ffffff"/>
+                </a:solidFill>
+                <a:latin typeface="Rubik"/>
+              </a:rPr>
+              <a:t>Training a Robotic Hand in Object Orientation Tasks</a:t>
+            </a:r>
+            <a:endParaRPr b="0" lang="en-US" sz="4800" spc="-1" strike="noStrike">
+              <a:latin typeface="Arial"/>
+            </a:endParaRPr>
+          </a:p>
+        </p:txBody>
+      </p:sp>
+      <p:sp>
+        <p:nvSpPr>
+          <p:cNvPr id="40" name="CustomShape 2"/>
+          <p:cNvSpPr/>
+          <p:nvPr/>
+        </p:nvSpPr>
+        <p:spPr>
+          <a:xfrm>
+            <a:off x="600120" y="3617640"/>
+            <a:ext cx="5495040" cy="837360"/>
+          </a:xfrm>
+          <a:prstGeom prst="rect">
+            <a:avLst/>
+          </a:prstGeom>
+          <a:noFill/>
+          <a:ln>
+            <a:noFill/>
+          </a:ln>
+        </p:spPr>
+        <p:style>
+          <a:lnRef idx="0"/>
+          <a:fillRef idx="0"/>
+          <a:effectRef idx="0"/>
+          <a:fontRef idx="minor"/>
+        </p:style>
+        <p:txBody>
+          <a:bodyPr lIns="90000" rIns="90000" tIns="45000" bIns="45000">
+            <a:normAutofit/>
+          </a:bodyPr>
+          <a:p>
+            <a:pPr>
+              <a:lnSpc>
+                <a:spcPct val="90000"/>
+              </a:lnSpc>
               <a:spcBef>
                 <a:spcPts val="1001"/>
               </a:spcBef>
             </a:pPr>
             <a:r>
+              <a:rPr b="0" lang="en-US" sz="1800" spc="-1" strike="noStrike">
+                <a:solidFill>
+                  <a:srgbClr val="ffffff"/>
+                </a:solidFill>
+                <a:latin typeface="Calibri"/>
+              </a:rPr>
+              <a:t>A research by: Amir Pliev, Raphael Fortunato, Mike Nies and Julio Goodsaid</a:t>
+            </a:r>
+            <a:endParaRPr b="0" lang="en-US" sz="1800" spc="-1" strike="noStrike">
+              <a:latin typeface="Arial"/>
+            </a:endParaRPr>
+          </a:p>
+        </p:txBody>
+      </p:sp>
+      <p:sp>
+        <p:nvSpPr>
+          <p:cNvPr id="41" name="CustomShape 3"/>
+          <p:cNvSpPr/>
+          <p:nvPr/>
+        </p:nvSpPr>
+        <p:spPr>
+          <a:xfrm>
+            <a:off x="6540840" y="132480"/>
+            <a:ext cx="5495040" cy="319680"/>
+          </a:xfrm>
+          <a:prstGeom prst="rect">
+            <a:avLst/>
+          </a:prstGeom>
+          <a:noFill/>
+          <a:ln>
+            <a:noFill/>
+          </a:ln>
+        </p:spPr>
+        <p:style>
+          <a:lnRef idx="0"/>
+          <a:fillRef idx="0"/>
+          <a:effectRef idx="0"/>
+          <a:fontRef idx="minor"/>
+        </p:style>
+        <p:txBody>
+          <a:bodyPr lIns="90000" rIns="90000" tIns="45000" bIns="45000">
+            <a:normAutofit/>
+          </a:bodyPr>
+          <a:p>
+            <a:pPr>
+              <a:lnSpc>
+                <a:spcPct val="90000"/>
+              </a:lnSpc>
+              <a:spcBef>
+                <a:spcPts val="1001"/>
+              </a:spcBef>
+            </a:pPr>
+            <a:r>
               <a:rPr b="0" i="1" lang="en-US" sz="1600" spc="-1" strike="noStrike">
                 <a:solidFill>
                   <a:srgbClr val="ffffff"/>
                 </a:solidFill>
                 <a:latin typeface="Calibri"/>
+                <a:ea typeface="DejaVu Sans"/>
               </a:rPr>
               <a:t>Random Agent:</a:t>
             </a:r>
@@ -2138,7 +1873,7 @@
       </p:grpSpPr>
       <p:pic>
         <p:nvPicPr>
-          <p:cNvPr id="84" name="Picture 7" descr=""/>
+          <p:cNvPr id="81" name="Picture 7" descr=""/>
           <p:cNvPicPr/>
           <p:nvPr/>
         </p:nvPicPr>
@@ -2149,7 +1884,7 @@
         <p:spPr>
           <a:xfrm>
             <a:off x="5628600" y="0"/>
-            <a:ext cx="7473240" cy="4203360"/>
+            <a:ext cx="7472880" cy="4203000"/>
           </a:xfrm>
           <a:prstGeom prst="rect">
             <a:avLst/>
@@ -2161,167 +1896,14 @@
       </p:pic>
       <p:sp>
         <p:nvSpPr>
-          <p:cNvPr id="85" name="TextShape 1"/>
-          <p:cNvSpPr txBox="1"/>
-          <p:nvPr/>
-        </p:nvSpPr>
-        <p:spPr>
-          <a:xfrm>
-            <a:off x="600120" y="868320"/>
-            <a:ext cx="6133680" cy="837720"/>
-          </a:xfrm>
-          <a:prstGeom prst="rect">
-            <a:avLst/>
-          </a:prstGeom>
-          <a:noFill/>
-          <a:ln>
-            <a:noFill/>
-          </a:ln>
-        </p:spPr>
-        <p:txBody>
-          <a:bodyPr anchor="b">
-            <a:normAutofit/>
-          </a:bodyPr>
-          <a:p>
-            <a:pPr>
-              <a:lnSpc>
-                <a:spcPct val="90000"/>
-              </a:lnSpc>
-            </a:pPr>
-            <a:r>
-              <a:rPr b="1" lang="en-NL" sz="4800" spc="-1" strike="noStrike">
-                <a:solidFill>
-                  <a:srgbClr val="ffffff"/>
-                </a:solidFill>
-                <a:latin typeface="Rubik"/>
-              </a:rPr>
-              <a:t>Conclusion</a:t>
-            </a:r>
-            <a:endParaRPr b="0" lang="en-NL" sz="4800" spc="-1" strike="noStrike">
-              <a:solidFill>
-                <a:srgbClr val="000000"/>
-              </a:solidFill>
-              <a:latin typeface="Calibri"/>
-            </a:endParaRPr>
-          </a:p>
-        </p:txBody>
-      </p:sp>
-      <p:sp>
-        <p:nvSpPr>
-          <p:cNvPr id="86" name="TextShape 2"/>
-          <p:cNvSpPr txBox="1"/>
-          <p:nvPr/>
-        </p:nvSpPr>
-        <p:spPr>
-          <a:xfrm>
-            <a:off x="600120" y="2453040"/>
-            <a:ext cx="6133680" cy="3916440"/>
-          </a:xfrm>
-          <a:prstGeom prst="rect">
-            <a:avLst/>
-          </a:prstGeom>
-          <a:noFill/>
-          <a:ln>
-            <a:noFill/>
-          </a:ln>
-        </p:spPr>
-        <p:txBody>
-          <a:bodyPr>
-            <a:normAutofit/>
-          </a:bodyPr>
-          <a:p>
-            <a:pPr marL="343080" indent="-342720">
-              <a:lnSpc>
-                <a:spcPct val="90000"/>
-              </a:lnSpc>
-              <a:spcBef>
-                <a:spcPts val="1001"/>
-              </a:spcBef>
-              <a:buClr>
-                <a:srgbClr val="ffffff"/>
-              </a:buClr>
-              <a:buFont typeface="Arial"/>
-              <a:buChar char="•"/>
-            </a:pPr>
-            <a:r>
-              <a:rPr b="0" lang="en-US" sz="2400" spc="-1" strike="noStrike">
-                <a:solidFill>
-                  <a:srgbClr val="ffffff"/>
-                </a:solidFill>
-                <a:latin typeface="Calibri"/>
-              </a:rPr>
-              <a:t>A Deep deterministic Policy Gradient consist of 2 networks, an Actor and  a Critic</a:t>
-            </a:r>
-            <a:endParaRPr b="0" lang="en-US" sz="2400" spc="-1" strike="noStrike">
-              <a:latin typeface="Arial"/>
-            </a:endParaRPr>
-          </a:p>
-          <a:p>
-            <a:pPr marL="285840" indent="-285480">
-              <a:lnSpc>
-                <a:spcPct val="90000"/>
-              </a:lnSpc>
-              <a:spcBef>
-                <a:spcPts val="1001"/>
-              </a:spcBef>
-              <a:buClr>
-                <a:srgbClr val="ffffff"/>
-              </a:buClr>
-              <a:buFont typeface="Arial"/>
-              <a:buChar char="•"/>
-            </a:pPr>
-            <a:r>
-              <a:rPr b="0" lang="en-US" sz="2400" spc="-1" strike="noStrike">
-                <a:solidFill>
-                  <a:srgbClr val="ffffff"/>
-                </a:solidFill>
-                <a:latin typeface="Calibri"/>
-              </a:rPr>
-              <a:t>The actors job is to select the best action in an given state</a:t>
-            </a:r>
-            <a:endParaRPr b="0" lang="en-US" sz="2400" spc="-1" strike="noStrike">
-              <a:latin typeface="Arial"/>
-            </a:endParaRPr>
-          </a:p>
-          <a:p>
-            <a:pPr marL="285840" indent="-285480">
-              <a:lnSpc>
-                <a:spcPct val="90000"/>
-              </a:lnSpc>
-              <a:spcBef>
-                <a:spcPts val="1001"/>
-              </a:spcBef>
-              <a:buClr>
-                <a:srgbClr val="ffffff"/>
-              </a:buClr>
-              <a:buFont typeface="Arial"/>
-              <a:buChar char="•"/>
-            </a:pPr>
-            <a:r>
-              <a:rPr b="0" lang="en-US" sz="2400" spc="-1" strike="noStrike">
-                <a:solidFill>
-                  <a:srgbClr val="ffffff"/>
-                </a:solidFill>
-                <a:latin typeface="Calibri"/>
-              </a:rPr>
-              <a:t>The critic network is tasked with finding the proper Q-value for a given state action pair. </a:t>
-            </a:r>
-            <a:endParaRPr b="0" lang="en-US" sz="2400" spc="-1" strike="noStrike">
-              <a:latin typeface="Arial"/>
-            </a:endParaRPr>
-          </a:p>
-        </p:txBody>
-      </p:sp>
-      <p:sp>
-        <p:nvSpPr>
-          <p:cNvPr id="87" name="CustomShape 3"/>
+          <p:cNvPr id="82" name="CustomShape 1"/>
           <p:cNvSpPr/>
           <p:nvPr/>
         </p:nvSpPr>
         <p:spPr>
           <a:xfrm>
-            <a:off x="6540840" y="132480"/>
-            <a:ext cx="5495400" cy="320040"/>
+            <a:off x="600120" y="868320"/>
+            <a:ext cx="6133320" cy="837360"/>
           </a:xfrm>
           <a:prstGeom prst="rect">
             <a:avLst/>
@@ -2338,7 +1920,7 @@
           <a:fontRef idx="minor"/>
         </p:style>
         <p:txBody>
-          <a:bodyPr>
+          <a:bodyPr lIns="90000" rIns="90000" tIns="45000" bIns="45000" anchor="b">
             <a:normAutofit/>
           </a:bodyPr>
           <a:p>
@@ -2346,9 +1928,171 @@
               <a:lnSpc>
                 <a:spcPct val="90000"/>
               </a:lnSpc>
+            </a:pPr>
+            <a:r>
+              <a:rPr b="1" lang="en-US" sz="4800" spc="-1" strike="noStrike">
+                <a:solidFill>
+                  <a:srgbClr val="ffffff"/>
+                </a:solidFill>
+                <a:latin typeface="Rubik"/>
+              </a:rPr>
+              <a:t>Conclusion</a:t>
+            </a:r>
+            <a:endParaRPr b="0" lang="en-US" sz="4800" spc="-1" strike="noStrike">
+              <a:latin typeface="Arial"/>
+            </a:endParaRPr>
+          </a:p>
+        </p:txBody>
+      </p:sp>
+      <p:sp>
+        <p:nvSpPr>
+          <p:cNvPr id="83" name="CustomShape 2"/>
+          <p:cNvSpPr/>
+          <p:nvPr/>
+        </p:nvSpPr>
+        <p:spPr>
+          <a:xfrm>
+            <a:off x="600120" y="2453040"/>
+            <a:ext cx="6133320" cy="3916080"/>
+          </a:xfrm>
+          <a:prstGeom prst="rect">
+            <a:avLst/>
+          </a:prstGeom>
+          <a:noFill/>
+          <a:ln>
+            <a:noFill/>
+          </a:ln>
+        </p:spPr>
+        <p:style>
+          <a:lnRef idx="0"/>
+          <a:fillRef idx="0"/>
+          <a:effectRef idx="0"/>
+          <a:fontRef idx="minor"/>
+        </p:style>
+        <p:txBody>
+          <a:bodyPr lIns="90000" rIns="90000" tIns="45000" bIns="45000">
+            <a:normAutofit/>
+          </a:bodyPr>
+          <a:p>
+            <a:pPr marL="343080" indent="-342360">
+              <a:lnSpc>
+                <a:spcPct val="90000"/>
+              </a:lnSpc>
               <a:spcBef>
                 <a:spcPts val="1001"/>
               </a:spcBef>
+              <a:buClr>
+                <a:srgbClr val="ffffff"/>
+              </a:buClr>
+              <a:buFont typeface="Arial"/>
+              <a:buChar char="•"/>
+            </a:pPr>
+            <a:r>
+              <a:rPr b="0" lang="en-US" sz="2400" spc="-1" strike="noStrike">
+                <a:solidFill>
+                  <a:srgbClr val="ffffff"/>
+                </a:solidFill>
+                <a:latin typeface="Calibri"/>
+              </a:rPr>
+              <a:t>A Deep deterministic Policy Gradient consist of 2 networks, an Actor and  a Critic</a:t>
+            </a:r>
+            <a:endParaRPr b="0" lang="en-US" sz="2400" spc="-1" strike="noStrike">
+              <a:latin typeface="Arial"/>
+            </a:endParaRPr>
+          </a:p>
+          <a:p>
+            <a:pPr marL="285840" indent="-285120">
+              <a:lnSpc>
+                <a:spcPct val="90000"/>
+              </a:lnSpc>
+              <a:spcBef>
+                <a:spcPts val="1001"/>
+              </a:spcBef>
+              <a:buClr>
+                <a:srgbClr val="ffffff"/>
+              </a:buClr>
+              <a:buFont typeface="Arial"/>
+              <a:buChar char="•"/>
+            </a:pPr>
+            <a:r>
+              <a:rPr b="0" lang="en-US" sz="2400" spc="-1" strike="noStrike">
+                <a:solidFill>
+                  <a:srgbClr val="ffffff"/>
+                </a:solidFill>
+                <a:latin typeface="Calibri"/>
+              </a:rPr>
+              <a:t>The actors job is to select the best action in an given state</a:t>
+            </a:r>
+            <a:endParaRPr b="0" lang="en-US" sz="2400" spc="-1" strike="noStrike">
+              <a:latin typeface="Arial"/>
+            </a:endParaRPr>
+          </a:p>
+          <a:p>
+            <a:pPr marL="285840" indent="-285120">
+              <a:lnSpc>
+                <a:spcPct val="90000"/>
+              </a:lnSpc>
+              <a:spcBef>
+                <a:spcPts val="1001"/>
+              </a:spcBef>
+              <a:buClr>
+                <a:srgbClr val="ffffff"/>
+              </a:buClr>
+              <a:buFont typeface="Arial"/>
+              <a:buChar char="•"/>
+            </a:pPr>
+            <a:r>
+              <a:rPr b="0" lang="en-US" sz="2400" spc="-1" strike="noStrike">
+                <a:solidFill>
+                  <a:srgbClr val="ffffff"/>
+                </a:solidFill>
+                <a:latin typeface="Calibri"/>
+              </a:rPr>
+              <a:t>The critic network is tasked with finding the proper Q-value for a given state action pair. </a:t>
+            </a:r>
+            <a:endParaRPr b="0" lang="en-US" sz="2400" spc="-1" strike="noStrike">
+              <a:latin typeface="Arial"/>
+            </a:endParaRPr>
+          </a:p>
+        </p:txBody>
+      </p:sp>
+      <p:sp>
+        <p:nvSpPr>
+          <p:cNvPr id="84" name="CustomShape 3"/>
+          <p:cNvSpPr/>
+          <p:nvPr/>
+        </p:nvSpPr>
+        <p:spPr>
+          <a:xfrm>
+            <a:off x="6540840" y="132480"/>
+            <a:ext cx="5495040" cy="319680"/>
+          </a:xfrm>
+          <a:prstGeom prst="rect">
+            <a:avLst/>
+          </a:prstGeom>
+          <a:noFill/>
+          <a:ln>
+            <a:noFill/>
+          </a:ln>
+        </p:spPr>
+        <p:style>
+          <a:lnRef idx="0"/>
+          <a:fillRef idx="0"/>
+          <a:effectRef idx="0"/>
+          <a:fontRef idx="minor"/>
+        </p:style>
+        <p:txBody>
+          <a:bodyPr lIns="90000" rIns="90000" tIns="45000" bIns="45000">
+            <a:normAutofit/>
+          </a:bodyPr>
+          <a:p>
+            <a:pPr>
+              <a:lnSpc>
+                <a:spcPct val="90000"/>
+              </a:lnSpc>
+              <a:spcBef>
+                <a:spcPts val="1001"/>
+              </a:spcBef>
             </a:pPr>
             <a:r>
               <a:rPr b="0" i="1" lang="en-US" sz="1600" spc="-1" strike="noStrike">
@@ -2356,6 +2100,7 @@
                   <a:srgbClr val="ffffff"/>
                 </a:solidFill>
                 <a:latin typeface="Calibri"/>
+                <a:ea typeface="DejaVu Sans"/>
               </a:rPr>
               <a:t>Timelapse</a:t>
             </a:r>
@@ -2423,7 +2168,7 @@
       </p:grpSpPr>
       <p:pic>
         <p:nvPicPr>
-          <p:cNvPr id="88" name="Picture 7" descr=""/>
+          <p:cNvPr id="85" name="Picture 7" descr=""/>
           <p:cNvPicPr/>
           <p:nvPr/>
         </p:nvPicPr>
@@ -2434,7 +2179,7 @@
         <p:spPr>
           <a:xfrm>
             <a:off x="-135000" y="932040"/>
-            <a:ext cx="12039840" cy="6772320"/>
+            <a:ext cx="12039480" cy="6771960"/>
           </a:xfrm>
           <a:prstGeom prst="rect">
             <a:avLst/>
@@ -2446,61 +2191,14 @@
       </p:pic>
       <p:sp>
         <p:nvSpPr>
-          <p:cNvPr id="89" name="TextShape 1"/>
-          <p:cNvSpPr txBox="1"/>
-          <p:nvPr/>
-        </p:nvSpPr>
-        <p:spPr>
-          <a:xfrm>
-            <a:off x="4035600" y="779760"/>
-            <a:ext cx="6133680" cy="837720"/>
-          </a:xfrm>
-          <a:prstGeom prst="rect">
-            <a:avLst/>
-          </a:prstGeom>
-          <a:noFill/>
-          <a:ln>
-            <a:noFill/>
-          </a:ln>
-        </p:spPr>
-        <p:txBody>
-          <a:bodyPr anchor="b">
-            <a:normAutofit/>
-          </a:bodyPr>
-          <a:p>
-            <a:pPr>
-              <a:lnSpc>
-                <a:spcPct val="90000"/>
-              </a:lnSpc>
-            </a:pPr>
-            <a:r>
-              <a:rPr b="1" lang="en-NL" sz="4800" spc="-1" strike="noStrike">
-                <a:solidFill>
-                  <a:srgbClr val="ffffff"/>
-                </a:solidFill>
-                <a:latin typeface="Rubik"/>
-              </a:rPr>
-              <a:t>Questions?</a:t>
-            </a:r>
-            <a:endParaRPr b="0" lang="en-NL" sz="4800" spc="-1" strike="noStrike">
-              <a:solidFill>
-                <a:srgbClr val="000000"/>
-              </a:solidFill>
-              <a:latin typeface="Calibri"/>
-            </a:endParaRPr>
-          </a:p>
-        </p:txBody>
-      </p:sp>
-      <p:sp>
-        <p:nvSpPr>
-          <p:cNvPr id="90" name="CustomShape 2"/>
+          <p:cNvPr id="86" name="CustomShape 1"/>
           <p:cNvSpPr/>
           <p:nvPr/>
         </p:nvSpPr>
         <p:spPr>
           <a:xfrm>
-            <a:off x="2448000" y="1908000"/>
-            <a:ext cx="5495400" cy="320040"/>
+            <a:off x="4035600" y="779760"/>
+            <a:ext cx="6133320" cy="837360"/>
           </a:xfrm>
           <a:prstGeom prst="rect">
             <a:avLst/>
@@ -2517,7 +2215,7 @@
           <a:fontRef idx="minor"/>
         </p:style>
         <p:txBody>
-          <a:bodyPr>
+          <a:bodyPr lIns="90000" rIns="90000" tIns="45000" bIns="45000" anchor="b">
             <a:normAutofit/>
           </a:bodyPr>
           <a:p>
@@ -2525,6 +2223,56 @@
               <a:lnSpc>
                 <a:spcPct val="90000"/>
               </a:lnSpc>
+            </a:pPr>
+            <a:r>
+              <a:rPr b="1" lang="en-US" sz="4800" spc="-1" strike="noStrike">
+                <a:solidFill>
+                  <a:srgbClr val="ffffff"/>
+                </a:solidFill>
+                <a:latin typeface="Rubik"/>
+              </a:rPr>
+              <a:t>Questions?</a:t>
+            </a:r>
+            <a:endParaRPr b="0" lang="en-US" sz="4800" spc="-1" strike="noStrike">
+              <a:latin typeface="Arial"/>
+            </a:endParaRPr>
+          </a:p>
+        </p:txBody>
+      </p:sp>
+      <p:sp>
+        <p:nvSpPr>
+          <p:cNvPr id="87" name="CustomShape 2"/>
+          <p:cNvSpPr/>
+          <p:nvPr/>
+        </p:nvSpPr>
+        <p:spPr>
+          <a:xfrm>
+            <a:off x="2448000" y="1908000"/>
+            <a:ext cx="5495040" cy="319680"/>
+          </a:xfrm>
+          <a:prstGeom prst="rect">
+            <a:avLst/>
+          </a:prstGeom>
+          <a:noFill/>
+          <a:ln>
+            <a:noFill/>
+          </a:ln>
+        </p:spPr>
+        <p:style>
+          <a:lnRef idx="0"/>
+          <a:fillRef idx="0"/>
+          <a:effectRef idx="0"/>
+          <a:fontRef idx="minor"/>
+        </p:style>
+        <p:txBody>
+          <a:bodyPr lIns="90000" rIns="90000" tIns="45000" bIns="45000">
+            <a:normAutofit/>
+          </a:bodyPr>
+          <a:p>
+            <a:pPr>
+              <a:lnSpc>
+                <a:spcPct val="90000"/>
+              </a:lnSpc>
               <a:spcBef>
                 <a:spcPts val="1001"/>
               </a:spcBef>
@@ -2535,6 +2283,7 @@
                   <a:srgbClr val="ffffff"/>
                 </a:solidFill>
                 <a:latin typeface="Calibri"/>
+                <a:ea typeface="DejaVu Sans"/>
               </a:rPr>
               <a:t>Timelapse</a:t>
             </a:r>
@@ -2602,7 +2351,7 @@
       </p:grpSpPr>
       <p:pic>
         <p:nvPicPr>
-          <p:cNvPr id="45" name="Picture 7" descr=""/>
+          <p:cNvPr id="42" name="Picture 7" descr=""/>
           <p:cNvPicPr/>
           <p:nvPr/>
         </p:nvPicPr>
@@ -2613,7 +2362,7 @@
         <p:spPr>
           <a:xfrm>
             <a:off x="5628600" y="0"/>
-            <a:ext cx="7473240" cy="4203360"/>
+            <a:ext cx="7472880" cy="4203000"/>
           </a:xfrm>
           <a:prstGeom prst="rect">
             <a:avLst/>
@@ -2625,221 +2374,14 @@
       </p:pic>
       <p:sp>
         <p:nvSpPr>
-          <p:cNvPr id="46" name="TextShape 1"/>
-          <p:cNvSpPr txBox="1"/>
-          <p:nvPr/>
-        </p:nvSpPr>
-        <p:spPr>
-          <a:xfrm>
-            <a:off x="600120" y="868320"/>
-            <a:ext cx="6133680" cy="837720"/>
-          </a:xfrm>
-          <a:prstGeom prst="rect">
-            <a:avLst/>
-          </a:prstGeom>
-          <a:noFill/>
-          <a:ln>
-            <a:noFill/>
-          </a:ln>
-        </p:spPr>
-        <p:txBody>
-          <a:bodyPr anchor="b">
-            <a:normAutofit/>
-          </a:bodyPr>
-          <a:p>
-            <a:pPr>
-              <a:lnSpc>
-                <a:spcPct val="90000"/>
-              </a:lnSpc>
-            </a:pPr>
-            <a:r>
-              <a:rPr b="1" lang="en-NL" sz="4800" spc="-1" strike="noStrike">
-                <a:solidFill>
-                  <a:srgbClr val="ffffff"/>
-                </a:solidFill>
-                <a:latin typeface="Rubik"/>
-              </a:rPr>
-              <a:t>Content</a:t>
-            </a:r>
-            <a:endParaRPr b="0" lang="en-NL" sz="4800" spc="-1" strike="noStrike">
-              <a:solidFill>
-                <a:srgbClr val="000000"/>
-              </a:solidFill>
-              <a:latin typeface="Calibri"/>
-            </a:endParaRPr>
-          </a:p>
-        </p:txBody>
-      </p:sp>
-      <p:sp>
-        <p:nvSpPr>
-          <p:cNvPr id="47" name="TextShape 2"/>
-          <p:cNvSpPr txBox="1"/>
-          <p:nvPr/>
-        </p:nvSpPr>
-        <p:spPr>
-          <a:xfrm>
-            <a:off x="600120" y="2122200"/>
-            <a:ext cx="6133680" cy="3916440"/>
-          </a:xfrm>
-          <a:prstGeom prst="rect">
-            <a:avLst/>
-          </a:prstGeom>
-          <a:noFill/>
-          <a:ln>
-            <a:noFill/>
-          </a:ln>
-        </p:spPr>
-        <p:txBody>
-          <a:bodyPr>
-            <a:normAutofit/>
-          </a:bodyPr>
-          <a:p>
-            <a:pPr marL="343080" indent="-342720">
-              <a:lnSpc>
-                <a:spcPct val="90000"/>
-              </a:lnSpc>
-              <a:spcBef>
-                <a:spcPts val="1001"/>
-              </a:spcBef>
-              <a:buClr>
-                <a:srgbClr val="ffffff"/>
-              </a:buClr>
-              <a:buFont typeface="Arial"/>
-              <a:buChar char="•"/>
-            </a:pPr>
-            <a:r>
-              <a:rPr b="0" lang="en-US" sz="2400" spc="-1" strike="noStrike">
-                <a:solidFill>
-                  <a:srgbClr val="ffffff"/>
-                </a:solidFill>
-                <a:latin typeface="Calibri"/>
-              </a:rPr>
-              <a:t>Reinforcement Learning</a:t>
-            </a:r>
-            <a:endParaRPr b="0" lang="en-US" sz="2400" spc="-1" strike="noStrike">
-              <a:latin typeface="Arial"/>
-            </a:endParaRPr>
-          </a:p>
-          <a:p>
-            <a:pPr marL="343080" indent="-342720">
-              <a:lnSpc>
-                <a:spcPct val="90000"/>
-              </a:lnSpc>
-              <a:spcBef>
-                <a:spcPts val="1001"/>
-              </a:spcBef>
-              <a:buClr>
-                <a:srgbClr val="ffffff"/>
-              </a:buClr>
-              <a:buFont typeface="Arial"/>
-              <a:buChar char="•"/>
-            </a:pPr>
-            <a:r>
-              <a:rPr b="0" lang="en-US" sz="2400" spc="-1" strike="noStrike">
-                <a:solidFill>
-                  <a:srgbClr val="ffffff"/>
-                </a:solidFill>
-                <a:latin typeface="Calibri"/>
-              </a:rPr>
-              <a:t>Deep Deterministic Policy Gradient</a:t>
-            </a:r>
-            <a:endParaRPr b="0" lang="en-US" sz="2400" spc="-1" strike="noStrike">
-              <a:latin typeface="Arial"/>
-            </a:endParaRPr>
-          </a:p>
-          <a:p>
-            <a:pPr marL="343080" indent="-342720">
-              <a:lnSpc>
-                <a:spcPct val="90000"/>
-              </a:lnSpc>
-              <a:spcBef>
-                <a:spcPts val="1001"/>
-              </a:spcBef>
-              <a:buClr>
-                <a:srgbClr val="ffffff"/>
-              </a:buClr>
-              <a:buFont typeface="Arial"/>
-              <a:buChar char="•"/>
-            </a:pPr>
-            <a:r>
-              <a:rPr b="0" lang="en-US" sz="2400" spc="-1" strike="noStrike">
-                <a:solidFill>
-                  <a:srgbClr val="ffffff"/>
-                </a:solidFill>
-                <a:latin typeface="Calibri"/>
-              </a:rPr>
-              <a:t>Hindsight and Prioritized Experience Replay</a:t>
-            </a:r>
-            <a:endParaRPr b="0" lang="en-US" sz="2400" spc="-1" strike="noStrike">
-              <a:latin typeface="Arial"/>
-            </a:endParaRPr>
-          </a:p>
-          <a:p>
-            <a:pPr marL="343080" indent="-342720">
-              <a:lnSpc>
-                <a:spcPct val="90000"/>
-              </a:lnSpc>
-              <a:spcBef>
-                <a:spcPts val="1001"/>
-              </a:spcBef>
-              <a:buClr>
-                <a:srgbClr val="ffffff"/>
-              </a:buClr>
-              <a:buFont typeface="Arial"/>
-              <a:buChar char="•"/>
-            </a:pPr>
-            <a:r>
-              <a:rPr b="0" lang="en-US" sz="2400" spc="-1" strike="noStrike">
-                <a:solidFill>
-                  <a:srgbClr val="ffffff"/>
-                </a:solidFill>
-                <a:latin typeface="Calibri"/>
-              </a:rPr>
-              <a:t>Results</a:t>
-            </a:r>
-            <a:endParaRPr b="0" lang="en-US" sz="2400" spc="-1" strike="noStrike">
-              <a:latin typeface="Arial"/>
-            </a:endParaRPr>
-          </a:p>
-          <a:p>
-            <a:pPr marL="343080" indent="-342720">
-              <a:lnSpc>
-                <a:spcPct val="90000"/>
-              </a:lnSpc>
-              <a:spcBef>
-                <a:spcPts val="1001"/>
-              </a:spcBef>
-              <a:buClr>
-                <a:srgbClr val="ffffff"/>
-              </a:buClr>
-              <a:buFont typeface="Arial"/>
-              <a:buChar char="•"/>
-            </a:pPr>
-            <a:r>
-              <a:rPr b="0" lang="en-US" sz="2400" spc="-1" strike="noStrike">
-                <a:solidFill>
-                  <a:srgbClr val="ffffff"/>
-                </a:solidFill>
-                <a:latin typeface="Calibri"/>
-              </a:rPr>
-              <a:t>Conclusion</a:t>
-            </a:r>
-            <a:endParaRPr b="0" lang="en-US" sz="2400" spc="-1" strike="noStrike">
-              <a:latin typeface="Arial"/>
-            </a:endParaRPr>
-          </a:p>
-        </p:txBody>
-      </p:sp>
-      <p:sp>
-        <p:nvSpPr>
-          <p:cNvPr id="48" name="CustomShape 3"/>
+          <p:cNvPr id="43" name="CustomShape 1"/>
           <p:cNvSpPr/>
           <p:nvPr/>
         </p:nvSpPr>
         <p:spPr>
           <a:xfrm>
-            <a:off x="6540840" y="132480"/>
-            <a:ext cx="5495400" cy="320040"/>
+            <a:off x="600120" y="868320"/>
+            <a:ext cx="6133320" cy="837360"/>
           </a:xfrm>
           <a:prstGeom prst="rect">
             <a:avLst/>
@@ -2856,7 +2398,7 @@
           <a:fontRef idx="minor"/>
         </p:style>
         <p:txBody>
-          <a:bodyPr>
+          <a:bodyPr lIns="90000" rIns="90000" tIns="45000" bIns="45000" anchor="b">
             <a:normAutofit/>
           </a:bodyPr>
           <a:p>
@@ -2864,9 +2406,225 @@
               <a:lnSpc>
                 <a:spcPct val="90000"/>
               </a:lnSpc>
+            </a:pPr>
+            <a:r>
+              <a:rPr b="1" lang="en-US" sz="4800" spc="-1" strike="noStrike">
+                <a:solidFill>
+                  <a:srgbClr val="ffffff"/>
+                </a:solidFill>
+                <a:latin typeface="Rubik"/>
+              </a:rPr>
+              <a:t>Content</a:t>
+            </a:r>
+            <a:endParaRPr b="0" lang="en-US" sz="4800" spc="-1" strike="noStrike">
+              <a:latin typeface="Arial"/>
+            </a:endParaRPr>
+          </a:p>
+        </p:txBody>
+      </p:sp>
+      <p:sp>
+        <p:nvSpPr>
+          <p:cNvPr id="44" name="CustomShape 2"/>
+          <p:cNvSpPr/>
+          <p:nvPr/>
+        </p:nvSpPr>
+        <p:spPr>
+          <a:xfrm>
+            <a:off x="600120" y="2122200"/>
+            <a:ext cx="6133320" cy="3916080"/>
+          </a:xfrm>
+          <a:prstGeom prst="rect">
+            <a:avLst/>
+          </a:prstGeom>
+          <a:noFill/>
+          <a:ln>
+            <a:noFill/>
+          </a:ln>
+        </p:spPr>
+        <p:style>
+          <a:lnRef idx="0"/>
+          <a:fillRef idx="0"/>
+          <a:effectRef idx="0"/>
+          <a:fontRef idx="minor"/>
+        </p:style>
+        <p:txBody>
+          <a:bodyPr lIns="90000" rIns="90000" tIns="45000" bIns="45000">
+            <a:normAutofit/>
+          </a:bodyPr>
+          <a:p>
+            <a:pPr marL="343080" indent="-342360">
+              <a:lnSpc>
+                <a:spcPct val="90000"/>
+              </a:lnSpc>
               <a:spcBef>
                 <a:spcPts val="1001"/>
               </a:spcBef>
+              <a:buClr>
+                <a:srgbClr val="ffffff"/>
+              </a:buClr>
+              <a:buFont typeface="Arial"/>
+              <a:buChar char="•"/>
+            </a:pPr>
+            <a:r>
+              <a:rPr b="0" lang="en-US" sz="2400" spc="-1" strike="noStrike">
+                <a:solidFill>
+                  <a:srgbClr val="ffffff"/>
+                </a:solidFill>
+                <a:latin typeface="Calibri"/>
+              </a:rPr>
+              <a:t>Reinforcement Learning</a:t>
+            </a:r>
+            <a:endParaRPr b="0" lang="en-US" sz="2400" spc="-1" strike="noStrike">
+              <a:latin typeface="Arial"/>
+            </a:endParaRPr>
+          </a:p>
+          <a:p>
+            <a:pPr marL="343080" indent="-342360">
+              <a:lnSpc>
+                <a:spcPct val="90000"/>
+              </a:lnSpc>
+              <a:spcBef>
+                <a:spcPts val="1001"/>
+              </a:spcBef>
+              <a:buClr>
+                <a:srgbClr val="ffffff"/>
+              </a:buClr>
+              <a:buFont typeface="Arial"/>
+              <a:buChar char="•"/>
+            </a:pPr>
+            <a:r>
+              <a:rPr b="0" lang="en-US" sz="2400" spc="-1" strike="noStrike">
+                <a:solidFill>
+                  <a:srgbClr val="ffffff"/>
+                </a:solidFill>
+                <a:latin typeface="Calibri"/>
+              </a:rPr>
+              <a:t>Deep Deterministic Policy Gradient</a:t>
+            </a:r>
+            <a:endParaRPr b="0" lang="en-US" sz="2400" spc="-1" strike="noStrike">
+              <a:latin typeface="Arial"/>
+            </a:endParaRPr>
+          </a:p>
+          <a:p>
+            <a:pPr marL="343080" indent="-342360">
+              <a:lnSpc>
+                <a:spcPct val="90000"/>
+              </a:lnSpc>
+              <a:spcBef>
+                <a:spcPts val="1001"/>
+              </a:spcBef>
+              <a:buClr>
+                <a:srgbClr val="ffffff"/>
+              </a:buClr>
+              <a:buFont typeface="Arial"/>
+              <a:buChar char="•"/>
+            </a:pPr>
+            <a:r>
+              <a:rPr b="0" lang="en-US" sz="2400" spc="-1" strike="noStrike">
+                <a:solidFill>
+                  <a:srgbClr val="ffffff"/>
+                </a:solidFill>
+                <a:latin typeface="Calibri"/>
+              </a:rPr>
+              <a:t>Hindsight and Prioritized Experience Replay</a:t>
+            </a:r>
+            <a:endParaRPr b="0" lang="en-US" sz="2400" spc="-1" strike="noStrike">
+              <a:latin typeface="Arial"/>
+            </a:endParaRPr>
+          </a:p>
+          <a:p>
+            <a:pPr marL="343080" indent="-342360">
+              <a:lnSpc>
+                <a:spcPct val="90000"/>
+              </a:lnSpc>
+              <a:spcBef>
+                <a:spcPts val="1001"/>
+              </a:spcBef>
+              <a:buClr>
+                <a:srgbClr val="ffffff"/>
+              </a:buClr>
+              <a:buFont typeface="Arial"/>
+              <a:buChar char="•"/>
+            </a:pPr>
+            <a:r>
+              <a:rPr b="0" lang="en-US" sz="2400" spc="-1" strike="noStrike">
+                <a:solidFill>
+                  <a:srgbClr val="ffffff"/>
+                </a:solidFill>
+                <a:latin typeface="Calibri"/>
+              </a:rPr>
+              <a:t>Results</a:t>
+            </a:r>
+            <a:endParaRPr b="0" lang="en-US" sz="2400" spc="-1" strike="noStrike">
+              <a:latin typeface="Arial"/>
+            </a:endParaRPr>
+          </a:p>
+          <a:p>
+            <a:pPr marL="343080" indent="-342360">
+              <a:lnSpc>
+                <a:spcPct val="90000"/>
+              </a:lnSpc>
+              <a:spcBef>
+                <a:spcPts val="1001"/>
+              </a:spcBef>
+              <a:buClr>
+                <a:srgbClr val="ffffff"/>
+              </a:buClr>
+              <a:buFont typeface="Arial"/>
+              <a:buChar char="•"/>
+            </a:pPr>
+            <a:r>
+              <a:rPr b="0" lang="en-US" sz="2400" spc="-1" strike="noStrike">
+                <a:solidFill>
+                  <a:srgbClr val="ffffff"/>
+                </a:solidFill>
+                <a:latin typeface="Calibri"/>
+              </a:rPr>
+              <a:t>Conclusion</a:t>
+            </a:r>
+            <a:endParaRPr b="0" lang="en-US" sz="2400" spc="-1" strike="noStrike">
+              <a:latin typeface="Arial"/>
+            </a:endParaRPr>
+          </a:p>
+        </p:txBody>
+      </p:sp>
+      <p:sp>
+        <p:nvSpPr>
+          <p:cNvPr id="45" name="CustomShape 3"/>
+          <p:cNvSpPr/>
+          <p:nvPr/>
+        </p:nvSpPr>
+        <p:spPr>
+          <a:xfrm>
+            <a:off x="6540840" y="132480"/>
+            <a:ext cx="5495040" cy="319680"/>
+          </a:xfrm>
+          <a:prstGeom prst="rect">
+            <a:avLst/>
+          </a:prstGeom>
+          <a:noFill/>
+          <a:ln>
+            <a:noFill/>
+          </a:ln>
+        </p:spPr>
+        <p:style>
+          <a:lnRef idx="0"/>
+          <a:fillRef idx="0"/>
+          <a:effectRef idx="0"/>
+          <a:fontRef idx="minor"/>
+        </p:style>
+        <p:txBody>
+          <a:bodyPr lIns="90000" rIns="90000" tIns="45000" bIns="45000">
+            <a:normAutofit/>
+          </a:bodyPr>
+          <a:p>
+            <a:pPr>
+              <a:lnSpc>
+                <a:spcPct val="90000"/>
+              </a:lnSpc>
+              <a:spcBef>
+                <a:spcPts val="1001"/>
+              </a:spcBef>
             </a:pPr>
             <a:r>
               <a:rPr b="0" i="1" lang="en-US" sz="1600" spc="-1" strike="noStrike">
@@ -2874,6 +2632,7 @@
                   <a:srgbClr val="ffffff"/>
                 </a:solidFill>
                 <a:latin typeface="Calibri"/>
+                <a:ea typeface="DejaVu Sans"/>
               </a:rPr>
               <a:t>Epoch: 03</a:t>
             </a:r>
@@ -2941,7 +2700,7 @@
       </p:grpSpPr>
       <p:pic>
         <p:nvPicPr>
-          <p:cNvPr id="49" name="Picture 7" descr=""/>
+          <p:cNvPr id="46" name="Picture 7" descr=""/>
           <p:cNvPicPr/>
           <p:nvPr/>
         </p:nvPicPr>
@@ -2952,7 +2711,7 @@
         <p:spPr>
           <a:xfrm>
             <a:off x="5628600" y="0"/>
-            <a:ext cx="7473240" cy="4203360"/>
+            <a:ext cx="7472880" cy="4203000"/>
           </a:xfrm>
           <a:prstGeom prst="rect">
             <a:avLst/>
@@ -2964,193 +2723,14 @@
       </p:pic>
       <p:sp>
         <p:nvSpPr>
-          <p:cNvPr id="50" name="TextShape 1"/>
-          <p:cNvSpPr txBox="1"/>
-          <p:nvPr/>
-        </p:nvSpPr>
-        <p:spPr>
-          <a:xfrm>
-            <a:off x="600120" y="868320"/>
-            <a:ext cx="7043400" cy="837720"/>
-          </a:xfrm>
-          <a:prstGeom prst="rect">
-            <a:avLst/>
-          </a:prstGeom>
-          <a:noFill/>
-          <a:ln>
-            <a:noFill/>
-          </a:ln>
-        </p:spPr>
-        <p:txBody>
-          <a:bodyPr anchor="b">
-            <a:normAutofit/>
-          </a:bodyPr>
-          <a:p>
-            <a:pPr>
-              <a:lnSpc>
-                <a:spcPct val="90000"/>
-              </a:lnSpc>
-            </a:pPr>
-            <a:r>
-              <a:rPr b="1" lang="en-NL" sz="4800" spc="-1" strike="noStrike">
-                <a:solidFill>
-                  <a:srgbClr val="ffffff"/>
-                </a:solidFill>
-                <a:latin typeface="Rubik"/>
-              </a:rPr>
-              <a:t>OpenAI Gym</a:t>
-            </a:r>
-            <a:endParaRPr b="0" lang="en-NL" sz="4800" spc="-1" strike="noStrike">
-              <a:solidFill>
-                <a:srgbClr val="000000"/>
-              </a:solidFill>
-              <a:latin typeface="Calibri"/>
-            </a:endParaRPr>
-          </a:p>
-        </p:txBody>
-      </p:sp>
-      <p:sp>
-        <p:nvSpPr>
-          <p:cNvPr id="51" name="TextShape 2"/>
-          <p:cNvSpPr txBox="1"/>
-          <p:nvPr/>
-        </p:nvSpPr>
-        <p:spPr>
-          <a:xfrm>
-            <a:off x="600120" y="2072880"/>
-            <a:ext cx="6133680" cy="3916440"/>
-          </a:xfrm>
-          <a:prstGeom prst="rect">
-            <a:avLst/>
-          </a:prstGeom>
-          <a:noFill/>
-          <a:ln>
-            <a:noFill/>
-          </a:ln>
-        </p:spPr>
-        <p:txBody>
-          <a:bodyPr>
-            <a:normAutofit/>
-          </a:bodyPr>
-          <a:p>
-            <a:pPr marL="343080" indent="-342720">
-              <a:lnSpc>
-                <a:spcPct val="90000"/>
-              </a:lnSpc>
-              <a:spcBef>
-                <a:spcPts val="1001"/>
-              </a:spcBef>
-              <a:buClr>
-                <a:srgbClr val="ffffff"/>
-              </a:buClr>
-              <a:buFont typeface="Arial"/>
-              <a:buChar char="•"/>
-            </a:pPr>
-            <a:r>
-              <a:rPr b="0" lang="en-US" sz="2800" spc="-1" strike="noStrike">
-                <a:solidFill>
-                  <a:srgbClr val="ffffff"/>
-                </a:solidFill>
-                <a:latin typeface="Calibri"/>
-              </a:rPr>
-              <a:t>Reinforcement learning playground</a:t>
-            </a:r>
-            <a:endParaRPr b="0" lang="en-US" sz="2800" spc="-1" strike="noStrike">
-              <a:latin typeface="Arial"/>
-            </a:endParaRPr>
-          </a:p>
-          <a:p>
-            <a:pPr>
-              <a:lnSpc>
-                <a:spcPct val="90000"/>
-              </a:lnSpc>
-              <a:spcBef>
-                <a:spcPts val="1001"/>
-              </a:spcBef>
-            </a:pPr>
-            <a:endParaRPr b="0" lang="en-US" sz="2800" spc="-1" strike="noStrike">
-              <a:latin typeface="Arial"/>
-            </a:endParaRPr>
-          </a:p>
-          <a:p>
-            <a:pPr marL="343080" indent="-342720">
-              <a:lnSpc>
-                <a:spcPct val="90000"/>
-              </a:lnSpc>
-              <a:spcBef>
-                <a:spcPts val="1001"/>
-              </a:spcBef>
-              <a:buClr>
-                <a:srgbClr val="ffffff"/>
-              </a:buClr>
-              <a:buFont typeface="Arial"/>
-              <a:buChar char="•"/>
-            </a:pPr>
-            <a:r>
-              <a:rPr b="0" lang="en-US" sz="2800" spc="-1" strike="noStrike">
-                <a:solidFill>
-                  <a:srgbClr val="ffffff"/>
-                </a:solidFill>
-                <a:latin typeface="Calibri"/>
-              </a:rPr>
-              <a:t>Provides multiple environments to train agents</a:t>
-            </a:r>
-            <a:endParaRPr b="0" lang="en-US" sz="2800" spc="-1" strike="noStrike">
-              <a:latin typeface="Arial"/>
-            </a:endParaRPr>
-          </a:p>
-          <a:p>
-            <a:pPr>
-              <a:lnSpc>
-                <a:spcPct val="90000"/>
-              </a:lnSpc>
-              <a:spcBef>
-                <a:spcPts val="1001"/>
-              </a:spcBef>
-            </a:pPr>
-            <a:endParaRPr b="0" lang="en-US" sz="2800" spc="-1" strike="noStrike">
-              <a:latin typeface="Arial"/>
-            </a:endParaRPr>
-          </a:p>
-          <a:p>
-            <a:pPr marL="343080" indent="-342720">
-              <a:lnSpc>
-                <a:spcPct val="90000"/>
-              </a:lnSpc>
-              <a:spcBef>
-                <a:spcPts val="1001"/>
-              </a:spcBef>
-              <a:buClr>
-                <a:srgbClr val="ffffff"/>
-              </a:buClr>
-              <a:buFont typeface="Arial"/>
-              <a:buChar char="•"/>
-            </a:pPr>
-            <a:r>
-              <a:rPr b="0" lang="en-US" sz="2800" spc="-1" strike="noStrike">
-                <a:solidFill>
-                  <a:srgbClr val="ffffff"/>
-                </a:solidFill>
-                <a:latin typeface="Calibri"/>
-              </a:rPr>
-              <a:t>Agents can (most of the times) be transferred to other similar environments</a:t>
-            </a:r>
-            <a:endParaRPr b="0" lang="en-US" sz="2800" spc="-1" strike="noStrike">
-              <a:latin typeface="Arial"/>
-            </a:endParaRPr>
-          </a:p>
-        </p:txBody>
-      </p:sp>
-      <p:sp>
-        <p:nvSpPr>
-          <p:cNvPr id="52" name="CustomShape 3"/>
+          <p:cNvPr id="47" name="CustomShape 1"/>
           <p:cNvSpPr/>
           <p:nvPr/>
         </p:nvSpPr>
         <p:spPr>
           <a:xfrm>
-            <a:off x="6540840" y="132480"/>
-            <a:ext cx="5495400" cy="320040"/>
+            <a:off x="600120" y="868320"/>
+            <a:ext cx="7043040" cy="837360"/>
           </a:xfrm>
           <a:prstGeom prst="rect">
             <a:avLst/>
@@ -3167,7 +2747,7 @@
           <a:fontRef idx="minor"/>
         </p:style>
         <p:txBody>
-          <a:bodyPr>
+          <a:bodyPr lIns="90000" rIns="90000" tIns="45000" bIns="45000" anchor="b">
             <a:normAutofit/>
           </a:bodyPr>
           <a:p>
@@ -3175,9 +2755,197 @@
               <a:lnSpc>
                 <a:spcPct val="90000"/>
               </a:lnSpc>
+            </a:pPr>
+            <a:r>
+              <a:rPr b="1" lang="en-US" sz="4800" spc="-1" strike="noStrike">
+                <a:solidFill>
+                  <a:srgbClr val="ffffff"/>
+                </a:solidFill>
+                <a:latin typeface="Rubik"/>
+              </a:rPr>
+              <a:t>OpenAI Gym</a:t>
+            </a:r>
+            <a:endParaRPr b="0" lang="en-US" sz="4800" spc="-1" strike="noStrike">
+              <a:latin typeface="Arial"/>
+            </a:endParaRPr>
+          </a:p>
+        </p:txBody>
+      </p:sp>
+      <p:sp>
+        <p:nvSpPr>
+          <p:cNvPr id="48" name="CustomShape 2"/>
+          <p:cNvSpPr/>
+          <p:nvPr/>
+        </p:nvSpPr>
+        <p:spPr>
+          <a:xfrm>
+            <a:off x="600120" y="2072880"/>
+            <a:ext cx="6133320" cy="3916080"/>
+          </a:xfrm>
+          <a:prstGeom prst="rect">
+            <a:avLst/>
+          </a:prstGeom>
+          <a:noFill/>
+          <a:ln>
+            <a:noFill/>
+          </a:ln>
+        </p:spPr>
+        <p:style>
+          <a:lnRef idx="0"/>
+          <a:fillRef idx="0"/>
+          <a:effectRef idx="0"/>
+          <a:fontRef idx="minor"/>
+        </p:style>
+        <p:txBody>
+          <a:bodyPr lIns="90000" rIns="90000" tIns="45000" bIns="45000">
+            <a:normAutofit/>
+          </a:bodyPr>
+          <a:p>
+            <a:pPr marL="343080" indent="-342360">
+              <a:lnSpc>
+                <a:spcPct val="90000"/>
+              </a:lnSpc>
               <a:spcBef>
                 <a:spcPts val="1001"/>
               </a:spcBef>
+              <a:buClr>
+                <a:srgbClr val="ffffff"/>
+              </a:buClr>
+              <a:buFont typeface="Arial"/>
+              <a:buChar char="•"/>
+            </a:pPr>
+            <a:r>
+              <a:rPr b="0" lang="en-US" sz="2800" spc="-1" strike="noStrike">
+                <a:solidFill>
+                  <a:srgbClr val="ffffff"/>
+                </a:solidFill>
+                <a:latin typeface="Calibri"/>
+              </a:rPr>
+              <a:t>Reinforcement learning playground</a:t>
+            </a:r>
+            <a:endParaRPr b="0" lang="en-US" sz="2800" spc="-1" strike="noStrike">
+              <a:latin typeface="Arial"/>
+            </a:endParaRPr>
+          </a:p>
+          <a:p>
+            <a:pPr>
+              <a:lnSpc>
+                <a:spcPct val="90000"/>
+              </a:lnSpc>
+              <a:spcBef>
+                <a:spcPts val="1001"/>
+              </a:spcBef>
+            </a:pPr>
+            <a:endParaRPr b="0" lang="en-US" sz="2800" spc="-1" strike="noStrike">
+              <a:latin typeface="Arial"/>
+            </a:endParaRPr>
+          </a:p>
+          <a:p>
+            <a:pPr marL="343080" indent="-342360">
+              <a:lnSpc>
+                <a:spcPct val="90000"/>
+              </a:lnSpc>
+              <a:spcBef>
+                <a:spcPts val="1001"/>
+              </a:spcBef>
+              <a:buClr>
+                <a:srgbClr val="ffffff"/>
+              </a:buClr>
+              <a:buFont typeface="Arial"/>
+              <a:buChar char="•"/>
+            </a:pPr>
+            <a:r>
+              <a:rPr b="0" lang="en-US" sz="2800" spc="-1" strike="noStrike">
+                <a:solidFill>
+                  <a:srgbClr val="ffffff"/>
+                </a:solidFill>
+                <a:latin typeface="Calibri"/>
+              </a:rPr>
+              <a:t>Provides multiple environments to train agents</a:t>
+            </a:r>
+            <a:endParaRPr b="0" lang="en-US" sz="2800" spc="-1" strike="noStrike">
+              <a:latin typeface="Arial"/>
+            </a:endParaRPr>
+          </a:p>
+          <a:p>
+            <a:pPr>
+              <a:lnSpc>
+                <a:spcPct val="90000"/>
+              </a:lnSpc>
+              <a:spcBef>
+                <a:spcPts val="1001"/>
+              </a:spcBef>
+            </a:pPr>
+            <a:endParaRPr b="0" lang="en-US" sz="2800" spc="-1" strike="noStrike">
+              <a:latin typeface="Arial"/>
+            </a:endParaRPr>
+          </a:p>
+          <a:p>
+            <a:pPr marL="343080" indent="-342360">
+              <a:lnSpc>
+                <a:spcPct val="90000"/>
+              </a:lnSpc>
+              <a:spcBef>
+                <a:spcPts val="1001"/>
+              </a:spcBef>
+              <a:buClr>
+                <a:srgbClr val="ffffff"/>
+              </a:buClr>
+              <a:buFont typeface="Arial"/>
+              <a:buChar char="•"/>
+            </a:pPr>
+            <a:r>
+              <a:rPr b="0" lang="en-US" sz="2800" spc="-1" strike="noStrike">
+                <a:solidFill>
+                  <a:srgbClr val="ffffff"/>
+                </a:solidFill>
+                <a:latin typeface="Calibri"/>
+              </a:rPr>
+              <a:t>Agents can (most of the times) be transferred to other similar environments</a:t>
+            </a:r>
+            <a:endParaRPr b="0" lang="en-US" sz="2800" spc="-1" strike="noStrike">
+              <a:latin typeface="Arial"/>
+            </a:endParaRPr>
+          </a:p>
+        </p:txBody>
+      </p:sp>
+      <p:sp>
+        <p:nvSpPr>
+          <p:cNvPr id="49" name="CustomShape 3"/>
+          <p:cNvSpPr/>
+          <p:nvPr/>
+        </p:nvSpPr>
+        <p:spPr>
+          <a:xfrm>
+            <a:off x="6540840" y="132480"/>
+            <a:ext cx="5495040" cy="319680"/>
+          </a:xfrm>
+          <a:prstGeom prst="rect">
+            <a:avLst/>
+          </a:prstGeom>
+          <a:noFill/>
+          <a:ln>
+            <a:noFill/>
+          </a:ln>
+        </p:spPr>
+        <p:style>
+          <a:lnRef idx="0"/>
+          <a:fillRef idx="0"/>
+          <a:effectRef idx="0"/>
+          <a:fontRef idx="minor"/>
+        </p:style>
+        <p:txBody>
+          <a:bodyPr lIns="90000" rIns="90000" tIns="45000" bIns="45000">
+            <a:normAutofit/>
+          </a:bodyPr>
+          <a:p>
+            <a:pPr>
+              <a:lnSpc>
+                <a:spcPct val="90000"/>
+              </a:lnSpc>
+              <a:spcBef>
+                <a:spcPts val="1001"/>
+              </a:spcBef>
             </a:pPr>
             <a:r>
               <a:rPr b="0" i="1" lang="en-US" sz="1600" spc="-1" strike="noStrike">
@@ -3185,6 +2953,7 @@
                   <a:srgbClr val="ffffff"/>
                 </a:solidFill>
                 <a:latin typeface="Calibri"/>
+                <a:ea typeface="DejaVu Sans"/>
               </a:rPr>
               <a:t>Epoch: 06</a:t>
             </a:r>
@@ -3252,7 +3021,7 @@
       </p:grpSpPr>
       <p:pic>
         <p:nvPicPr>
-          <p:cNvPr id="53" name="Picture 7" descr=""/>
+          <p:cNvPr id="50" name="Picture 7" descr=""/>
           <p:cNvPicPr/>
           <p:nvPr/>
         </p:nvPicPr>
@@ -3263,7 +3032,7 @@
         <p:spPr>
           <a:xfrm>
             <a:off x="5672880" y="0"/>
-            <a:ext cx="7473240" cy="4203360"/>
+            <a:ext cx="7472880" cy="4203000"/>
           </a:xfrm>
           <a:prstGeom prst="rect">
             <a:avLst/>
@@ -3275,180 +3044,14 @@
       </p:pic>
       <p:sp>
         <p:nvSpPr>
-          <p:cNvPr id="54" name="TextShape 1"/>
-          <p:cNvSpPr txBox="1"/>
-          <p:nvPr/>
-        </p:nvSpPr>
-        <p:spPr>
-          <a:xfrm>
-            <a:off x="600120" y="868320"/>
-            <a:ext cx="7043400" cy="837720"/>
-          </a:xfrm>
-          <a:prstGeom prst="rect">
-            <a:avLst/>
-          </a:prstGeom>
-          <a:noFill/>
-          <a:ln>
-            <a:noFill/>
-          </a:ln>
-        </p:spPr>
-        <p:txBody>
-          <a:bodyPr anchor="b">
-            <a:normAutofit/>
-          </a:bodyPr>
-          <a:p>
-            <a:pPr>
-              <a:lnSpc>
-                <a:spcPct val="90000"/>
-              </a:lnSpc>
-            </a:pPr>
-            <a:r>
-              <a:rPr b="1" lang="en-NL" sz="4800" spc="-1" strike="noStrike">
-                <a:solidFill>
-                  <a:srgbClr val="ffffff"/>
-                </a:solidFill>
-                <a:latin typeface="Rubik"/>
-              </a:rPr>
-              <a:t>Deep Reinforcement Learning</a:t>
-            </a:r>
-            <a:endParaRPr b="0" lang="en-NL" sz="4800" spc="-1" strike="noStrike">
-              <a:solidFill>
-                <a:srgbClr val="000000"/>
-              </a:solidFill>
-              <a:latin typeface="Calibri"/>
-            </a:endParaRPr>
-          </a:p>
-        </p:txBody>
-      </p:sp>
-      <p:sp>
-        <p:nvSpPr>
-          <p:cNvPr id="55" name="TextShape 2"/>
-          <p:cNvSpPr txBox="1"/>
-          <p:nvPr/>
-        </p:nvSpPr>
-        <p:spPr>
-          <a:xfrm>
-            <a:off x="600120" y="2072880"/>
-            <a:ext cx="6133680" cy="3916440"/>
-          </a:xfrm>
-          <a:prstGeom prst="rect">
-            <a:avLst/>
-          </a:prstGeom>
-          <a:noFill/>
-          <a:ln>
-            <a:noFill/>
-          </a:ln>
-        </p:spPr>
-        <p:txBody>
-          <a:bodyPr>
-            <a:normAutofit/>
-          </a:bodyPr>
-          <a:p>
-            <a:pPr marL="343080" indent="-342720">
-              <a:lnSpc>
-                <a:spcPct val="90000"/>
-              </a:lnSpc>
-              <a:spcBef>
-                <a:spcPts val="1001"/>
-              </a:spcBef>
-              <a:buClr>
-                <a:srgbClr val="ffffff"/>
-              </a:buClr>
-              <a:buFont typeface="Arial"/>
-              <a:buChar char="•"/>
-            </a:pPr>
-            <a:r>
-              <a:rPr b="0" lang="en-US" sz="2000" spc="-1" strike="noStrike">
-                <a:solidFill>
-                  <a:srgbClr val="ffffff"/>
-                </a:solidFill>
-                <a:latin typeface="Calibri"/>
-              </a:rPr>
-              <a:t>Positive and negative reinforcement</a:t>
-            </a:r>
-            <a:endParaRPr b="0" lang="en-US" sz="2000" spc="-1" strike="noStrike">
-              <a:latin typeface="Arial"/>
-            </a:endParaRPr>
-          </a:p>
-          <a:p>
-            <a:pPr marL="343080" indent="-342720">
-              <a:lnSpc>
-                <a:spcPct val="90000"/>
-              </a:lnSpc>
-              <a:spcBef>
-                <a:spcPts val="1001"/>
-              </a:spcBef>
-              <a:buClr>
-                <a:srgbClr val="ffffff"/>
-              </a:buClr>
-              <a:buFont typeface="Arial"/>
-              <a:buChar char="•"/>
-            </a:pPr>
-            <a:r>
-              <a:rPr b="0" lang="en-US" sz="2000" spc="-1" strike="noStrike">
-                <a:solidFill>
-                  <a:srgbClr val="ffffff"/>
-                </a:solidFill>
-                <a:latin typeface="Calibri"/>
-              </a:rPr>
-              <a:t>Exploration happens through randomness</a:t>
-            </a:r>
-            <a:endParaRPr b="0" lang="en-US" sz="2000" spc="-1" strike="noStrike">
-              <a:latin typeface="Arial"/>
-            </a:endParaRPr>
-          </a:p>
-          <a:p>
-            <a:pPr marL="343080" indent="-342720">
-              <a:lnSpc>
-                <a:spcPct val="90000"/>
-              </a:lnSpc>
-              <a:spcBef>
-                <a:spcPts val="1001"/>
-              </a:spcBef>
-              <a:buClr>
-                <a:srgbClr val="ffffff"/>
-              </a:buClr>
-              <a:buFont typeface="Arial"/>
-              <a:buChar char="•"/>
-            </a:pPr>
-            <a:r>
-              <a:rPr b="0" lang="en-US" sz="2000" spc="-1" strike="noStrike">
-                <a:solidFill>
-                  <a:srgbClr val="ffffff"/>
-                </a:solidFill>
-                <a:latin typeface="Calibri"/>
-              </a:rPr>
-              <a:t>Uses Neural Network as function approximator</a:t>
-            </a:r>
-            <a:endParaRPr b="0" lang="en-US" sz="2000" spc="-1" strike="noStrike">
-              <a:latin typeface="Arial"/>
-            </a:endParaRPr>
-          </a:p>
-          <a:p>
-            <a:pPr>
-              <a:lnSpc>
-                <a:spcPct val="90000"/>
-              </a:lnSpc>
-              <a:spcBef>
-                <a:spcPts val="1001"/>
-              </a:spcBef>
-            </a:pPr>
-            <a:endParaRPr b="0" lang="en-US" sz="2000" spc="-1" strike="noStrike">
-              <a:latin typeface="Arial"/>
-            </a:endParaRPr>
-          </a:p>
-        </p:txBody>
-      </p:sp>
-      <p:sp>
-        <p:nvSpPr>
-          <p:cNvPr id="56" name="CustomShape 3"/>
+          <p:cNvPr id="51" name="CustomShape 1"/>
           <p:cNvSpPr/>
           <p:nvPr/>
         </p:nvSpPr>
         <p:spPr>
           <a:xfrm>
-            <a:off x="6540840" y="132480"/>
-            <a:ext cx="5495400" cy="320040"/>
+            <a:off x="600120" y="868320"/>
+            <a:ext cx="7043040" cy="837360"/>
           </a:xfrm>
           <a:prstGeom prst="rect">
             <a:avLst/>
@@ -3465,7 +3068,7 @@
           <a:fontRef idx="minor"/>
         </p:style>
         <p:txBody>
-          <a:bodyPr>
+          <a:bodyPr lIns="90000" rIns="90000" tIns="45000" bIns="45000" anchor="b">
             <a:normAutofit/>
           </a:bodyPr>
           <a:p>
@@ -3473,9 +3076,184 @@
               <a:lnSpc>
                 <a:spcPct val="90000"/>
               </a:lnSpc>
+            </a:pPr>
+            <a:r>
+              <a:rPr b="1" lang="en-US" sz="4800" spc="-1" strike="noStrike">
+                <a:solidFill>
+                  <a:srgbClr val="ffffff"/>
+                </a:solidFill>
+                <a:latin typeface="Rubik"/>
+              </a:rPr>
+              <a:t>Deep Reinforcement Learning</a:t>
+            </a:r>
+            <a:endParaRPr b="0" lang="en-US" sz="4800" spc="-1" strike="noStrike">
+              <a:latin typeface="Arial"/>
+            </a:endParaRPr>
+          </a:p>
+        </p:txBody>
+      </p:sp>
+      <p:sp>
+        <p:nvSpPr>
+          <p:cNvPr id="52" name="CustomShape 2"/>
+          <p:cNvSpPr/>
+          <p:nvPr/>
+        </p:nvSpPr>
+        <p:spPr>
+          <a:xfrm>
+            <a:off x="600120" y="2072880"/>
+            <a:ext cx="6133320" cy="3916080"/>
+          </a:xfrm>
+          <a:prstGeom prst="rect">
+            <a:avLst/>
+          </a:prstGeom>
+          <a:noFill/>
+          <a:ln>
+            <a:noFill/>
+          </a:ln>
+        </p:spPr>
+        <p:style>
+          <a:lnRef idx="0"/>
+          <a:fillRef idx="0"/>
+          <a:effectRef idx="0"/>
+          <a:fontRef idx="minor"/>
+        </p:style>
+        <p:txBody>
+          <a:bodyPr lIns="90000" rIns="90000" tIns="45000" bIns="45000">
+            <a:normAutofit/>
+          </a:bodyPr>
+          <a:p>
+            <a:pPr marL="343080" indent="-342360">
+              <a:lnSpc>
+                <a:spcPct val="90000"/>
+              </a:lnSpc>
               <a:spcBef>
                 <a:spcPts val="1001"/>
               </a:spcBef>
+              <a:buClr>
+                <a:srgbClr val="ffffff"/>
+              </a:buClr>
+              <a:buFont typeface="Arial"/>
+              <a:buChar char="•"/>
+            </a:pPr>
+            <a:r>
+              <a:rPr b="0" lang="en-US" sz="2000" spc="-1" strike="noStrike">
+                <a:solidFill>
+                  <a:srgbClr val="ffffff"/>
+                </a:solidFill>
+                <a:latin typeface="Calibri"/>
+              </a:rPr>
+              <a:t>Positive and negative reinforcement</a:t>
+            </a:r>
+            <a:endParaRPr b="0" lang="en-US" sz="2000" spc="-1" strike="noStrike">
+              <a:latin typeface="Arial"/>
+            </a:endParaRPr>
+          </a:p>
+          <a:p>
+            <a:pPr marL="343080" indent="-342360">
+              <a:lnSpc>
+                <a:spcPct val="90000"/>
+              </a:lnSpc>
+              <a:spcBef>
+                <a:spcPts val="1001"/>
+              </a:spcBef>
+              <a:buClr>
+                <a:srgbClr val="ffffff"/>
+              </a:buClr>
+              <a:buFont typeface="Arial"/>
+              <a:buChar char="•"/>
+            </a:pPr>
+            <a:r>
+              <a:rPr b="0" lang="en-US" sz="2000" spc="-1" strike="noStrike">
+                <a:solidFill>
+                  <a:srgbClr val="ffffff"/>
+                </a:solidFill>
+                <a:latin typeface="Calibri"/>
+              </a:rPr>
+              <a:t>Exploration happens through randomness</a:t>
+            </a:r>
+            <a:endParaRPr b="0" lang="en-US" sz="2000" spc="-1" strike="noStrike">
+              <a:latin typeface="Arial"/>
+            </a:endParaRPr>
+          </a:p>
+          <a:p>
+            <a:pPr marL="343080" indent="-342360">
+              <a:lnSpc>
+                <a:spcPct val="90000"/>
+              </a:lnSpc>
+              <a:spcBef>
+                <a:spcPts val="1001"/>
+              </a:spcBef>
+              <a:buClr>
+                <a:srgbClr val="ffffff"/>
+              </a:buClr>
+              <a:buFont typeface="Arial"/>
+              <a:buChar char="•"/>
+            </a:pPr>
+            <a:r>
+              <a:rPr b="0" lang="en-US" sz="2000" spc="-1" strike="noStrike">
+                <a:solidFill>
+                  <a:srgbClr val="ffffff"/>
+                </a:solidFill>
+                <a:latin typeface="Calibri"/>
+              </a:rPr>
+              <a:t>Uses Neural Network as function approximator</a:t>
+            </a:r>
+            <a:endParaRPr b="0" lang="en-US" sz="2000" spc="-1" strike="noStrike">
+              <a:latin typeface="Arial"/>
+            </a:endParaRPr>
+          </a:p>
+          <a:p>
+            <a:pPr>
+              <a:lnSpc>
+                <a:spcPct val="90000"/>
+              </a:lnSpc>
+              <a:spcBef>
+                <a:spcPts val="1001"/>
+              </a:spcBef>
+            </a:pPr>
+            <a:endParaRPr b="0" lang="en-US" sz="2000" spc="-1" strike="noStrike">
+              <a:latin typeface="Arial"/>
+            </a:endParaRPr>
+          </a:p>
+        </p:txBody>
+      </p:sp>
+      <p:sp>
+        <p:nvSpPr>
+          <p:cNvPr id="53" name="CustomShape 3"/>
+          <p:cNvSpPr/>
+          <p:nvPr/>
+        </p:nvSpPr>
+        <p:spPr>
+          <a:xfrm>
+            <a:off x="6540840" y="132480"/>
+            <a:ext cx="5495040" cy="319680"/>
+          </a:xfrm>
+          <a:prstGeom prst="rect">
+            <a:avLst/>
+          </a:prstGeom>
+          <a:noFill/>
+          <a:ln>
+            <a:noFill/>
+          </a:ln>
+        </p:spPr>
+        <p:style>
+          <a:lnRef idx="0"/>
+          <a:fillRef idx="0"/>
+          <a:effectRef idx="0"/>
+          <a:fontRef idx="minor"/>
+        </p:style>
+        <p:txBody>
+          <a:bodyPr lIns="90000" rIns="90000" tIns="45000" bIns="45000">
+            <a:normAutofit/>
+          </a:bodyPr>
+          <a:p>
+            <a:pPr>
+              <a:lnSpc>
+                <a:spcPct val="90000"/>
+              </a:lnSpc>
+              <a:spcBef>
+                <a:spcPts val="1001"/>
+              </a:spcBef>
             </a:pPr>
             <a:r>
               <a:rPr b="0" i="1" lang="en-US" sz="1600" spc="-1" strike="noStrike">
@@ -3483,6 +3261,7 @@
                   <a:srgbClr val="ffffff"/>
                 </a:solidFill>
                 <a:latin typeface="Calibri"/>
+                <a:ea typeface="DejaVu Sans"/>
               </a:rPr>
               <a:t>Epoch: 09</a:t>
             </a:r>
@@ -3494,7 +3273,7 @@
       </p:sp>
       <p:pic>
         <p:nvPicPr>
-          <p:cNvPr id="57" name="Picture 5" descr=""/>
+          <p:cNvPr id="54" name="Picture 5" descr=""/>
           <p:cNvPicPr/>
           <p:nvPr/>
         </p:nvPicPr>
@@ -3505,7 +3284,7 @@
         <p:spPr>
           <a:xfrm>
             <a:off x="958680" y="4040640"/>
-            <a:ext cx="4295880" cy="1694160"/>
+            <a:ext cx="4295520" cy="1693800"/>
           </a:xfrm>
           <a:prstGeom prst="rect">
             <a:avLst/>
@@ -3539,7 +3318,7 @@
       </p:pic>
       <p:pic>
         <p:nvPicPr>
-          <p:cNvPr id="58" name="Picture 6" descr=""/>
+          <p:cNvPr id="55" name="Picture 6" descr=""/>
           <p:cNvPicPr/>
           <p:nvPr/>
         </p:nvPicPr>
@@ -3550,7 +3329,7 @@
         <p:spPr>
           <a:xfrm>
             <a:off x="6830640" y="4037400"/>
-            <a:ext cx="4392720" cy="1694160"/>
+            <a:ext cx="4392360" cy="1693800"/>
           </a:xfrm>
           <a:prstGeom prst="rect">
             <a:avLst/>
@@ -3584,21 +3363,23 @@
       </p:pic>
       <p:sp>
         <p:nvSpPr>
-          <p:cNvPr id="59" name="CustomShape 4"/>
+          <p:cNvPr id="56" name="CustomShape 4"/>
           <p:cNvSpPr/>
           <p:nvPr/>
         </p:nvSpPr>
         <p:spPr>
           <a:xfrm>
             <a:off x="5815800" y="4591800"/>
-            <a:ext cx="453600" cy="453240"/>
+            <a:ext cx="453240" cy="452880"/>
           </a:xfrm>
           <a:prstGeom prst="mathPlus">
             <a:avLst>
               <a:gd name="adj1" fmla="val 23520"/>
             </a:avLst>
           </a:prstGeom>
-          <a:ln/>
+          <a:ln>
+            <a:round/>
+          </a:ln>
         </p:spPr>
         <p:style>
           <a:lnRef idx="2">
@@ -3673,7 +3454,7 @@
       </p:grpSpPr>
       <p:pic>
         <p:nvPicPr>
-          <p:cNvPr id="60" name="Picture 7" descr=""/>
+          <p:cNvPr id="57" name="Picture 7" descr=""/>
           <p:cNvPicPr/>
           <p:nvPr/>
         </p:nvPicPr>
@@ -3684,7 +3465,7 @@
         <p:spPr>
           <a:xfrm>
             <a:off x="5628600" y="0"/>
-            <a:ext cx="7473240" cy="4203360"/>
+            <a:ext cx="7472880" cy="4203000"/>
           </a:xfrm>
           <a:prstGeom prst="rect">
             <a:avLst/>
@@ -3696,113 +3477,14 @@
       </p:pic>
       <p:sp>
         <p:nvSpPr>
-          <p:cNvPr id="61" name="TextShape 1"/>
-          <p:cNvSpPr txBox="1"/>
-          <p:nvPr/>
-        </p:nvSpPr>
-        <p:spPr>
-          <a:xfrm>
-            <a:off x="600120" y="868320"/>
-            <a:ext cx="6133680" cy="837720"/>
-          </a:xfrm>
-          <a:prstGeom prst="rect">
-            <a:avLst/>
-          </a:prstGeom>
-          <a:noFill/>
-          <a:ln>
-            <a:noFill/>
-          </a:ln>
-        </p:spPr>
-        <p:txBody>
-          <a:bodyPr anchor="b">
-            <a:normAutofit/>
-          </a:bodyPr>
-          <a:p>
-            <a:pPr>
-              <a:lnSpc>
-                <a:spcPct val="90000"/>
-              </a:lnSpc>
-            </a:pPr>
-            <a:r>
-              <a:rPr b="1" lang="en-NL" sz="4800" spc="-1" strike="noStrike">
-                <a:solidFill>
-                  <a:srgbClr val="ffffff"/>
-                </a:solidFill>
-                <a:latin typeface="Rubik"/>
-              </a:rPr>
-              <a:t>Bellman Equation</a:t>
-            </a:r>
-            <a:endParaRPr b="0" lang="en-NL" sz="4800" spc="-1" strike="noStrike">
-              <a:solidFill>
-                <a:srgbClr val="000000"/>
-              </a:solidFill>
-              <a:latin typeface="Calibri"/>
-            </a:endParaRPr>
-          </a:p>
-        </p:txBody>
-      </p:sp>
-      <p:sp>
-        <p:nvSpPr>
-          <p:cNvPr id="62" name="TextShape 2"/>
-          <p:cNvSpPr txBox="1"/>
-          <p:nvPr/>
-        </p:nvSpPr>
-        <p:spPr>
-          <a:xfrm>
-            <a:off x="600120" y="1818000"/>
-            <a:ext cx="6133680" cy="3916440"/>
-          </a:xfrm>
-          <a:prstGeom prst="rect">
-            <a:avLst/>
-          </a:prstGeom>
-          <a:noFill/>
-          <a:ln>
-            <a:noFill/>
-          </a:ln>
-        </p:spPr>
-        <p:txBody>
-          <a:bodyPr>
-            <a:normAutofit/>
-          </a:bodyPr>
-          <a:p>
-            <a:pPr marL="343080" indent="-342720">
-              <a:lnSpc>
-                <a:spcPct val="90000"/>
-              </a:lnSpc>
-              <a:spcBef>
-                <a:spcPts val="1001"/>
-              </a:spcBef>
-              <a:buClr>
-                <a:srgbClr val="ffffff"/>
-              </a:buClr>
-              <a:buFont typeface="Arial"/>
-              <a:buChar char="•"/>
-            </a:pPr>
-            <a:r>
-              <a:rPr b="0" lang="en-US" sz="1800" spc="-1" strike="noStrike">
-                <a:solidFill>
-                  <a:srgbClr val="ffffff"/>
-                </a:solidFill>
-                <a:latin typeface="Calibri"/>
-              </a:rPr>
-              <a:t>Agent improves by minimizing the MSE loss of the bellman equation</a:t>
-            </a:r>
-            <a:endParaRPr b="0" lang="en-US" sz="1800" spc="-1" strike="noStrike">
-              <a:latin typeface="Arial"/>
-            </a:endParaRPr>
-          </a:p>
-        </p:txBody>
-      </p:sp>
-      <p:sp>
-        <p:nvSpPr>
-          <p:cNvPr id="63" name="CustomShape 3"/>
+          <p:cNvPr id="58" name="CustomShape 1"/>
           <p:cNvSpPr/>
           <p:nvPr/>
         </p:nvSpPr>
         <p:spPr>
           <a:xfrm>
-            <a:off x="6540840" y="132480"/>
-            <a:ext cx="5495400" cy="320040"/>
+            <a:off x="600120" y="868320"/>
+            <a:ext cx="6133320" cy="837360"/>
           </a:xfrm>
           <a:prstGeom prst="rect">
             <a:avLst/>
@@ -3819,7 +3501,7 @@
           <a:fontRef idx="minor"/>
         </p:style>
         <p:txBody>
-          <a:bodyPr>
+          <a:bodyPr lIns="90000" rIns="90000" tIns="45000" bIns="45000" anchor="b">
             <a:normAutofit/>
           </a:bodyPr>
           <a:p>
@@ -3827,9 +3509,117 @@
               <a:lnSpc>
                 <a:spcPct val="90000"/>
               </a:lnSpc>
+            </a:pPr>
+            <a:r>
+              <a:rPr b="1" lang="en-US" sz="4800" spc="-1" strike="noStrike">
+                <a:solidFill>
+                  <a:srgbClr val="ffffff"/>
+                </a:solidFill>
+                <a:latin typeface="Rubik"/>
+              </a:rPr>
+              <a:t>Bellman Equation</a:t>
+            </a:r>
+            <a:endParaRPr b="0" lang="en-US" sz="4800" spc="-1" strike="noStrike">
+              <a:latin typeface="Arial"/>
+            </a:endParaRPr>
+          </a:p>
+        </p:txBody>
+      </p:sp>
+      <p:sp>
+        <p:nvSpPr>
+          <p:cNvPr id="59" name="CustomShape 2"/>
+          <p:cNvSpPr/>
+          <p:nvPr/>
+        </p:nvSpPr>
+        <p:spPr>
+          <a:xfrm>
+            <a:off x="600120" y="1818000"/>
+            <a:ext cx="6133320" cy="3916080"/>
+          </a:xfrm>
+          <a:prstGeom prst="rect">
+            <a:avLst/>
+          </a:prstGeom>
+          <a:noFill/>
+          <a:ln>
+            <a:noFill/>
+          </a:ln>
+        </p:spPr>
+        <p:style>
+          <a:lnRef idx="0"/>
+          <a:fillRef idx="0"/>
+          <a:effectRef idx="0"/>
+          <a:fontRef idx="minor"/>
+        </p:style>
+        <p:txBody>
+          <a:bodyPr lIns="90000" rIns="90000" tIns="45000" bIns="45000">
+            <a:normAutofit/>
+          </a:bodyPr>
+          <a:p>
+            <a:pPr marL="343080" indent="-342360">
+              <a:lnSpc>
+                <a:spcPct val="90000"/>
+              </a:lnSpc>
               <a:spcBef>
                 <a:spcPts val="1001"/>
               </a:spcBef>
+              <a:buClr>
+                <a:srgbClr val="ffffff"/>
+              </a:buClr>
+              <a:buFont typeface="Arial"/>
+              <a:buChar char="•"/>
+            </a:pPr>
+            <a:r>
+              <a:rPr b="0" lang="en-US" sz="1800" spc="-1" strike="noStrike">
+                <a:solidFill>
+                  <a:srgbClr val="ffffff"/>
+                </a:solidFill>
+                <a:latin typeface="Calibri"/>
+              </a:rPr>
+              <a:t>Agent improves by minimizing the MSE loss of the bellman equation</a:t>
+            </a:r>
+            <a:endParaRPr b="0" lang="en-US" sz="1800" spc="-1" strike="noStrike">
+              <a:latin typeface="Arial"/>
+            </a:endParaRPr>
+          </a:p>
+        </p:txBody>
+      </p:sp>
+      <p:sp>
+        <p:nvSpPr>
+          <p:cNvPr id="60" name="CustomShape 3"/>
+          <p:cNvSpPr/>
+          <p:nvPr/>
+        </p:nvSpPr>
+        <p:spPr>
+          <a:xfrm>
+            <a:off x="6540840" y="132480"/>
+            <a:ext cx="5495040" cy="319680"/>
+          </a:xfrm>
+          <a:prstGeom prst="rect">
+            <a:avLst/>
+          </a:prstGeom>
+          <a:noFill/>
+          <a:ln>
+            <a:noFill/>
+          </a:ln>
+        </p:spPr>
+        <p:style>
+          <a:lnRef idx="0"/>
+          <a:fillRef idx="0"/>
+          <a:effectRef idx="0"/>
+          <a:fontRef idx="minor"/>
+        </p:style>
+        <p:txBody>
+          <a:bodyPr lIns="90000" rIns="90000" tIns="45000" bIns="45000">
+            <a:normAutofit/>
+          </a:bodyPr>
+          <a:p>
+            <a:pPr>
+              <a:lnSpc>
+                <a:spcPct val="90000"/>
+              </a:lnSpc>
+              <a:spcBef>
+                <a:spcPts val="1001"/>
+              </a:spcBef>
             </a:pPr>
             <a:r>
               <a:rPr b="0" i="1" lang="en-US" sz="1600" spc="-1" strike="noStrike">
@@ -3837,6 +3627,7 @@
                   <a:srgbClr val="ffffff"/>
                 </a:solidFill>
                 <a:latin typeface="Calibri"/>
+                <a:ea typeface="DejaVu Sans"/>
               </a:rPr>
               <a:t>Epoch: 12</a:t>
             </a:r>
@@ -3848,7 +3639,7 @@
       </p:sp>
       <p:pic>
         <p:nvPicPr>
-          <p:cNvPr id="64" name="Picture 3" descr=""/>
+          <p:cNvPr id="61" name="Picture 3" descr=""/>
           <p:cNvPicPr/>
           <p:nvPr/>
         </p:nvPicPr>
@@ -3859,7 +3650,7 @@
         <p:spPr>
           <a:xfrm>
             <a:off x="70920" y="2914920"/>
-            <a:ext cx="9871560" cy="1479960"/>
+            <a:ext cx="9871200" cy="1479600"/>
           </a:xfrm>
           <a:prstGeom prst="rect">
             <a:avLst/>
@@ -3871,7 +3662,7 @@
       </p:pic>
       <p:pic>
         <p:nvPicPr>
-          <p:cNvPr id="65" name="Picture 4" descr=""/>
+          <p:cNvPr id="62" name="Picture 4" descr=""/>
           <p:cNvPicPr/>
           <p:nvPr/>
         </p:nvPicPr>
@@ -3882,7 +3673,7 @@
         <p:spPr>
           <a:xfrm>
             <a:off x="0" y="4280040"/>
-            <a:ext cx="12407040" cy="1584000"/>
+            <a:ext cx="12406680" cy="1583640"/>
           </a:xfrm>
           <a:prstGeom prst="rect">
             <a:avLst/>
@@ -3950,7 +3741,7 @@
       </p:grpSpPr>
       <p:pic>
         <p:nvPicPr>
-          <p:cNvPr id="66" name="Picture 7" descr=""/>
+          <p:cNvPr id="63" name="Picture 7" descr=""/>
           <p:cNvPicPr/>
           <p:nvPr/>
         </p:nvPicPr>
@@ -3961,7 +3752,7 @@
         <p:spPr>
           <a:xfrm>
             <a:off x="5628600" y="0"/>
-            <a:ext cx="7473240" cy="4203360"/>
+            <a:ext cx="7472880" cy="4203000"/>
           </a:xfrm>
           <a:prstGeom prst="rect">
             <a:avLst/>
@@ -3973,193 +3764,14 @@
       </p:pic>
       <p:sp>
         <p:nvSpPr>
-          <p:cNvPr id="67" name="TextShape 1"/>
-          <p:cNvSpPr txBox="1"/>
-          <p:nvPr/>
-        </p:nvSpPr>
-        <p:spPr>
-          <a:xfrm>
-            <a:off x="600120" y="868320"/>
-            <a:ext cx="6133680" cy="837720"/>
-          </a:xfrm>
-          <a:prstGeom prst="rect">
-            <a:avLst/>
-          </a:prstGeom>
-          <a:noFill/>
-          <a:ln>
-            <a:noFill/>
-          </a:ln>
-        </p:spPr>
-        <p:txBody>
-          <a:bodyPr anchor="b">
-            <a:normAutofit/>
-          </a:bodyPr>
-          <a:p>
-            <a:pPr>
-              <a:lnSpc>
-                <a:spcPct val="90000"/>
-              </a:lnSpc>
-            </a:pPr>
-            <a:r>
-              <a:rPr b="1" lang="en-NL" sz="4800" spc="-1" strike="noStrike">
-                <a:solidFill>
-                  <a:srgbClr val="ffffff"/>
-                </a:solidFill>
-                <a:latin typeface="Rubik"/>
-              </a:rPr>
-              <a:t>DDPG</a:t>
-            </a:r>
-            <a:endParaRPr b="0" lang="en-NL" sz="4800" spc="-1" strike="noStrike">
-              <a:solidFill>
-                <a:srgbClr val="000000"/>
-              </a:solidFill>
-              <a:latin typeface="Calibri"/>
-            </a:endParaRPr>
-          </a:p>
-        </p:txBody>
-      </p:sp>
-      <p:sp>
-        <p:nvSpPr>
-          <p:cNvPr id="68" name="TextShape 2"/>
-          <p:cNvSpPr txBox="1"/>
-          <p:nvPr/>
-        </p:nvSpPr>
-        <p:spPr>
-          <a:xfrm>
-            <a:off x="600120" y="2245320"/>
-            <a:ext cx="6133680" cy="3916440"/>
-          </a:xfrm>
-          <a:prstGeom prst="rect">
-            <a:avLst/>
-          </a:prstGeom>
-          <a:noFill/>
-          <a:ln>
-            <a:noFill/>
-          </a:ln>
-        </p:spPr>
-        <p:txBody>
-          <a:bodyPr>
-            <a:normAutofit/>
-          </a:bodyPr>
-          <a:p>
-            <a:pPr marL="343080" indent="-342720">
-              <a:lnSpc>
-                <a:spcPct val="90000"/>
-              </a:lnSpc>
-              <a:spcBef>
-                <a:spcPts val="1001"/>
-              </a:spcBef>
-              <a:buClr>
-                <a:srgbClr val="ffffff"/>
-              </a:buClr>
-              <a:buFont typeface="Arial"/>
-              <a:buChar char="•"/>
-            </a:pPr>
-            <a:r>
-              <a:rPr b="0" lang="en-US" sz="2400" spc="-1" strike="noStrike">
-                <a:solidFill>
-                  <a:srgbClr val="ffffff"/>
-                </a:solidFill>
-                <a:latin typeface="Calibri"/>
-              </a:rPr>
-              <a:t>Actor and Critic cooperation</a:t>
-            </a:r>
-            <a:endParaRPr b="0" lang="en-US" sz="2400" spc="-1" strike="noStrike">
-              <a:latin typeface="Arial"/>
-            </a:endParaRPr>
-          </a:p>
-          <a:p>
-            <a:pPr>
-              <a:lnSpc>
-                <a:spcPct val="90000"/>
-              </a:lnSpc>
-              <a:spcBef>
-                <a:spcPts val="1001"/>
-              </a:spcBef>
-            </a:pPr>
-            <a:endParaRPr b="0" lang="en-US" sz="2400" spc="-1" strike="noStrike">
-              <a:latin typeface="Arial"/>
-            </a:endParaRPr>
-          </a:p>
-          <a:p>
-            <a:pPr marL="285840" indent="-285480">
-              <a:lnSpc>
-                <a:spcPct val="90000"/>
-              </a:lnSpc>
-              <a:spcBef>
-                <a:spcPts val="1001"/>
-              </a:spcBef>
-              <a:buClr>
-                <a:srgbClr val="ffffff"/>
-              </a:buClr>
-              <a:buFont typeface="Arial"/>
-              <a:buChar char="•"/>
-            </a:pPr>
-            <a:r>
-              <a:rPr b="0" lang="en-US" sz="2400" spc="-1" strike="noStrike">
-                <a:solidFill>
-                  <a:srgbClr val="ffffff"/>
-                </a:solidFill>
-                <a:latin typeface="Calibri"/>
-              </a:rPr>
-              <a:t>Select the best action to perform in a given state</a:t>
-            </a:r>
-            <a:endParaRPr b="0" lang="en-US" sz="2400" spc="-1" strike="noStrike">
-              <a:latin typeface="Arial"/>
-            </a:endParaRPr>
-          </a:p>
-          <a:p>
-            <a:pPr>
-              <a:lnSpc>
-                <a:spcPct val="90000"/>
-              </a:lnSpc>
-              <a:spcBef>
-                <a:spcPts val="1001"/>
-              </a:spcBef>
-            </a:pPr>
-            <a:endParaRPr b="0" lang="en-US" sz="2400" spc="-1" strike="noStrike">
-              <a:latin typeface="Arial"/>
-            </a:endParaRPr>
-          </a:p>
-          <a:p>
-            <a:pPr marL="285840" indent="-285480">
-              <a:lnSpc>
-                <a:spcPct val="90000"/>
-              </a:lnSpc>
-              <a:spcBef>
-                <a:spcPts val="1001"/>
-              </a:spcBef>
-              <a:buClr>
-                <a:srgbClr val="ffffff"/>
-              </a:buClr>
-              <a:buFont typeface="Arial"/>
-              <a:buChar char="•"/>
-            </a:pPr>
-            <a:r>
-              <a:rPr b="0" lang="en-US" sz="2400" spc="-1" strike="noStrike">
-                <a:solidFill>
-                  <a:srgbClr val="ffffff"/>
-                </a:solidFill>
-                <a:latin typeface="Calibri"/>
-              </a:rPr>
-              <a:t>The critic network is tasked with finding the proper Q-value for a given state action pair. </a:t>
-            </a:r>
-            <a:endParaRPr b="0" lang="en-US" sz="2400" spc="-1" strike="noStrike">
-              <a:latin typeface="Arial"/>
-            </a:endParaRPr>
-          </a:p>
-        </p:txBody>
-      </p:sp>
-      <p:sp>
-        <p:nvSpPr>
-          <p:cNvPr id="69" name="CustomShape 3"/>
+          <p:cNvPr id="64" name="CustomShape 1"/>
           <p:cNvSpPr/>
           <p:nvPr/>
         </p:nvSpPr>
         <p:spPr>
           <a:xfrm>
-            <a:off x="6540840" y="132480"/>
-            <a:ext cx="5495400" cy="320040"/>
+            <a:off x="600120" y="868320"/>
+            <a:ext cx="6133320" cy="837360"/>
           </a:xfrm>
           <a:prstGeom prst="rect">
             <a:avLst/>
@@ -4176,7 +3788,7 @@
           <a:fontRef idx="minor"/>
         </p:style>
         <p:txBody>
-          <a:bodyPr>
+          <a:bodyPr lIns="90000" rIns="90000" tIns="45000" bIns="45000" anchor="b">
             <a:normAutofit/>
           </a:bodyPr>
           <a:p>
@@ -4184,9 +3796,197 @@
               <a:lnSpc>
                 <a:spcPct val="90000"/>
               </a:lnSpc>
+            </a:pPr>
+            <a:r>
+              <a:rPr b="1" lang="en-US" sz="4800" spc="-1" strike="noStrike">
+                <a:solidFill>
+                  <a:srgbClr val="ffffff"/>
+                </a:solidFill>
+                <a:latin typeface="Rubik"/>
+              </a:rPr>
+              <a:t>DDPG</a:t>
+            </a:r>
+            <a:endParaRPr b="0" lang="en-US" sz="4800" spc="-1" strike="noStrike">
+              <a:latin typeface="Arial"/>
+            </a:endParaRPr>
+          </a:p>
+        </p:txBody>
+      </p:sp>
+      <p:sp>
+        <p:nvSpPr>
+          <p:cNvPr id="65" name="CustomShape 2"/>
+          <p:cNvSpPr/>
+          <p:nvPr/>
+        </p:nvSpPr>
+        <p:spPr>
+          <a:xfrm>
+            <a:off x="600120" y="2245320"/>
+            <a:ext cx="6133320" cy="3916080"/>
+          </a:xfrm>
+          <a:prstGeom prst="rect">
+            <a:avLst/>
+          </a:prstGeom>
+          <a:noFill/>
+          <a:ln>
+            <a:noFill/>
+          </a:ln>
+        </p:spPr>
+        <p:style>
+          <a:lnRef idx="0"/>
+          <a:fillRef idx="0"/>
+          <a:effectRef idx="0"/>
+          <a:fontRef idx="minor"/>
+        </p:style>
+        <p:txBody>
+          <a:bodyPr lIns="90000" rIns="90000" tIns="45000" bIns="45000">
+            <a:normAutofit/>
+          </a:bodyPr>
+          <a:p>
+            <a:pPr marL="343080" indent="-342360">
+              <a:lnSpc>
+                <a:spcPct val="90000"/>
+              </a:lnSpc>
               <a:spcBef>
                 <a:spcPts val="1001"/>
               </a:spcBef>
+              <a:buClr>
+                <a:srgbClr val="ffffff"/>
+              </a:buClr>
+              <a:buFont typeface="Arial"/>
+              <a:buChar char="•"/>
+            </a:pPr>
+            <a:r>
+              <a:rPr b="0" lang="en-US" sz="2400" spc="-1" strike="noStrike">
+                <a:solidFill>
+                  <a:srgbClr val="ffffff"/>
+                </a:solidFill>
+                <a:latin typeface="Calibri"/>
+              </a:rPr>
+              <a:t>Actor and Critic cooperation</a:t>
+            </a:r>
+            <a:endParaRPr b="0" lang="en-US" sz="2400" spc="-1" strike="noStrike">
+              <a:latin typeface="Arial"/>
+            </a:endParaRPr>
+          </a:p>
+          <a:p>
+            <a:pPr>
+              <a:lnSpc>
+                <a:spcPct val="90000"/>
+              </a:lnSpc>
+              <a:spcBef>
+                <a:spcPts val="1001"/>
+              </a:spcBef>
+            </a:pPr>
+            <a:endParaRPr b="0" lang="en-US" sz="2400" spc="-1" strike="noStrike">
+              <a:latin typeface="Arial"/>
+            </a:endParaRPr>
+          </a:p>
+          <a:p>
+            <a:pPr marL="285840" indent="-285120">
+              <a:lnSpc>
+                <a:spcPct val="90000"/>
+              </a:lnSpc>
+              <a:spcBef>
+                <a:spcPts val="1001"/>
+              </a:spcBef>
+              <a:buClr>
+                <a:srgbClr val="ffffff"/>
+              </a:buClr>
+              <a:buFont typeface="Arial"/>
+              <a:buChar char="•"/>
+            </a:pPr>
+            <a:r>
+              <a:rPr b="0" lang="en-US" sz="2400" spc="-1" strike="noStrike">
+                <a:solidFill>
+                  <a:srgbClr val="ffffff"/>
+                </a:solidFill>
+                <a:latin typeface="Calibri"/>
+              </a:rPr>
+              <a:t>Select the best action to perform in a given state</a:t>
+            </a:r>
+            <a:endParaRPr b="0" lang="en-US" sz="2400" spc="-1" strike="noStrike">
+              <a:latin typeface="Arial"/>
+            </a:endParaRPr>
+          </a:p>
+          <a:p>
+            <a:pPr>
+              <a:lnSpc>
+                <a:spcPct val="90000"/>
+              </a:lnSpc>
+              <a:spcBef>
+                <a:spcPts val="1001"/>
+              </a:spcBef>
+            </a:pPr>
+            <a:endParaRPr b="0" lang="en-US" sz="2400" spc="-1" strike="noStrike">
+              <a:latin typeface="Arial"/>
+            </a:endParaRPr>
+          </a:p>
+          <a:p>
+            <a:pPr marL="285840" indent="-285120">
+              <a:lnSpc>
+                <a:spcPct val="90000"/>
+              </a:lnSpc>
+              <a:spcBef>
+                <a:spcPts val="1001"/>
+              </a:spcBef>
+              <a:buClr>
+                <a:srgbClr val="ffffff"/>
+              </a:buClr>
+              <a:buFont typeface="Arial"/>
+              <a:buChar char="•"/>
+            </a:pPr>
+            <a:r>
+              <a:rPr b="0" lang="en-US" sz="2400" spc="-1" strike="noStrike">
+                <a:solidFill>
+                  <a:srgbClr val="ffffff"/>
+                </a:solidFill>
+                <a:latin typeface="Calibri"/>
+              </a:rPr>
+              <a:t>The critic network is tasked with finding the proper Q-value for a given state action pair. </a:t>
+            </a:r>
+            <a:endParaRPr b="0" lang="en-US" sz="2400" spc="-1" strike="noStrike">
+              <a:latin typeface="Arial"/>
+            </a:endParaRPr>
+          </a:p>
+        </p:txBody>
+      </p:sp>
+      <p:sp>
+        <p:nvSpPr>
+          <p:cNvPr id="66" name="CustomShape 3"/>
+          <p:cNvSpPr/>
+          <p:nvPr/>
+        </p:nvSpPr>
+        <p:spPr>
+          <a:xfrm>
+            <a:off x="6540840" y="132480"/>
+            <a:ext cx="5495040" cy="319680"/>
+          </a:xfrm>
+          <a:prstGeom prst="rect">
+            <a:avLst/>
+          </a:prstGeom>
+          <a:noFill/>
+          <a:ln>
+            <a:noFill/>
+          </a:ln>
+        </p:spPr>
+        <p:style>
+          <a:lnRef idx="0"/>
+          <a:fillRef idx="0"/>
+          <a:effectRef idx="0"/>
+          <a:fontRef idx="minor"/>
+        </p:style>
+        <p:txBody>
+          <a:bodyPr lIns="90000" rIns="90000" tIns="45000" bIns="45000">
+            <a:normAutofit/>
+          </a:bodyPr>
+          <a:p>
+            <a:pPr>
+              <a:lnSpc>
+                <a:spcPct val="90000"/>
+              </a:lnSpc>
+              <a:spcBef>
+                <a:spcPts val="1001"/>
+              </a:spcBef>
             </a:pPr>
             <a:r>
               <a:rPr b="0" i="1" lang="en-US" sz="1600" spc="-1" strike="noStrike">
@@ -4194,6 +3994,7 @@
                   <a:srgbClr val="ffffff"/>
                 </a:solidFill>
                 <a:latin typeface="Calibri"/>
+                <a:ea typeface="DejaVu Sans"/>
               </a:rPr>
               <a:t>Epoch: 15</a:t>
             </a:r>
@@ -4205,19 +4006,19 @@
       </p:sp>
       <p:pic>
         <p:nvPicPr>
-          <p:cNvPr id="70" name="Picture 2" descr=""/>
+          <p:cNvPr id="67" name="Picture 2" descr=""/>
           <p:cNvPicPr/>
           <p:nvPr/>
         </p:nvPicPr>
         <p:blipFill>
           <a:blip r:embed="rId2"/>
-          <a:srcRect l="20883" t="2769" r="20901" b="-36"/>
+          <a:srcRect l="20880" t="2769" r="20898" b="-36"/>
           <a:stretch/>
         </p:blipFill>
         <p:spPr>
           <a:xfrm>
             <a:off x="8114400" y="3260160"/>
-            <a:ext cx="3007080" cy="3044520"/>
+            <a:ext cx="3006720" cy="3044160"/>
           </a:xfrm>
           <a:prstGeom prst="rect">
             <a:avLst/>
@@ -4307,7 +4108,7 @@
       </p:grpSpPr>
       <p:pic>
         <p:nvPicPr>
-          <p:cNvPr id="71" name="Picture 7" descr=""/>
+          <p:cNvPr id="68" name="Picture 7" descr=""/>
           <p:cNvPicPr/>
           <p:nvPr/>
         </p:nvPicPr>
@@ -4318,7 +4119,7 @@
         <p:spPr>
           <a:xfrm>
             <a:off x="5628600" y="0"/>
-            <a:ext cx="7473240" cy="4203360"/>
+            <a:ext cx="7472880" cy="4203000"/>
           </a:xfrm>
           <a:prstGeom prst="rect">
             <a:avLst/>
@@ -4330,444 +4131,14 @@
       </p:pic>
       <p:sp>
         <p:nvSpPr>
-          <p:cNvPr id="72" name="TextShape 1"/>
-          <p:cNvSpPr txBox="1"/>
-          <p:nvPr/>
-        </p:nvSpPr>
-        <p:spPr>
-          <a:xfrm>
-            <a:off x="600120" y="868320"/>
-            <a:ext cx="6133680" cy="837720"/>
-          </a:xfrm>
-          <a:prstGeom prst="rect">
-            <a:avLst/>
-          </a:prstGeom>
-          <a:noFill/>
-          <a:ln>
-            <a:noFill/>
-          </a:ln>
-        </p:spPr>
-        <p:txBody>
-          <a:bodyPr anchor="b">
-            <a:normAutofit/>
-          </a:bodyPr>
-          <a:p>
-            <a:pPr>
-              <a:lnSpc>
-                <a:spcPct val="90000"/>
-              </a:lnSpc>
-            </a:pPr>
-            <a:r>
-              <a:rPr b="1" lang="en-NL" sz="4800" spc="-1" strike="noStrike">
-                <a:solidFill>
-                  <a:srgbClr val="ffffff"/>
-                </a:solidFill>
-                <a:latin typeface="Rubik"/>
-              </a:rPr>
-              <a:t>HER and PER</a:t>
-            </a:r>
-            <a:endParaRPr b="0" lang="en-NL" sz="4800" spc="-1" strike="noStrike">
-              <a:solidFill>
-                <a:srgbClr val="000000"/>
-              </a:solidFill>
-              <a:latin typeface="Calibri"/>
-            </a:endParaRPr>
-          </a:p>
-        </p:txBody>
-      </p:sp>
-      <p:sp>
-        <p:nvSpPr>
-          <p:cNvPr id="73" name="TextShape 2"/>
-          <p:cNvSpPr txBox="1"/>
-          <p:nvPr/>
-        </p:nvSpPr>
-        <p:spPr>
-          <a:xfrm>
-            <a:off x="600120" y="1853640"/>
-            <a:ext cx="6133680" cy="3916440"/>
-          </a:xfrm>
-          <a:prstGeom prst="rect">
-            <a:avLst/>
-          </a:prstGeom>
-          <a:noFill/>
-          <a:ln>
-            <a:noFill/>
-          </a:ln>
-        </p:spPr>
-        <p:txBody>
-          <a:bodyPr>
-            <a:normAutofit/>
-          </a:bodyPr>
-          <a:p>
-            <a:pPr marL="343080" indent="-342720">
-              <a:lnSpc>
-                <a:spcPct val="90000"/>
-              </a:lnSpc>
-              <a:spcBef>
-                <a:spcPts val="1001"/>
-              </a:spcBef>
-              <a:buClr>
-                <a:srgbClr val="ffffff"/>
-              </a:buClr>
-              <a:buFont typeface="Arial"/>
-              <a:buChar char="•"/>
-            </a:pPr>
-            <a:r>
-              <a:rPr b="0" lang="en-US" sz="2400" spc="-1" strike="noStrike">
-                <a:solidFill>
-                  <a:srgbClr val="ffffff"/>
-                </a:solidFill>
-                <a:latin typeface="Calibri"/>
-              </a:rPr>
-              <a:t>Hindsight Experience Replay (HER)</a:t>
-            </a:r>
-            <a:endParaRPr b="0" lang="en-US" sz="2400" spc="-1" strike="noStrike">
-              <a:latin typeface="Arial"/>
-            </a:endParaRPr>
-          </a:p>
-          <a:p>
-            <a:pPr lvl="1" marL="800280" indent="-342720">
-              <a:lnSpc>
-                <a:spcPct val="90000"/>
-              </a:lnSpc>
-              <a:spcBef>
-                <a:spcPts val="499"/>
-              </a:spcBef>
-              <a:buClr>
-                <a:srgbClr val="ffffff"/>
-              </a:buClr>
-              <a:buFont typeface="Arial"/>
-              <a:buChar char="•"/>
-            </a:pPr>
-            <a:r>
-              <a:rPr b="0" lang="en-US" sz="2000" spc="-1" strike="noStrike">
-                <a:solidFill>
-                  <a:srgbClr val="ffffff"/>
-                </a:solidFill>
-                <a:latin typeface="Calibri"/>
-              </a:rPr>
-              <a:t>Achieved goal becomes actual goal</a:t>
-            </a:r>
-            <a:endParaRPr b="0" lang="en-US" sz="2000" spc="-1" strike="noStrike">
-              <a:latin typeface="Arial"/>
-            </a:endParaRPr>
-          </a:p>
-          <a:p>
-            <a:pPr lvl="1" marL="800280" indent="-342720">
-              <a:lnSpc>
-                <a:spcPct val="90000"/>
-              </a:lnSpc>
-              <a:spcBef>
-                <a:spcPts val="499"/>
-              </a:spcBef>
-              <a:buClr>
-                <a:srgbClr val="ffffff"/>
-              </a:buClr>
-              <a:buFont typeface="Arial"/>
-              <a:buChar char="•"/>
-            </a:pPr>
-            <a:r>
-              <a:rPr b="0" lang="en-US" sz="2000" spc="-1" strike="noStrike">
-                <a:solidFill>
-                  <a:srgbClr val="ffffff"/>
-                </a:solidFill>
-                <a:latin typeface="Calibri"/>
-              </a:rPr>
-              <a:t>Future-k variation</a:t>
-            </a:r>
-            <a:endParaRPr b="0" lang="en-US" sz="2000" spc="-1" strike="noStrike">
-              <a:latin typeface="Arial"/>
-            </a:endParaRPr>
-          </a:p>
-          <a:p>
-            <a:pPr lvl="1" marL="800280" indent="-342720">
-              <a:lnSpc>
-                <a:spcPct val="90000"/>
-              </a:lnSpc>
-              <a:spcBef>
-                <a:spcPts val="499"/>
-              </a:spcBef>
-              <a:buClr>
-                <a:srgbClr val="ffffff"/>
-              </a:buClr>
-              <a:buFont typeface="Arial"/>
-              <a:buChar char="•"/>
-            </a:pPr>
-            <a:r>
-              <a:rPr b="0" lang="en-US" sz="2000" spc="-1" strike="noStrike">
-                <a:solidFill>
-                  <a:srgbClr val="ffffff"/>
-                </a:solidFill>
-                <a:latin typeface="Calibri"/>
-              </a:rPr>
-              <a:t>Learning from negative experiences</a:t>
-            </a:r>
-            <a:endParaRPr b="0" lang="en-US" sz="2000" spc="-1" strike="noStrike">
-              <a:latin typeface="Arial"/>
-            </a:endParaRPr>
-          </a:p>
-          <a:p>
-            <a:pPr marL="457200">
-              <a:lnSpc>
-                <a:spcPct val="90000"/>
-              </a:lnSpc>
-              <a:spcBef>
-                <a:spcPts val="499"/>
-              </a:spcBef>
-            </a:pPr>
-            <a:endParaRPr b="0" lang="en-US" sz="2000" spc="-1" strike="noStrike">
-              <a:latin typeface="Arial"/>
-            </a:endParaRPr>
-          </a:p>
-          <a:p>
-            <a:pPr marL="343080" indent="-342720">
-              <a:lnSpc>
-                <a:spcPct val="90000"/>
-              </a:lnSpc>
-              <a:spcBef>
-                <a:spcPts val="1001"/>
-              </a:spcBef>
-              <a:buClr>
-                <a:srgbClr val="ffffff"/>
-              </a:buClr>
-              <a:buFont typeface="Arial"/>
-              <a:buChar char="•"/>
-            </a:pPr>
-            <a:r>
-              <a:rPr b="0" lang="en-US" sz="2400" spc="-1" strike="noStrike">
-                <a:solidFill>
-                  <a:srgbClr val="ffffff"/>
-                </a:solidFill>
-                <a:latin typeface="Calibri"/>
-              </a:rPr>
-              <a:t>Prioritized Experience Replay (PER)</a:t>
-            </a:r>
-            <a:endParaRPr b="0" lang="en-US" sz="2400" spc="-1" strike="noStrike">
-              <a:latin typeface="Arial"/>
-            </a:endParaRPr>
-          </a:p>
-          <a:p>
-            <a:pPr lvl="1" marL="800280" indent="-342720">
-              <a:lnSpc>
-                <a:spcPct val="90000"/>
-              </a:lnSpc>
-              <a:spcBef>
-                <a:spcPts val="499"/>
-              </a:spcBef>
-              <a:buClr>
-                <a:srgbClr val="ffffff"/>
-              </a:buClr>
-              <a:buFont typeface="Arial"/>
-              <a:buChar char="•"/>
-            </a:pPr>
-            <a:r>
-              <a:rPr b="0" lang="en-US" sz="2000" spc="-1" strike="noStrike">
-                <a:solidFill>
-                  <a:srgbClr val="ffffff"/>
-                </a:solidFill>
-                <a:latin typeface="Calibri"/>
-              </a:rPr>
-              <a:t>Prioritize “important” experiences</a:t>
-            </a:r>
-            <a:endParaRPr b="0" lang="en-US" sz="2000" spc="-1" strike="noStrike">
-              <a:latin typeface="Arial"/>
-            </a:endParaRPr>
-          </a:p>
-          <a:p>
-            <a:pPr lvl="1" marL="800280" indent="-342720">
-              <a:lnSpc>
-                <a:spcPct val="90000"/>
-              </a:lnSpc>
-              <a:spcBef>
-                <a:spcPts val="499"/>
-              </a:spcBef>
-              <a:buClr>
-                <a:srgbClr val="ffffff"/>
-              </a:buClr>
-              <a:buFont typeface="Arial"/>
-              <a:buChar char="•"/>
-            </a:pPr>
-            <a:r>
-              <a:rPr b="0" lang="en-US" sz="2000" spc="-1" strike="noStrike">
-                <a:solidFill>
-                  <a:srgbClr val="ffffff"/>
-                </a:solidFill>
-                <a:latin typeface="Calibri"/>
-              </a:rPr>
-              <a:t>Hopefully also speeds up the learning </a:t>
-            </a:r>
-            <a:r>
-              <a:rPr b="0" lang="en-US" sz="2000" spc="-1" strike="noStrike">
-                <a:solidFill>
-                  <a:srgbClr val="ffffff"/>
-                </a:solidFill>
-                <a:latin typeface="Calibri"/>
-              </a:rPr>
-              <a:t>process</a:t>
-            </a:r>
-            <a:endParaRPr b="0" lang="en-US" sz="2000" spc="-1" strike="noStrike">
-              <a:latin typeface="Arial"/>
-            </a:endParaRPr>
-          </a:p>
-          <a:p>
-            <a:pPr>
-              <a:lnSpc>
-                <a:spcPct val="90000"/>
-              </a:lnSpc>
-              <a:spcBef>
-                <a:spcPts val="499"/>
-              </a:spcBef>
-            </a:pPr>
-            <a:endParaRPr b="0" lang="en-US" sz="2000" spc="-1" strike="noStrike">
-              <a:latin typeface="Arial"/>
-            </a:endParaRPr>
-          </a:p>
-          <a:p>
-            <a:pPr marL="343080" indent="-342720">
-              <a:lnSpc>
-                <a:spcPct val="90000"/>
-              </a:lnSpc>
-              <a:spcBef>
-                <a:spcPts val="1001"/>
-              </a:spcBef>
-              <a:buClr>
-                <a:srgbClr val="ffffff"/>
-              </a:buClr>
-              <a:buFont typeface="Arial"/>
-              <a:buChar char="•"/>
-            </a:pPr>
-            <a:r>
-              <a:rPr b="0" lang="en-US" sz="2400" spc="-1" strike="noStrike">
-                <a:solidFill>
-                  <a:srgbClr val="ffffff"/>
-                </a:solidFill>
-                <a:latin typeface="Calibri"/>
-              </a:rPr>
-              <a:t>Our variation:</a:t>
-            </a:r>
-            <a:endParaRPr b="0" lang="en-US" sz="2400" spc="-1" strike="noStrike">
-              <a:latin typeface="Arial"/>
-            </a:endParaRPr>
-          </a:p>
-          <a:p>
-            <a:pPr lvl="1" marL="800280" indent="-342720">
-              <a:lnSpc>
-                <a:spcPct val="90000"/>
-              </a:lnSpc>
-              <a:spcBef>
-                <a:spcPts val="499"/>
-              </a:spcBef>
-              <a:buClr>
-                <a:srgbClr val="ffffff"/>
-              </a:buClr>
-              <a:buFont typeface="Arial"/>
-              <a:buChar char="•"/>
-            </a:pPr>
-            <a:r>
-              <a:rPr b="0" lang="en-US" sz="2000" spc="-1" strike="noStrike">
-                <a:solidFill>
-                  <a:srgbClr val="ffffff"/>
-                </a:solidFill>
-                <a:latin typeface="Calibri"/>
-              </a:rPr>
-              <a:t>Focus on Distance metric</a:t>
-            </a:r>
-            <a:endParaRPr b="0" lang="en-US" sz="2000" spc="-1" strike="noStrike">
-              <a:latin typeface="Arial"/>
-            </a:endParaRPr>
-          </a:p>
-          <a:p>
-            <a:pPr lvl="1" marL="800280" indent="-342720">
-              <a:lnSpc>
-                <a:spcPct val="90000"/>
-              </a:lnSpc>
-              <a:spcBef>
-                <a:spcPts val="499"/>
-              </a:spcBef>
-              <a:buClr>
-                <a:srgbClr val="ffffff"/>
-              </a:buClr>
-              <a:buFont typeface="Arial"/>
-              <a:buChar char="•"/>
-            </a:pPr>
-            <a:r>
-              <a:rPr b="0" lang="en-US" sz="2000" spc="-1" strike="noStrike">
-                <a:solidFill>
-                  <a:srgbClr val="ffffff"/>
-                </a:solidFill>
-                <a:latin typeface="Calibri"/>
-              </a:rPr>
-              <a:t>Focus on Impact metric</a:t>
-            </a:r>
-            <a:endParaRPr b="0" lang="en-US" sz="2000" spc="-1" strike="noStrike">
-              <a:latin typeface="Arial"/>
-            </a:endParaRPr>
-          </a:p>
-          <a:p>
-            <a:pPr lvl="1" marL="800280" indent="-342720">
-              <a:lnSpc>
-                <a:spcPct val="90000"/>
-              </a:lnSpc>
-              <a:spcBef>
-                <a:spcPts val="499"/>
-              </a:spcBef>
-              <a:buClr>
-                <a:srgbClr val="ffffff"/>
-              </a:buClr>
-              <a:buFont typeface="Arial"/>
-              <a:buChar char="•"/>
-            </a:pPr>
-            <a:r>
-              <a:rPr b="0" lang="en-US" sz="2000" spc="-1" strike="noStrike">
-                <a:solidFill>
-                  <a:srgbClr val="ffffff"/>
-                </a:solidFill>
-                <a:latin typeface="Calibri"/>
-              </a:rPr>
-              <a:t>70% in sample is ‘important’</a:t>
-            </a:r>
-            <a:endParaRPr b="0" lang="en-US" sz="2000" spc="-1" strike="noStrike">
-              <a:latin typeface="Arial"/>
-            </a:endParaRPr>
-          </a:p>
-          <a:p>
-            <a:pPr marL="457200">
-              <a:lnSpc>
-                <a:spcPct val="90000"/>
-              </a:lnSpc>
-              <a:spcBef>
-                <a:spcPts val="499"/>
-              </a:spcBef>
-            </a:pPr>
-            <a:endParaRPr b="0" lang="en-US" sz="2000" spc="-1" strike="noStrike">
-              <a:latin typeface="Arial"/>
-            </a:endParaRPr>
-          </a:p>
-          <a:p>
-            <a:pPr>
-              <a:lnSpc>
-                <a:spcPct val="90000"/>
-              </a:lnSpc>
-              <a:spcBef>
-                <a:spcPts val="1001"/>
-              </a:spcBef>
-            </a:pPr>
-            <a:endParaRPr b="0" lang="en-US" sz="2000" spc="-1" strike="noStrike">
-              <a:latin typeface="Arial"/>
-            </a:endParaRPr>
-          </a:p>
-        </p:txBody>
-      </p:sp>
-      <p:sp>
-        <p:nvSpPr>
-          <p:cNvPr id="74" name="CustomShape 3"/>
+          <p:cNvPr id="69" name="CustomShape 1"/>
           <p:cNvSpPr/>
           <p:nvPr/>
         </p:nvSpPr>
         <p:spPr>
           <a:xfrm>
-            <a:off x="6540840" y="132480"/>
-            <a:ext cx="5495400" cy="320040"/>
+            <a:off x="600120" y="868320"/>
+            <a:ext cx="6133320" cy="837360"/>
           </a:xfrm>
           <a:prstGeom prst="rect">
             <a:avLst/>
@@ -4784,7 +4155,7 @@
           <a:fontRef idx="minor"/>
         </p:style>
         <p:txBody>
-          <a:bodyPr>
+          <a:bodyPr lIns="90000" rIns="90000" tIns="45000" bIns="45000" anchor="b">
             <a:normAutofit/>
           </a:bodyPr>
           <a:p>
@@ -4792,9 +4163,439 @@
               <a:lnSpc>
                 <a:spcPct val="90000"/>
               </a:lnSpc>
+            </a:pPr>
+            <a:r>
+              <a:rPr b="1" lang="en-US" sz="4800" spc="-1" strike="noStrike">
+                <a:solidFill>
+                  <a:srgbClr val="ffffff"/>
+                </a:solidFill>
+                <a:latin typeface="Rubik"/>
+              </a:rPr>
+              <a:t>HER and PER</a:t>
+            </a:r>
+            <a:endParaRPr b="0" lang="en-US" sz="4800" spc="-1" strike="noStrike">
+              <a:latin typeface="Arial"/>
+            </a:endParaRPr>
+          </a:p>
+        </p:txBody>
+      </p:sp>
+      <p:sp>
+        <p:nvSpPr>
+          <p:cNvPr id="70" name="CustomShape 2"/>
+          <p:cNvSpPr/>
+          <p:nvPr/>
+        </p:nvSpPr>
+        <p:spPr>
+          <a:xfrm>
+            <a:off x="600120" y="1853640"/>
+            <a:ext cx="6133320" cy="3916080"/>
+          </a:xfrm>
+          <a:prstGeom prst="rect">
+            <a:avLst/>
+          </a:prstGeom>
+          <a:noFill/>
+          <a:ln>
+            <a:noFill/>
+          </a:ln>
+        </p:spPr>
+        <p:style>
+          <a:lnRef idx="0"/>
+          <a:fillRef idx="0"/>
+          <a:effectRef idx="0"/>
+          <a:fontRef idx="minor"/>
+        </p:style>
+        <p:txBody>
+          <a:bodyPr lIns="90000" rIns="90000" tIns="45000" bIns="45000">
+            <a:normAutofit/>
+          </a:bodyPr>
+          <a:p>
+            <a:pPr marL="343080" indent="-342360">
+              <a:lnSpc>
+                <a:spcPct val="90000"/>
+              </a:lnSpc>
               <a:spcBef>
                 <a:spcPts val="1001"/>
               </a:spcBef>
+              <a:buClr>
+                <a:srgbClr val="ffffff"/>
+              </a:buClr>
+              <a:buFont typeface="Arial"/>
+              <a:buChar char="•"/>
+            </a:pPr>
+            <a:r>
+              <a:rPr b="0" lang="en-US" sz="2400" spc="-1" strike="noStrike">
+                <a:solidFill>
+                  <a:srgbClr val="ffffff"/>
+                </a:solidFill>
+                <a:latin typeface="Calibri"/>
+              </a:rPr>
+              <a:t>Hindsight Experience Replay (HER)</a:t>
+            </a:r>
+            <a:endParaRPr b="0" lang="en-US" sz="2400" spc="-1" strike="noStrike">
+              <a:latin typeface="Arial"/>
+            </a:endParaRPr>
+          </a:p>
+          <a:p>
+            <a:pPr lvl="1" marL="800280" indent="-342360">
+              <a:lnSpc>
+                <a:spcPct val="90000"/>
+              </a:lnSpc>
+              <a:spcBef>
+                <a:spcPts val="499"/>
+              </a:spcBef>
+              <a:buClr>
+                <a:srgbClr val="ffffff"/>
+              </a:buClr>
+              <a:buFont typeface="Arial"/>
+              <a:buChar char="•"/>
+            </a:pPr>
+            <a:r>
+              <a:rPr b="0" lang="en-US" sz="2000" spc="-1" strike="noStrike">
+                <a:solidFill>
+                  <a:srgbClr val="ffffff"/>
+                </a:solidFill>
+                <a:latin typeface="Calibri"/>
+              </a:rPr>
+              <a:t>Achieved goal becomes actual goal</a:t>
+            </a:r>
+            <a:endParaRPr b="0" lang="en-US" sz="2000" spc="-1" strike="noStrike">
+              <a:latin typeface="Arial"/>
+            </a:endParaRPr>
+          </a:p>
+          <a:p>
+            <a:pPr lvl="1" marL="800280" indent="-342360">
+              <a:lnSpc>
+                <a:spcPct val="90000"/>
+              </a:lnSpc>
+              <a:spcBef>
+                <a:spcPts val="499"/>
+              </a:spcBef>
+              <a:buClr>
+                <a:srgbClr val="ffffff"/>
+              </a:buClr>
+              <a:buFont typeface="Arial"/>
+              <a:buChar char="•"/>
+            </a:pPr>
+            <a:r>
+              <a:rPr b="0" lang="en-US" sz="2000" spc="-1" strike="noStrike">
+                <a:solidFill>
+                  <a:srgbClr val="ffffff"/>
+                </a:solidFill>
+                <a:latin typeface="Calibri"/>
+              </a:rPr>
+              <a:t>Future-k variation</a:t>
+            </a:r>
+            <a:endParaRPr b="0" lang="en-US" sz="2000" spc="-1" strike="noStrike">
+              <a:latin typeface="Arial"/>
+            </a:endParaRPr>
+          </a:p>
+          <a:p>
+            <a:pPr lvl="1" marL="800280" indent="-342360">
+              <a:lnSpc>
+                <a:spcPct val="90000"/>
+              </a:lnSpc>
+              <a:spcBef>
+                <a:spcPts val="499"/>
+              </a:spcBef>
+              <a:buClr>
+                <a:srgbClr val="ffffff"/>
+              </a:buClr>
+              <a:buFont typeface="Arial"/>
+              <a:buChar char="•"/>
+            </a:pPr>
+            <a:r>
+              <a:rPr b="0" lang="en-US" sz="2000" spc="-1" strike="noStrike">
+                <a:solidFill>
+                  <a:srgbClr val="ffffff"/>
+                </a:solidFill>
+                <a:latin typeface="Calibri"/>
+              </a:rPr>
+              <a:t>Learning from negative experiences</a:t>
+            </a:r>
+            <a:endParaRPr b="0" lang="en-US" sz="2000" spc="-1" strike="noStrike">
+              <a:latin typeface="Arial"/>
+            </a:endParaRPr>
+          </a:p>
+          <a:p>
+            <a:pPr marL="457200">
+              <a:lnSpc>
+                <a:spcPct val="90000"/>
+              </a:lnSpc>
+              <a:spcBef>
+                <a:spcPts val="499"/>
+              </a:spcBef>
+            </a:pPr>
+            <a:endParaRPr b="0" lang="en-US" sz="2000" spc="-1" strike="noStrike">
+              <a:latin typeface="Arial"/>
+            </a:endParaRPr>
+          </a:p>
+          <a:p>
+            <a:pPr marL="343080" indent="-342360">
+              <a:lnSpc>
+                <a:spcPct val="90000"/>
+              </a:lnSpc>
+              <a:spcBef>
+                <a:spcPts val="1001"/>
+              </a:spcBef>
+              <a:buClr>
+                <a:srgbClr val="ffffff"/>
+              </a:buClr>
+              <a:buFont typeface="Arial"/>
+              <a:buChar char="•"/>
+            </a:pPr>
+            <a:r>
+              <a:rPr b="0" lang="en-US" sz="2400" spc="-1" strike="noStrike">
+                <a:solidFill>
+                  <a:srgbClr val="ffffff"/>
+                </a:solidFill>
+                <a:latin typeface="Calibri"/>
+              </a:rPr>
+              <a:t>Prioritized Experience Replay (PER)</a:t>
+            </a:r>
+            <a:endParaRPr b="0" lang="en-US" sz="2400" spc="-1" strike="noStrike">
+              <a:latin typeface="Arial"/>
+            </a:endParaRPr>
+          </a:p>
+          <a:p>
+            <a:pPr lvl="1" marL="800280" indent="-342360">
+              <a:lnSpc>
+                <a:spcPct val="90000"/>
+              </a:lnSpc>
+              <a:spcBef>
+                <a:spcPts val="499"/>
+              </a:spcBef>
+              <a:buClr>
+                <a:srgbClr val="ffffff"/>
+              </a:buClr>
+              <a:buFont typeface="Arial"/>
+              <a:buChar char="•"/>
+            </a:pPr>
+            <a:r>
+              <a:rPr b="0" lang="en-US" sz="2000" spc="-1" strike="noStrike">
+                <a:solidFill>
+                  <a:srgbClr val="ffffff"/>
+                </a:solidFill>
+                <a:latin typeface="Calibri"/>
+              </a:rPr>
+              <a:t>Prioritize “important” experiences</a:t>
+            </a:r>
+            <a:endParaRPr b="0" lang="en-US" sz="2000" spc="-1" strike="noStrike">
+              <a:latin typeface="Arial"/>
+            </a:endParaRPr>
+          </a:p>
+          <a:p>
+            <a:pPr lvl="1" marL="800280" indent="-342360">
+              <a:lnSpc>
+                <a:spcPct val="90000"/>
+              </a:lnSpc>
+              <a:spcBef>
+                <a:spcPts val="499"/>
+              </a:spcBef>
+              <a:buClr>
+                <a:srgbClr val="ffffff"/>
+              </a:buClr>
+              <a:buFont typeface="Arial"/>
+              <a:buChar char="•"/>
+            </a:pPr>
+            <a:r>
+              <a:rPr b="0" lang="en-US" sz="2000" spc="-1" strike="noStrike">
+                <a:solidFill>
+                  <a:srgbClr val="ffffff"/>
+                </a:solidFill>
+                <a:latin typeface="Calibri"/>
+              </a:rPr>
+              <a:t>Hopefully also speeds up the learning process</a:t>
+            </a:r>
+            <a:endParaRPr b="0" lang="en-US" sz="2000" spc="-1" strike="noStrike">
+              <a:latin typeface="Arial"/>
+            </a:endParaRPr>
+          </a:p>
+          <a:p>
+            <a:pPr>
+              <a:lnSpc>
+                <a:spcPct val="90000"/>
+              </a:lnSpc>
+              <a:spcBef>
+                <a:spcPts val="499"/>
+              </a:spcBef>
+            </a:pPr>
+            <a:endParaRPr b="0" lang="en-US" sz="2000" spc="-1" strike="noStrike">
+              <a:latin typeface="Arial"/>
+            </a:endParaRPr>
+          </a:p>
+          <a:p>
+            <a:pPr marL="343080" indent="-342360">
+              <a:lnSpc>
+                <a:spcPct val="90000"/>
+              </a:lnSpc>
+              <a:spcBef>
+                <a:spcPts val="1001"/>
+              </a:spcBef>
+              <a:buClr>
+                <a:srgbClr val="ffffff"/>
+              </a:buClr>
+              <a:buFont typeface="Arial"/>
+              <a:buChar char="•"/>
+            </a:pPr>
+            <a:r>
+              <a:rPr b="0" lang="en-US" sz="2400" spc="-1" strike="noStrike">
+                <a:solidFill>
+                  <a:srgbClr val="ffffff"/>
+                </a:solidFill>
+                <a:latin typeface="Calibri"/>
+              </a:rPr>
+              <a:t>Our variation:</a:t>
+            </a:r>
+            <a:endParaRPr b="0" lang="en-US" sz="2400" spc="-1" strike="noStrike">
+              <a:latin typeface="Arial"/>
+            </a:endParaRPr>
+          </a:p>
+          <a:p>
+            <a:pPr lvl="1" marL="800280" indent="-342360">
+              <a:lnSpc>
+                <a:spcPct val="90000"/>
+              </a:lnSpc>
+              <a:spcBef>
+                <a:spcPts val="499"/>
+              </a:spcBef>
+              <a:buClr>
+                <a:srgbClr val="ffffff"/>
+              </a:buClr>
+              <a:buFont typeface="Arial"/>
+              <a:buChar char="•"/>
+            </a:pPr>
+            <a:r>
+              <a:rPr b="0" lang="en-US" sz="2000" spc="-1" strike="noStrike">
+                <a:solidFill>
+                  <a:srgbClr val="ffffff"/>
+                </a:solidFill>
+                <a:latin typeface="Calibri"/>
+              </a:rPr>
+              <a:t>Focus on Distance metric</a:t>
+            </a:r>
+            <a:endParaRPr b="0" lang="en-US" sz="2000" spc="-1" strike="noStrike">
+              <a:latin typeface="Arial"/>
+            </a:endParaRPr>
+          </a:p>
+          <a:p>
+            <a:pPr lvl="1" marL="800280" indent="-342360">
+              <a:lnSpc>
+                <a:spcPct val="90000"/>
+              </a:lnSpc>
+              <a:spcBef>
+                <a:spcPts val="499"/>
+              </a:spcBef>
+              <a:buClr>
+                <a:srgbClr val="ffffff"/>
+              </a:buClr>
+              <a:buFont typeface="Arial"/>
+              <a:buChar char="•"/>
+            </a:pPr>
+            <a:r>
+              <a:rPr b="0" lang="en-US" sz="2000" spc="-1" strike="noStrike">
+                <a:solidFill>
+                  <a:srgbClr val="ffffff"/>
+                </a:solidFill>
+                <a:latin typeface="Calibri"/>
+              </a:rPr>
+              <a:t>Focus on Impact metric</a:t>
+            </a:r>
+            <a:endParaRPr b="0" lang="en-US" sz="2000" spc="-1" strike="noStrike">
+              <a:latin typeface="Arial"/>
+            </a:endParaRPr>
+          </a:p>
+          <a:p>
+            <a:pPr lvl="1" marL="800280" indent="-342360">
+              <a:lnSpc>
+                <a:spcPct val="90000"/>
+              </a:lnSpc>
+              <a:spcBef>
+                <a:spcPts val="499"/>
+              </a:spcBef>
+              <a:buClr>
+                <a:srgbClr val="ffffff"/>
+              </a:buClr>
+              <a:buFont typeface="Arial"/>
+              <a:buChar char="•"/>
+            </a:pPr>
+            <a:r>
+              <a:rPr b="0" lang="en-US" sz="2000" spc="-1" strike="noStrike">
+                <a:solidFill>
+                  <a:srgbClr val="ffffff"/>
+                </a:solidFill>
+                <a:latin typeface="Calibri"/>
+              </a:rPr>
+              <a:t>70% in sample is ‘important’</a:t>
+            </a:r>
+            <a:endParaRPr b="0" lang="en-US" sz="2000" spc="-1" strike="noStrike">
+              <a:latin typeface="Arial"/>
+            </a:endParaRPr>
+          </a:p>
+          <a:p>
+            <a:pPr marL="457200">
+              <a:lnSpc>
+                <a:spcPct val="90000"/>
+              </a:lnSpc>
+              <a:spcBef>
+                <a:spcPts val="499"/>
+              </a:spcBef>
+            </a:pPr>
+            <a:endParaRPr b="0" lang="en-US" sz="2000" spc="-1" strike="noStrike">
+              <a:latin typeface="Arial"/>
+            </a:endParaRPr>
+          </a:p>
+          <a:p>
+            <a:pPr marL="457200">
+              <a:lnSpc>
+                <a:spcPct val="90000"/>
+              </a:lnSpc>
+              <a:spcBef>
+                <a:spcPts val="1001"/>
+              </a:spcBef>
+            </a:pPr>
+            <a:endParaRPr b="0" lang="en-US" sz="2000" spc="-1" strike="noStrike">
+              <a:latin typeface="Arial"/>
+            </a:endParaRPr>
+          </a:p>
+        </p:txBody>
+      </p:sp>
+      <p:sp>
+        <p:nvSpPr>
+          <p:cNvPr id="71" name="CustomShape 3"/>
+          <p:cNvSpPr/>
+          <p:nvPr/>
+        </p:nvSpPr>
+        <p:spPr>
+          <a:xfrm>
+            <a:off x="6540840" y="132480"/>
+            <a:ext cx="5495040" cy="319680"/>
+          </a:xfrm>
+          <a:prstGeom prst="rect">
+            <a:avLst/>
+          </a:prstGeom>
+          <a:noFill/>
+          <a:ln>
+            <a:noFill/>
+          </a:ln>
+        </p:spPr>
+        <p:style>
+          <a:lnRef idx="0"/>
+          <a:fillRef idx="0"/>
+          <a:effectRef idx="0"/>
+          <a:fontRef idx="minor"/>
+        </p:style>
+        <p:txBody>
+          <a:bodyPr lIns="90000" rIns="90000" tIns="45000" bIns="45000">
+            <a:normAutofit/>
+          </a:bodyPr>
+          <a:p>
+            <a:pPr>
+              <a:lnSpc>
+                <a:spcPct val="90000"/>
+              </a:lnSpc>
+              <a:spcBef>
+                <a:spcPts val="1001"/>
+              </a:spcBef>
             </a:pPr>
             <a:r>
               <a:rPr b="0" i="1" lang="en-US" sz="1600" spc="-1" strike="noStrike">
@@ -4802,6 +4603,7 @@
                   <a:srgbClr val="ffffff"/>
                 </a:solidFill>
                 <a:latin typeface="Calibri"/>
+                <a:ea typeface="DejaVu Sans"/>
               </a:rPr>
               <a:t>Epoch: 18</a:t>
             </a:r>
@@ -4869,7 +4671,7 @@
       </p:grpSpPr>
       <p:pic>
         <p:nvPicPr>
-          <p:cNvPr id="75" name="Picture 7" descr=""/>
+          <p:cNvPr id="72" name="Picture 7" descr=""/>
           <p:cNvPicPr/>
           <p:nvPr/>
         </p:nvPicPr>
@@ -4880,7 +4682,7 @@
         <p:spPr>
           <a:xfrm>
             <a:off x="5628600" y="0"/>
-            <a:ext cx="7473240" cy="4203360"/>
+            <a:ext cx="7472880" cy="4203000"/>
           </a:xfrm>
           <a:prstGeom prst="rect">
             <a:avLst/>
@@ -4892,405 +4694,14 @@
       </p:pic>
       <p:sp>
         <p:nvSpPr>
-          <p:cNvPr id="76" name="TextShape 1"/>
-          <p:cNvSpPr txBox="1"/>
-          <p:nvPr/>
-        </p:nvSpPr>
-        <p:spPr>
-          <a:xfrm>
-            <a:off x="600120" y="868320"/>
-            <a:ext cx="6133680" cy="837720"/>
-          </a:xfrm>
-          <a:prstGeom prst="rect">
-            <a:avLst/>
-          </a:prstGeom>
-          <a:noFill/>
-          <a:ln>
-            <a:noFill/>
-          </a:ln>
-        </p:spPr>
-        <p:txBody>
-          <a:bodyPr anchor="b">
-            <a:normAutofit/>
-          </a:bodyPr>
-          <a:p>
-            <a:pPr>
-              <a:lnSpc>
-                <a:spcPct val="90000"/>
-              </a:lnSpc>
-            </a:pPr>
-            <a:r>
-              <a:rPr b="1" lang="en-NL" sz="4800" spc="-1" strike="noStrike">
-                <a:solidFill>
-                  <a:srgbClr val="ffffff"/>
-                </a:solidFill>
-                <a:latin typeface="Rubik"/>
-              </a:rPr>
-              <a:t>Parameters</a:t>
-            </a:r>
-            <a:endParaRPr b="0" lang="en-NL" sz="4800" spc="-1" strike="noStrike">
-              <a:solidFill>
-                <a:srgbClr val="000000"/>
-              </a:solidFill>
-              <a:latin typeface="Calibri"/>
-            </a:endParaRPr>
-          </a:p>
-        </p:txBody>
-      </p:sp>
-      <p:sp>
-        <p:nvSpPr>
-          <p:cNvPr id="77" name="TextShape 2"/>
-          <p:cNvSpPr txBox="1"/>
-          <p:nvPr/>
-        </p:nvSpPr>
-        <p:spPr>
-          <a:xfrm>
-            <a:off x="600120" y="2245320"/>
-            <a:ext cx="6133680" cy="3916440"/>
-          </a:xfrm>
-          <a:prstGeom prst="rect">
-            <a:avLst/>
-          </a:prstGeom>
-          <a:noFill/>
-          <a:ln>
-            <a:noFill/>
-          </a:ln>
-        </p:spPr>
-        <p:txBody>
-          <a:bodyPr>
-            <a:normAutofit/>
-          </a:bodyPr>
-          <a:p>
-            <a:pPr marL="343080" indent="-342720">
-              <a:lnSpc>
-                <a:spcPct val="90000"/>
-              </a:lnSpc>
-              <a:spcBef>
-                <a:spcPts val="1001"/>
-              </a:spcBef>
-              <a:buClr>
-                <a:srgbClr val="ffffff"/>
-              </a:buClr>
-              <a:buFont typeface="Arial"/>
-              <a:buChar char="•"/>
-            </a:pPr>
-            <a:r>
-              <a:rPr b="1" lang="en-US" sz="2400" spc="-1" strike="noStrike">
-                <a:solidFill>
-                  <a:srgbClr val="ffffff"/>
-                </a:solidFill>
-                <a:latin typeface="Calibri"/>
-              </a:rPr>
-              <a:t>Network layers</a:t>
-            </a:r>
-            <a:endParaRPr b="0" lang="en-US" sz="2400" spc="-1" strike="noStrike">
-              <a:latin typeface="Arial"/>
-            </a:endParaRPr>
-          </a:p>
-          <a:p>
-            <a:pPr lvl="1" marL="800280" indent="-342720">
-              <a:lnSpc>
-                <a:spcPct val="90000"/>
-              </a:lnSpc>
-              <a:spcBef>
-                <a:spcPts val="499"/>
-              </a:spcBef>
-              <a:buClr>
-                <a:srgbClr val="ffffff"/>
-              </a:buClr>
-              <a:buFont typeface="Arial"/>
-              <a:buChar char="•"/>
-            </a:pPr>
-            <a:r>
-              <a:rPr b="0" lang="en-US" sz="2000" spc="-1" strike="noStrike">
-                <a:solidFill>
-                  <a:srgbClr val="ffffff"/>
-                </a:solidFill>
-                <a:latin typeface="Calibri"/>
-              </a:rPr>
-              <a:t>3 layers with 256 units and ReLU</a:t>
-            </a:r>
-            <a:endParaRPr b="0" lang="en-US" sz="2000" spc="-1" strike="noStrike">
-              <a:latin typeface="Arial"/>
-            </a:endParaRPr>
-          </a:p>
-          <a:p>
-            <a:pPr marL="343080" indent="-342720">
-              <a:lnSpc>
-                <a:spcPct val="90000"/>
-              </a:lnSpc>
-              <a:spcBef>
-                <a:spcPts val="1001"/>
-              </a:spcBef>
-              <a:buClr>
-                <a:srgbClr val="ffffff"/>
-              </a:buClr>
-              <a:buFont typeface="Arial"/>
-              <a:buChar char="•"/>
-            </a:pPr>
-            <a:r>
-              <a:rPr b="1" lang="en-US" sz="2400" spc="-1" strike="noStrike">
-                <a:solidFill>
-                  <a:srgbClr val="ffffff"/>
-                </a:solidFill>
-                <a:latin typeface="Calibri"/>
-              </a:rPr>
-              <a:t>Epochs</a:t>
-            </a:r>
-            <a:r>
-              <a:rPr b="0" lang="en-US" sz="2400" spc="-1" strike="noStrike">
-                <a:solidFill>
-                  <a:srgbClr val="ffffff"/>
-                </a:solidFill>
-                <a:latin typeface="Calibri"/>
-              </a:rPr>
-              <a:t> </a:t>
-            </a:r>
-            <a:r>
-              <a:rPr b="0" lang="en-US" sz="2400" spc="-1" strike="noStrike">
-                <a:solidFill>
-                  <a:srgbClr val="ffffff"/>
-                </a:solidFill>
-                <a:latin typeface="Calibri"/>
-              </a:rPr>
-              <a:t>	</a:t>
-            </a:r>
-            <a:r>
-              <a:rPr b="0" lang="en-US" sz="2400" spc="-1" strike="noStrike">
-                <a:solidFill>
-                  <a:srgbClr val="ffffff"/>
-                </a:solidFill>
-                <a:latin typeface="Calibri"/>
-              </a:rPr>
-              <a:t>	</a:t>
-            </a:r>
-            <a:r>
-              <a:rPr b="0" lang="en-US" sz="2400" spc="-1" strike="noStrike">
-                <a:solidFill>
-                  <a:srgbClr val="ffffff"/>
-                </a:solidFill>
-                <a:latin typeface="Calibri"/>
-              </a:rPr>
-              <a:t>	</a:t>
-            </a:r>
-            <a:r>
-              <a:rPr b="0" lang="en-US" sz="2400" spc="-1" strike="noStrike">
-                <a:solidFill>
-                  <a:srgbClr val="ffffff"/>
-                </a:solidFill>
-                <a:latin typeface="Calibri"/>
-              </a:rPr>
-              <a:t>= 90 </a:t>
-            </a:r>
-            <a:endParaRPr b="0" lang="en-US" sz="2400" spc="-1" strike="noStrike">
-              <a:latin typeface="Arial"/>
-            </a:endParaRPr>
-          </a:p>
-          <a:p>
-            <a:pPr marL="343080" indent="-342720">
-              <a:lnSpc>
-                <a:spcPct val="90000"/>
-              </a:lnSpc>
-              <a:spcBef>
-                <a:spcPts val="1001"/>
-              </a:spcBef>
-              <a:buClr>
-                <a:srgbClr val="ffffff"/>
-              </a:buClr>
-              <a:buFont typeface="Arial"/>
-              <a:buChar char="•"/>
-            </a:pPr>
-            <a:r>
-              <a:rPr b="1" lang="en-US" sz="2400" spc="-1" strike="noStrike">
-                <a:solidFill>
-                  <a:srgbClr val="ffffff"/>
-                </a:solidFill>
-                <a:latin typeface="Calibri"/>
-              </a:rPr>
-              <a:t>Future-k</a:t>
-            </a:r>
-            <a:r>
-              <a:rPr b="0" lang="en-US" sz="2400" spc="-1" strike="noStrike">
-                <a:solidFill>
-                  <a:srgbClr val="ffffff"/>
-                </a:solidFill>
-                <a:latin typeface="Calibri"/>
-              </a:rPr>
-              <a:t> </a:t>
-            </a:r>
-            <a:r>
-              <a:rPr b="0" lang="en-US" sz="2400" spc="-1" strike="noStrike">
-                <a:solidFill>
-                  <a:srgbClr val="ffffff"/>
-                </a:solidFill>
-                <a:latin typeface="Calibri"/>
-              </a:rPr>
-              <a:t>	</a:t>
-            </a:r>
-            <a:r>
-              <a:rPr b="0" lang="en-US" sz="2400" spc="-1" strike="noStrike">
-                <a:solidFill>
-                  <a:srgbClr val="ffffff"/>
-                </a:solidFill>
-                <a:latin typeface="Calibri"/>
-              </a:rPr>
-              <a:t>	</a:t>
-            </a:r>
-            <a:r>
-              <a:rPr b="0" lang="en-US" sz="2400" spc="-1" strike="noStrike">
-                <a:solidFill>
-                  <a:srgbClr val="ffffff"/>
-                </a:solidFill>
-                <a:latin typeface="Calibri"/>
-              </a:rPr>
-              <a:t>	</a:t>
-            </a:r>
-            <a:r>
-              <a:rPr b="0" lang="en-US" sz="2400" spc="-1" strike="noStrike">
-                <a:solidFill>
-                  <a:srgbClr val="ffffff"/>
-                </a:solidFill>
-                <a:latin typeface="Calibri"/>
-              </a:rPr>
-              <a:t>= 4</a:t>
-            </a:r>
-            <a:endParaRPr b="0" lang="en-US" sz="2400" spc="-1" strike="noStrike">
-              <a:latin typeface="Arial"/>
-            </a:endParaRPr>
-          </a:p>
-          <a:p>
-            <a:pPr marL="343080" indent="-342720">
-              <a:lnSpc>
-                <a:spcPct val="90000"/>
-              </a:lnSpc>
-              <a:spcBef>
-                <a:spcPts val="1001"/>
-              </a:spcBef>
-              <a:buClr>
-                <a:srgbClr val="ffffff"/>
-              </a:buClr>
-              <a:buFont typeface="Arial"/>
-              <a:buChar char="•"/>
-            </a:pPr>
-            <a:r>
-              <a:rPr b="1" lang="en-US" sz="2400" spc="-1" strike="noStrike">
-                <a:solidFill>
-                  <a:srgbClr val="ffffff"/>
-                </a:solidFill>
-                <a:latin typeface="Calibri"/>
-              </a:rPr>
-              <a:t>Probability of HER </a:t>
-            </a:r>
-            <a:r>
-              <a:rPr b="1" lang="en-US" sz="2400" spc="-1" strike="noStrike">
-                <a:solidFill>
-                  <a:srgbClr val="ffffff"/>
-                </a:solidFill>
-                <a:latin typeface="Calibri"/>
-              </a:rPr>
-              <a:t>	</a:t>
-            </a:r>
-            <a:r>
-              <a:rPr b="1" lang="en-US" sz="2400" spc="-1" strike="noStrike">
-                <a:solidFill>
-                  <a:srgbClr val="ffffff"/>
-                </a:solidFill>
-                <a:latin typeface="Calibri"/>
-              </a:rPr>
-              <a:t>	</a:t>
-            </a:r>
-            <a:r>
-              <a:rPr b="0" lang="en-US" sz="2400" spc="-1" strike="noStrike">
-                <a:solidFill>
-                  <a:srgbClr val="ffffff"/>
-                </a:solidFill>
-                <a:latin typeface="Calibri"/>
-              </a:rPr>
-              <a:t>= 0,8</a:t>
-            </a:r>
-            <a:endParaRPr b="0" lang="en-US" sz="2400" spc="-1" strike="noStrike">
-              <a:latin typeface="Arial"/>
-            </a:endParaRPr>
-          </a:p>
-          <a:p>
-            <a:pPr marL="343080" indent="-342720">
-              <a:lnSpc>
-                <a:spcPct val="90000"/>
-              </a:lnSpc>
-              <a:spcBef>
-                <a:spcPts val="1001"/>
-              </a:spcBef>
-              <a:buClr>
-                <a:srgbClr val="ffffff"/>
-              </a:buClr>
-              <a:buFont typeface="Arial"/>
-              <a:buChar char="•"/>
-            </a:pPr>
-            <a:r>
-              <a:rPr b="1" lang="en-US" sz="2400" spc="-1" strike="noStrike">
-                <a:solidFill>
-                  <a:srgbClr val="ffffff"/>
-                </a:solidFill>
-                <a:latin typeface="Calibri"/>
-              </a:rPr>
-              <a:t>Distribution of PER</a:t>
-            </a:r>
-            <a:r>
-              <a:rPr b="1" lang="en-US" sz="2400" spc="-1" strike="noStrike">
-                <a:solidFill>
-                  <a:srgbClr val="ffffff"/>
-                </a:solidFill>
-                <a:latin typeface="Calibri"/>
-              </a:rPr>
-              <a:t>	</a:t>
-            </a:r>
-            <a:r>
-              <a:rPr b="0" lang="en-US" sz="2400" spc="-1" strike="noStrike">
-                <a:solidFill>
-                  <a:srgbClr val="ffffff"/>
-                </a:solidFill>
-                <a:latin typeface="Calibri"/>
-              </a:rPr>
-              <a:t>	</a:t>
-            </a:r>
-            <a:r>
-              <a:rPr b="0" lang="en-US" sz="2400" spc="-1" strike="noStrike">
-                <a:solidFill>
-                  <a:srgbClr val="ffffff"/>
-                </a:solidFill>
-                <a:latin typeface="Calibri"/>
-              </a:rPr>
-              <a:t>= 0,7</a:t>
-            </a:r>
-            <a:endParaRPr b="0" lang="en-US" sz="2400" spc="-1" strike="noStrike">
-              <a:latin typeface="Arial"/>
-            </a:endParaRPr>
-          </a:p>
-          <a:p>
-            <a:pPr>
-              <a:lnSpc>
-                <a:spcPct val="90000"/>
-              </a:lnSpc>
-              <a:spcBef>
-                <a:spcPts val="1001"/>
-              </a:spcBef>
-            </a:pPr>
-            <a:endParaRPr b="0" lang="en-US" sz="2400" spc="-1" strike="noStrike">
-              <a:latin typeface="Arial"/>
-            </a:endParaRPr>
-          </a:p>
-        </p:txBody>
-      </p:sp>
-      <p:sp>
-        <p:nvSpPr>
-          <p:cNvPr id="78" name="CustomShape 3"/>
+          <p:cNvPr id="73" name="CustomShape 1"/>
           <p:cNvSpPr/>
           <p:nvPr/>
         </p:nvSpPr>
         <p:spPr>
           <a:xfrm>
-            <a:off x="6540840" y="132480"/>
-            <a:ext cx="5495400" cy="320040"/>
+            <a:off x="600120" y="868320"/>
+            <a:ext cx="6133320" cy="837360"/>
           </a:xfrm>
           <a:prstGeom prst="rect">
             <a:avLst/>
@@ -5307,7 +4718,7 @@
           <a:fontRef idx="minor"/>
         </p:style>
         <p:txBody>
-          <a:bodyPr>
+          <a:bodyPr lIns="90000" rIns="90000" tIns="45000" bIns="45000" anchor="b">
             <a:normAutofit/>
           </a:bodyPr>
           <a:p>
@@ -5315,9 +4726,409 @@
               <a:lnSpc>
                 <a:spcPct val="90000"/>
               </a:lnSpc>
+            </a:pPr>
+            <a:r>
+              <a:rPr b="1" lang="en-US" sz="4800" spc="-1" strike="noStrike">
+                <a:solidFill>
+                  <a:srgbClr val="ffffff"/>
+                </a:solidFill>
+                <a:latin typeface="Rubik"/>
+              </a:rPr>
+              <a:t>Parameters</a:t>
+            </a:r>
+            <a:endParaRPr b="0" lang="en-US" sz="4800" spc="-1" strike="noStrike">
+              <a:latin typeface="Arial"/>
+            </a:endParaRPr>
+          </a:p>
+        </p:txBody>
+      </p:sp>
+      <p:sp>
+        <p:nvSpPr>
+          <p:cNvPr id="74" name="CustomShape 2"/>
+          <p:cNvSpPr/>
+          <p:nvPr/>
+        </p:nvSpPr>
+        <p:spPr>
+          <a:xfrm>
+            <a:off x="600120" y="2245320"/>
+            <a:ext cx="6133320" cy="3916080"/>
+          </a:xfrm>
+          <a:prstGeom prst="rect">
+            <a:avLst/>
+          </a:prstGeom>
+          <a:noFill/>
+          <a:ln>
+            <a:noFill/>
+          </a:ln>
+        </p:spPr>
+        <p:style>
+          <a:lnRef idx="0"/>
+          <a:fillRef idx="0"/>
+          <a:effectRef idx="0"/>
+          <a:fontRef idx="minor"/>
+        </p:style>
+        <p:txBody>
+          <a:bodyPr lIns="90000" rIns="90000" tIns="45000" bIns="45000">
+            <a:normAutofit/>
+          </a:bodyPr>
+          <a:p>
+            <a:pPr marL="343080" indent="-342360">
+              <a:lnSpc>
+                <a:spcPct val="90000"/>
+              </a:lnSpc>
               <a:spcBef>
                 <a:spcPts val="1001"/>
               </a:spcBef>
+              <a:buClr>
+                <a:srgbClr val="ffffff"/>
+              </a:buClr>
+              <a:buFont typeface="Arial"/>
+              <a:buChar char="•"/>
+            </a:pPr>
+            <a:r>
+              <a:rPr b="1" lang="en-US" sz="2400" spc="-1" strike="noStrike">
+                <a:solidFill>
+                  <a:srgbClr val="ffffff"/>
+                </a:solidFill>
+                <a:latin typeface="Calibri"/>
+              </a:rPr>
+              <a:t>Network layers</a:t>
+            </a:r>
+            <a:endParaRPr b="0" lang="en-US" sz="2400" spc="-1" strike="noStrike">
+              <a:latin typeface="Arial"/>
+            </a:endParaRPr>
+          </a:p>
+          <a:p>
+            <a:pPr lvl="1" marL="800280" indent="-342360">
+              <a:lnSpc>
+                <a:spcPct val="90000"/>
+              </a:lnSpc>
+              <a:spcBef>
+                <a:spcPts val="499"/>
+              </a:spcBef>
+              <a:buClr>
+                <a:srgbClr val="ffffff"/>
+              </a:buClr>
+              <a:buFont typeface="Arial"/>
+              <a:buChar char="•"/>
+            </a:pPr>
+            <a:r>
+              <a:rPr b="0" lang="en-US" sz="2000" spc="-1" strike="noStrike">
+                <a:solidFill>
+                  <a:srgbClr val="ffffff"/>
+                </a:solidFill>
+                <a:latin typeface="Calibri"/>
+              </a:rPr>
+              <a:t>3 layers with 256 units and ReLU</a:t>
+            </a:r>
+            <a:endParaRPr b="0" lang="en-US" sz="2000" spc="-1" strike="noStrike">
+              <a:latin typeface="Arial"/>
+            </a:endParaRPr>
+          </a:p>
+          <a:p>
+            <a:pPr marL="343080" indent="-342360">
+              <a:lnSpc>
+                <a:spcPct val="90000"/>
+              </a:lnSpc>
+              <a:spcBef>
+                <a:spcPts val="1001"/>
+              </a:spcBef>
+              <a:buClr>
+                <a:srgbClr val="ffffff"/>
+              </a:buClr>
+              <a:buFont typeface="Arial"/>
+              <a:buChar char="•"/>
+            </a:pPr>
+            <a:r>
+              <a:rPr b="1" lang="en-US" sz="2400" spc="-1" strike="noStrike">
+                <a:solidFill>
+                  <a:srgbClr val="ffffff"/>
+                </a:solidFill>
+                <a:latin typeface="Calibri"/>
+              </a:rPr>
+              <a:t>Epochs</a:t>
+            </a:r>
+            <a:r>
+              <a:rPr b="0" lang="en-US" sz="2400" spc="-1" strike="noStrike">
+                <a:solidFill>
+                  <a:srgbClr val="ffffff"/>
+                </a:solidFill>
+                <a:latin typeface="Calibri"/>
+              </a:rPr>
+              <a:t> </a:t>
+            </a:r>
+            <a:r>
+              <a:rPr b="0" lang="en-US" sz="2400" spc="-1" strike="noStrike">
+                <a:solidFill>
+                  <a:srgbClr val="ffffff"/>
+                </a:solidFill>
+                <a:latin typeface="Calibri"/>
+              </a:rPr>
+              <a:t>	</a:t>
+            </a:r>
+            <a:r>
+              <a:rPr b="0" lang="en-US" sz="2400" spc="-1" strike="noStrike">
+                <a:solidFill>
+                  <a:srgbClr val="ffffff"/>
+                </a:solidFill>
+                <a:latin typeface="Calibri"/>
+              </a:rPr>
+              <a:t>	</a:t>
+            </a:r>
+            <a:r>
+              <a:rPr b="0" lang="en-US" sz="2400" spc="-1" strike="noStrike">
+                <a:solidFill>
+                  <a:srgbClr val="ffffff"/>
+                </a:solidFill>
+                <a:latin typeface="Calibri"/>
+              </a:rPr>
+              <a:t>	</a:t>
+            </a:r>
+            <a:r>
+              <a:rPr b="0" lang="en-US" sz="2400" spc="-1" strike="noStrike">
+                <a:solidFill>
+                  <a:srgbClr val="ffffff"/>
+                </a:solidFill>
+                <a:latin typeface="Calibri"/>
+              </a:rPr>
+              <a:t>= 90 </a:t>
+            </a:r>
+            <a:endParaRPr b="0" lang="en-US" sz="2400" spc="-1" strike="noStrike">
+              <a:latin typeface="Arial"/>
+            </a:endParaRPr>
+          </a:p>
+          <a:p>
+            <a:pPr marL="343080" indent="-342360">
+              <a:lnSpc>
+                <a:spcPct val="90000"/>
+              </a:lnSpc>
+              <a:spcBef>
+                <a:spcPts val="1001"/>
+              </a:spcBef>
+              <a:buClr>
+                <a:srgbClr val="ffffff"/>
+              </a:buClr>
+              <a:buFont typeface="Arial"/>
+              <a:buChar char="•"/>
+            </a:pPr>
+            <a:r>
+              <a:rPr b="1" lang="en-US" sz="2400" spc="-1" strike="noStrike">
+                <a:solidFill>
+                  <a:srgbClr val="ffffff"/>
+                </a:solidFill>
+                <a:latin typeface="Calibri"/>
+              </a:rPr>
+              <a:t>Future-k</a:t>
+            </a:r>
+            <a:r>
+              <a:rPr b="0" lang="en-US" sz="2400" spc="-1" strike="noStrike">
+                <a:solidFill>
+                  <a:srgbClr val="ffffff"/>
+                </a:solidFill>
+                <a:latin typeface="Calibri"/>
+              </a:rPr>
+              <a:t> </a:t>
+            </a:r>
+            <a:r>
+              <a:rPr b="0" lang="en-US" sz="2400" spc="-1" strike="noStrike">
+                <a:solidFill>
+                  <a:srgbClr val="ffffff"/>
+                </a:solidFill>
+                <a:latin typeface="Calibri"/>
+              </a:rPr>
+              <a:t>	</a:t>
+            </a:r>
+            <a:r>
+              <a:rPr b="0" lang="en-US" sz="2400" spc="-1" strike="noStrike">
+                <a:solidFill>
+                  <a:srgbClr val="ffffff"/>
+                </a:solidFill>
+                <a:latin typeface="Calibri"/>
+              </a:rPr>
+              <a:t>	</a:t>
+            </a:r>
+            <a:r>
+              <a:rPr b="0" lang="en-US" sz="2400" spc="-1" strike="noStrike">
+                <a:solidFill>
+                  <a:srgbClr val="ffffff"/>
+                </a:solidFill>
+                <a:latin typeface="Calibri"/>
+              </a:rPr>
+              <a:t>	</a:t>
+            </a:r>
+            <a:r>
+              <a:rPr b="0" lang="en-US" sz="2400" spc="-1" strike="noStrike">
+                <a:solidFill>
+                  <a:srgbClr val="ffffff"/>
+                </a:solidFill>
+                <a:latin typeface="Calibri"/>
+              </a:rPr>
+              <a:t>= 4</a:t>
+            </a:r>
+            <a:endParaRPr b="0" lang="en-US" sz="2400" spc="-1" strike="noStrike">
+              <a:latin typeface="Arial"/>
+            </a:endParaRPr>
+          </a:p>
+          <a:p>
+            <a:pPr marL="343080" indent="-342360">
+              <a:lnSpc>
+                <a:spcPct val="90000"/>
+              </a:lnSpc>
+              <a:spcBef>
+                <a:spcPts val="1001"/>
+              </a:spcBef>
+              <a:buClr>
+                <a:srgbClr val="ffffff"/>
+              </a:buClr>
+              <a:buFont typeface="Arial"/>
+              <a:buChar char="•"/>
+            </a:pPr>
+            <a:r>
+              <a:rPr b="1" lang="en-US" sz="2400" spc="-1" strike="noStrike">
+                <a:solidFill>
+                  <a:srgbClr val="ffffff"/>
+                </a:solidFill>
+                <a:latin typeface="Calibri"/>
+              </a:rPr>
+              <a:t>Probability of HER </a:t>
+            </a:r>
+            <a:r>
+              <a:rPr b="1" lang="en-US" sz="2400" spc="-1" strike="noStrike">
+                <a:solidFill>
+                  <a:srgbClr val="ffffff"/>
+                </a:solidFill>
+                <a:latin typeface="Calibri"/>
+              </a:rPr>
+              <a:t>	</a:t>
+            </a:r>
+            <a:r>
+              <a:rPr b="1" lang="en-US" sz="2400" spc="-1" strike="noStrike">
+                <a:solidFill>
+                  <a:srgbClr val="ffffff"/>
+                </a:solidFill>
+                <a:latin typeface="Calibri"/>
+              </a:rPr>
+              <a:t>	</a:t>
+            </a:r>
+            <a:r>
+              <a:rPr b="0" lang="en-US" sz="2400" spc="-1" strike="noStrike">
+                <a:solidFill>
+                  <a:srgbClr val="ffffff"/>
+                </a:solidFill>
+                <a:latin typeface="Calibri"/>
+              </a:rPr>
+              <a:t>= 0,8</a:t>
+            </a:r>
+            <a:endParaRPr b="0" lang="en-US" sz="2400" spc="-1" strike="noStrike">
+              <a:latin typeface="Arial"/>
+            </a:endParaRPr>
+          </a:p>
+          <a:p>
+            <a:pPr marL="343080" indent="-342360">
+              <a:lnSpc>
+                <a:spcPct val="90000"/>
+              </a:lnSpc>
+              <a:spcBef>
+                <a:spcPts val="1001"/>
+              </a:spcBef>
+              <a:buClr>
+                <a:srgbClr val="ffffff"/>
+              </a:buClr>
+              <a:buFont typeface="Arial"/>
+              <a:buChar char="•"/>
+            </a:pPr>
+            <a:r>
+              <a:rPr b="1" lang="en-US" sz="2400" spc="-1" strike="noStrike">
+                <a:solidFill>
+                  <a:srgbClr val="ffffff"/>
+                </a:solidFill>
+                <a:latin typeface="Calibri"/>
+              </a:rPr>
+              <a:t>Distribution of PER</a:t>
+            </a:r>
+            <a:r>
+              <a:rPr b="1" lang="en-US" sz="2400" spc="-1" strike="noStrike">
+                <a:solidFill>
+                  <a:srgbClr val="ffffff"/>
+                </a:solidFill>
+                <a:latin typeface="Calibri"/>
+              </a:rPr>
+              <a:t>	</a:t>
+            </a:r>
+            <a:r>
+              <a:rPr b="0" lang="en-US" sz="2400" spc="-1" strike="noStrike">
+                <a:solidFill>
+                  <a:srgbClr val="ffffff"/>
+                </a:solidFill>
+                <a:latin typeface="Calibri"/>
+              </a:rPr>
+              <a:t>	</a:t>
+            </a:r>
+            <a:r>
+              <a:rPr b="0" lang="en-US" sz="2400" spc="-1" strike="noStrike">
+                <a:solidFill>
+                  <a:srgbClr val="ffffff"/>
+                </a:solidFill>
+                <a:latin typeface="Calibri"/>
+              </a:rPr>
+              <a:t>= 0,7</a:t>
+            </a:r>
+            <a:endParaRPr b="0" lang="en-US" sz="2400" spc="-1" strike="noStrike">
+              <a:latin typeface="Arial"/>
+            </a:endParaRPr>
+          </a:p>
+          <a:p>
+            <a:pPr>
+              <a:lnSpc>
+                <a:spcPct val="90000"/>
+              </a:lnSpc>
+              <a:spcBef>
+                <a:spcPts val="1001"/>
+              </a:spcBef>
+            </a:pPr>
+            <a:endParaRPr b="0" lang="en-US" sz="2400" spc="-1" strike="noStrike">
+              <a:latin typeface="Arial"/>
+            </a:endParaRPr>
+          </a:p>
+        </p:txBody>
+      </p:sp>
+      <p:sp>
+        <p:nvSpPr>
+          <p:cNvPr id="75" name="CustomShape 3"/>
+          <p:cNvSpPr/>
+          <p:nvPr/>
+        </p:nvSpPr>
+        <p:spPr>
+          <a:xfrm>
+            <a:off x="6540840" y="132480"/>
+            <a:ext cx="5495040" cy="319680"/>
+          </a:xfrm>
+          <a:prstGeom prst="rect">
+            <a:avLst/>
+          </a:prstGeom>
+          <a:noFill/>
+          <a:ln>
+            <a:noFill/>
+          </a:ln>
+        </p:spPr>
+        <p:style>
+          <a:lnRef idx="0"/>
+          <a:fillRef idx="0"/>
+          <a:effectRef idx="0"/>
+          <a:fontRef idx="minor"/>
+        </p:style>
+        <p:txBody>
+          <a:bodyPr lIns="90000" rIns="90000" tIns="45000" bIns="45000">
+            <a:normAutofit/>
+          </a:bodyPr>
+          <a:p>
+            <a:pPr>
+              <a:lnSpc>
+                <a:spcPct val="90000"/>
+              </a:lnSpc>
+              <a:spcBef>
+                <a:spcPts val="1001"/>
+              </a:spcBef>
             </a:pPr>
             <a:r>
               <a:rPr b="0" i="1" lang="en-US" sz="1600" spc="-1" strike="noStrike">
@@ -5325,6 +5136,7 @@
                   <a:srgbClr val="ffffff"/>
                 </a:solidFill>
                 <a:latin typeface="Calibri"/>
+                <a:ea typeface="DejaVu Sans"/>
               </a:rPr>
               <a:t>Epoch: 20</a:t>
             </a:r>
@@ -5392,7 +5204,7 @@
       </p:grpSpPr>
       <p:pic>
         <p:nvPicPr>
-          <p:cNvPr id="79" name="Picture 7" descr=""/>
+          <p:cNvPr id="76" name="Picture 7" descr=""/>
           <p:cNvPicPr/>
           <p:nvPr/>
         </p:nvPicPr>
@@ -5403,7 +5215,7 @@
         <p:spPr>
           <a:xfrm>
             <a:off x="5628600" y="0"/>
-            <a:ext cx="7473240" cy="4203360"/>
+            <a:ext cx="7472880" cy="4203000"/>
           </a:xfrm>
           <a:prstGeom prst="rect">
             <a:avLst/>
@@ -5415,192 +5227,14 @@
       </p:pic>
       <p:sp>
         <p:nvSpPr>
-          <p:cNvPr id="80" name="TextShape 1"/>
-          <p:cNvSpPr txBox="1"/>
-          <p:nvPr/>
-        </p:nvSpPr>
-        <p:spPr>
-          <a:xfrm>
-            <a:off x="600120" y="868320"/>
-            <a:ext cx="6133680" cy="837720"/>
-          </a:xfrm>
-          <a:prstGeom prst="rect">
-            <a:avLst/>
-          </a:prstGeom>
-          <a:noFill/>
-          <a:ln>
-            <a:noFill/>
-          </a:ln>
-        </p:spPr>
-        <p:txBody>
-          <a:bodyPr anchor="b">
-            <a:normAutofit/>
-          </a:bodyPr>
-          <a:p>
-            <a:pPr>
-              <a:lnSpc>
-                <a:spcPct val="90000"/>
-              </a:lnSpc>
-            </a:pPr>
-            <a:r>
-              <a:rPr b="1" lang="en-NL" sz="4800" spc="-1" strike="noStrike">
-                <a:solidFill>
-                  <a:srgbClr val="ffffff"/>
-                </a:solidFill>
-                <a:latin typeface="Rubik"/>
-              </a:rPr>
-              <a:t>Results</a:t>
-            </a:r>
-            <a:endParaRPr b="0" lang="en-NL" sz="4800" spc="-1" strike="noStrike">
-              <a:solidFill>
-                <a:srgbClr val="000000"/>
-              </a:solidFill>
-              <a:latin typeface="Calibri"/>
-            </a:endParaRPr>
-          </a:p>
-        </p:txBody>
-      </p:sp>
-      <p:sp>
-        <p:nvSpPr>
-          <p:cNvPr id="81" name="TextShape 2"/>
-          <p:cNvSpPr txBox="1"/>
-          <p:nvPr/>
-        </p:nvSpPr>
-        <p:spPr>
-          <a:xfrm>
-            <a:off x="600120" y="1853640"/>
-            <a:ext cx="6133680" cy="3916440"/>
-          </a:xfrm>
-          <a:prstGeom prst="rect">
-            <a:avLst/>
-          </a:prstGeom>
-          <a:noFill/>
-          <a:ln>
-            <a:noFill/>
-          </a:ln>
-        </p:spPr>
-        <p:txBody>
-          <a:bodyPr>
-            <a:normAutofit/>
-          </a:bodyPr>
-          <a:p>
-            <a:pPr marL="343080" indent="-342720">
-              <a:lnSpc>
-                <a:spcPct val="90000"/>
-              </a:lnSpc>
-              <a:spcBef>
-                <a:spcPts val="1001"/>
-              </a:spcBef>
-              <a:buClr>
-                <a:srgbClr val="ffffff"/>
-              </a:buClr>
-              <a:buFont typeface="Arial"/>
-              <a:buChar char="•"/>
-            </a:pPr>
-            <a:r>
-              <a:rPr b="0" lang="en-US" sz="2400" spc="-1" strike="noStrike">
-                <a:solidFill>
-                  <a:srgbClr val="ffffff"/>
-                </a:solidFill>
-                <a:latin typeface="Calibri"/>
-              </a:rPr>
-              <a:t>Final demo</a:t>
-            </a:r>
-            <a:endParaRPr b="0" lang="en-US" sz="2400" spc="-1" strike="noStrike">
-              <a:latin typeface="Arial"/>
-            </a:endParaRPr>
-          </a:p>
-          <a:p>
-            <a:pPr>
-              <a:lnSpc>
-                <a:spcPct val="90000"/>
-              </a:lnSpc>
-              <a:spcBef>
-                <a:spcPts val="1001"/>
-              </a:spcBef>
-            </a:pPr>
-            <a:endParaRPr b="0" lang="en-US" sz="2400" spc="-1" strike="noStrike">
-              <a:latin typeface="Arial"/>
-            </a:endParaRPr>
-          </a:p>
-          <a:p>
-            <a:pPr marL="343080" indent="-342720">
-              <a:lnSpc>
-                <a:spcPct val="90000"/>
-              </a:lnSpc>
-              <a:spcBef>
-                <a:spcPts val="1001"/>
-              </a:spcBef>
-              <a:buClr>
-                <a:srgbClr val="ffffff"/>
-              </a:buClr>
-              <a:buFont typeface="Arial"/>
-              <a:buChar char="•"/>
-            </a:pPr>
-            <a:r>
-              <a:rPr b="0" lang="en-US" sz="2400" spc="-1" strike="noStrike">
-                <a:solidFill>
-                  <a:srgbClr val="ffffff"/>
-                </a:solidFill>
-                <a:latin typeface="Calibri"/>
-              </a:rPr>
-              <a:t>Normal HER outperformed our version of PER</a:t>
-            </a:r>
-            <a:endParaRPr b="0" lang="en-US" sz="2400" spc="-1" strike="noStrike">
-              <a:latin typeface="Arial"/>
-            </a:endParaRPr>
-          </a:p>
-          <a:p>
-            <a:pPr>
-              <a:lnSpc>
-                <a:spcPct val="90000"/>
-              </a:lnSpc>
-              <a:spcBef>
-                <a:spcPts val="1001"/>
-              </a:spcBef>
-            </a:pPr>
-            <a:endParaRPr b="0" lang="en-US" sz="2400" spc="-1" strike="noStrike">
-              <a:latin typeface="Arial"/>
-            </a:endParaRPr>
-          </a:p>
-          <a:p>
-            <a:pPr>
-              <a:lnSpc>
-                <a:spcPct val="90000"/>
-              </a:lnSpc>
-              <a:spcBef>
-                <a:spcPts val="1001"/>
-              </a:spcBef>
-            </a:pPr>
-            <a:endParaRPr b="0" lang="en-US" sz="2400" spc="-1" strike="noStrike">
-              <a:latin typeface="Arial"/>
-            </a:endParaRPr>
-          </a:p>
-          <a:p>
-            <a:pPr>
-              <a:lnSpc>
-                <a:spcPct val="90000"/>
-              </a:lnSpc>
-              <a:spcBef>
-                <a:spcPts val="1001"/>
-              </a:spcBef>
-            </a:pPr>
-            <a:endParaRPr b="0" lang="en-US" sz="2400" spc="-1" strike="noStrike">
-              <a:latin typeface="Arial"/>
-            </a:endParaRPr>
-          </a:p>
-        </p:txBody>
-      </p:sp>
-      <p:sp>
-        <p:nvSpPr>
-          <p:cNvPr id="82" name="CustomShape 3"/>
+          <p:cNvPr id="77" name="CustomShape 1"/>
           <p:cNvSpPr/>
           <p:nvPr/>
         </p:nvSpPr>
         <p:spPr>
           <a:xfrm>
-            <a:off x="6540840" y="132480"/>
-            <a:ext cx="5495400" cy="320040"/>
+            <a:off x="600120" y="868320"/>
+            <a:ext cx="6133320" cy="837360"/>
           </a:xfrm>
           <a:prstGeom prst="rect">
             <a:avLst/>
@@ -5617,7 +5251,7 @@
           <a:fontRef idx="minor"/>
         </p:style>
         <p:txBody>
-          <a:bodyPr>
+          <a:bodyPr lIns="90000" rIns="90000" tIns="45000" bIns="45000" anchor="b">
             <a:normAutofit/>
           </a:bodyPr>
           <a:p>
@@ -5625,9 +5259,196 @@
               <a:lnSpc>
                 <a:spcPct val="90000"/>
               </a:lnSpc>
+            </a:pPr>
+            <a:r>
+              <a:rPr b="1" lang="en-US" sz="4800" spc="-1" strike="noStrike">
+                <a:solidFill>
+                  <a:srgbClr val="ffffff"/>
+                </a:solidFill>
+                <a:latin typeface="Rubik"/>
+              </a:rPr>
+              <a:t>Results</a:t>
+            </a:r>
+            <a:endParaRPr b="0" lang="en-US" sz="4800" spc="-1" strike="noStrike">
+              <a:latin typeface="Arial"/>
+            </a:endParaRPr>
+          </a:p>
+        </p:txBody>
+      </p:sp>
+      <p:sp>
+        <p:nvSpPr>
+          <p:cNvPr id="78" name="CustomShape 2"/>
+          <p:cNvSpPr/>
+          <p:nvPr/>
+        </p:nvSpPr>
+        <p:spPr>
+          <a:xfrm>
+            <a:off x="600120" y="1853640"/>
+            <a:ext cx="6133320" cy="3916080"/>
+          </a:xfrm>
+          <a:prstGeom prst="rect">
+            <a:avLst/>
+          </a:prstGeom>
+          <a:noFill/>
+          <a:ln>
+            <a:noFill/>
+          </a:ln>
+        </p:spPr>
+        <p:style>
+          <a:lnRef idx="0"/>
+          <a:fillRef idx="0"/>
+          <a:effectRef idx="0"/>
+          <a:fontRef idx="minor"/>
+        </p:style>
+        <p:txBody>
+          <a:bodyPr lIns="90000" rIns="90000" tIns="45000" bIns="45000">
+            <a:normAutofit/>
+          </a:bodyPr>
+          <a:p>
+            <a:pPr marL="343080" indent="-342360">
+              <a:lnSpc>
+                <a:spcPct val="90000"/>
+              </a:lnSpc>
               <a:spcBef>
                 <a:spcPts val="1001"/>
               </a:spcBef>
+              <a:buClr>
+                <a:srgbClr val="ffffff"/>
+              </a:buClr>
+              <a:buFont typeface="Arial"/>
+              <a:buChar char="•"/>
+            </a:pPr>
+            <a:r>
+              <a:rPr b="0" lang="en-US" sz="2400" spc="-1" strike="noStrike">
+                <a:solidFill>
+                  <a:srgbClr val="ffffff"/>
+                </a:solidFill>
+                <a:latin typeface="Calibri"/>
+              </a:rPr>
+              <a:t>Final demo</a:t>
+            </a:r>
+            <a:endParaRPr b="0" lang="en-US" sz="2400" spc="-1" strike="noStrike">
+              <a:latin typeface="Arial"/>
+            </a:endParaRPr>
+          </a:p>
+          <a:p>
+            <a:pPr>
+              <a:lnSpc>
+                <a:spcPct val="90000"/>
+              </a:lnSpc>
+              <a:spcBef>
+                <a:spcPts val="1001"/>
+              </a:spcBef>
+            </a:pPr>
+            <a:endParaRPr b="0" lang="en-US" sz="2400" spc="-1" strike="noStrike">
+              <a:latin typeface="Arial"/>
+            </a:endParaRPr>
+          </a:p>
+          <a:p>
+            <a:pPr marL="343080" indent="-342360">
+              <a:lnSpc>
+                <a:spcPct val="90000"/>
+              </a:lnSpc>
+              <a:spcBef>
+                <a:spcPts val="1001"/>
+              </a:spcBef>
+              <a:buClr>
+                <a:srgbClr val="ffffff"/>
+              </a:buClr>
+              <a:buFont typeface="Arial"/>
+              <a:buChar char="•"/>
+            </a:pPr>
+            <a:r>
+              <a:rPr b="0" lang="en-US" sz="2400" spc="-1" strike="noStrike">
+                <a:solidFill>
+                  <a:srgbClr val="ffffff"/>
+                </a:solidFill>
+                <a:latin typeface="Calibri"/>
+              </a:rPr>
+              <a:t>Normal HER outperformed our version of PER</a:t>
+            </a:r>
+            <a:endParaRPr b="0" lang="en-US" sz="2400" spc="-1" strike="noStrike">
+              <a:latin typeface="Arial"/>
+            </a:endParaRPr>
+          </a:p>
+          <a:p>
+            <a:pPr>
+              <a:lnSpc>
+                <a:spcPct val="90000"/>
+              </a:lnSpc>
+              <a:spcBef>
+                <a:spcPts val="1001"/>
+              </a:spcBef>
+            </a:pPr>
+            <a:endParaRPr b="0" lang="en-US" sz="2400" spc="-1" strike="noStrike">
+              <a:latin typeface="Arial"/>
+            </a:endParaRPr>
+          </a:p>
+          <a:p>
+            <a:pPr>
+              <a:lnSpc>
+                <a:spcPct val="90000"/>
+              </a:lnSpc>
+              <a:spcBef>
+                <a:spcPts val="1001"/>
+              </a:spcBef>
+            </a:pPr>
+            <a:endParaRPr b="0" lang="en-US" sz="2400" spc="-1" strike="noStrike">
+              <a:latin typeface="Arial"/>
+            </a:endParaRPr>
+          </a:p>
+          <a:p>
+            <a:pPr>
+              <a:lnSpc>
+                <a:spcPct val="90000"/>
+              </a:lnSpc>
+              <a:spcBef>
+                <a:spcPts val="1001"/>
+              </a:spcBef>
+            </a:pPr>
+            <a:endParaRPr b="0" lang="en-US" sz="2400" spc="-1" strike="noStrike">
+              <a:latin typeface="Arial"/>
+            </a:endParaRPr>
+          </a:p>
+        </p:txBody>
+      </p:sp>
+      <p:sp>
+        <p:nvSpPr>
+          <p:cNvPr id="79" name="CustomShape 3"/>
+          <p:cNvSpPr/>
+          <p:nvPr/>
+        </p:nvSpPr>
+        <p:spPr>
+          <a:xfrm>
+            <a:off x="6540840" y="132480"/>
+            <a:ext cx="5495040" cy="319680"/>
+          </a:xfrm>
+          <a:prstGeom prst="rect">
+            <a:avLst/>
+          </a:prstGeom>
+          <a:noFill/>
+          <a:ln>
+            <a:noFill/>
+          </a:ln>
+        </p:spPr>
+        <p:style>
+          <a:lnRef idx="0"/>
+          <a:fillRef idx="0"/>
+          <a:effectRef idx="0"/>
+          <a:fontRef idx="minor"/>
+        </p:style>
+        <p:txBody>
+          <a:bodyPr lIns="90000" rIns="90000" tIns="45000" bIns="45000">
+            <a:normAutofit/>
+          </a:bodyPr>
+          <a:p>
+            <a:pPr>
+              <a:lnSpc>
+                <a:spcPct val="90000"/>
+              </a:lnSpc>
+              <a:spcBef>
+                <a:spcPts val="1001"/>
+              </a:spcBef>
             </a:pPr>
             <a:r>
               <a:rPr b="0" i="1" lang="en-US" sz="1600" spc="-1" strike="noStrike">
@@ -5635,6 +5456,7 @@
                   <a:srgbClr val="ffffff"/>
                 </a:solidFill>
                 <a:latin typeface="Calibri"/>
+                <a:ea typeface="DejaVu Sans"/>
               </a:rPr>
               <a:t>Final demo:</a:t>
             </a:r>
@@ -5646,7 +5468,7 @@
       </p:sp>
       <p:pic>
         <p:nvPicPr>
-          <p:cNvPr id="83" name="" descr=""/>
+          <p:cNvPr id="80" name="" descr=""/>
           <p:cNvPicPr/>
           <p:nvPr/>
         </p:nvPicPr>
@@ -5657,7 +5479,7 @@
         <p:spPr>
           <a:xfrm>
             <a:off x="7223760" y="3184920"/>
-            <a:ext cx="4409640" cy="3307320"/>
+            <a:ext cx="4409280" cy="3306960"/>
           </a:xfrm>
           <a:prstGeom prst="rect">
             <a:avLst/>
